--- a/Documentation/FastGAN Slides.pptx
+++ b/Documentation/FastGAN Slides.pptx
@@ -5,22 +5,29 @@
     <p:sldMasterId id="2147483672" r:id="rId4"/>
   </p:sldMasterIdLst>
   <p:notesMasterIdLst>
-    <p:notesMasterId r:id="rId15"/>
+    <p:notesMasterId r:id="rId22"/>
   </p:notesMasterIdLst>
   <p:handoutMasterIdLst>
-    <p:handoutMasterId r:id="rId16"/>
+    <p:handoutMasterId r:id="rId23"/>
   </p:handoutMasterIdLst>
   <p:sldIdLst>
     <p:sldId id="256" r:id="rId5"/>
     <p:sldId id="262" r:id="rId6"/>
-    <p:sldId id="263" r:id="rId7"/>
-    <p:sldId id="264" r:id="rId8"/>
-    <p:sldId id="265" r:id="rId9"/>
-    <p:sldId id="266" r:id="rId10"/>
-    <p:sldId id="261" r:id="rId11"/>
-    <p:sldId id="258" r:id="rId12"/>
-    <p:sldId id="259" r:id="rId13"/>
-    <p:sldId id="260" r:id="rId14"/>
+    <p:sldId id="271" r:id="rId7"/>
+    <p:sldId id="263" r:id="rId8"/>
+    <p:sldId id="264" r:id="rId9"/>
+    <p:sldId id="265" r:id="rId10"/>
+    <p:sldId id="266" r:id="rId11"/>
+    <p:sldId id="268" r:id="rId12"/>
+    <p:sldId id="269" r:id="rId13"/>
+    <p:sldId id="267" r:id="rId14"/>
+    <p:sldId id="270" r:id="rId15"/>
+    <p:sldId id="272" r:id="rId16"/>
+    <p:sldId id="273" r:id="rId17"/>
+    <p:sldId id="261" r:id="rId18"/>
+    <p:sldId id="258" r:id="rId19"/>
+    <p:sldId id="259" r:id="rId20"/>
+    <p:sldId id="260" r:id="rId21"/>
   </p:sldIdLst>
   <p:sldSz cx="12192000" cy="6858000"/>
   <p:notesSz cx="6858000" cy="9144000"/>
@@ -2342,8 +2349,8 @@
   </dgm:ptLst>
   <dgm:cxnLst>
     <dgm:cxn modelId="{A11E3B12-1828-45A7-86C3-BB85832DF84D}" type="presOf" srcId="{CA077D98-8478-47EA-B6A9-99ACE60C64D4}" destId="{D79B43FC-100B-4A0D-A4D5-0D2D04B99064}" srcOrd="0" destOrd="0" presId="urn:microsoft.com/office/officeart/2008/layout/VerticalCurvedList"/>
+    <dgm:cxn modelId="{29DA474E-5DFA-4C66-882F-319C49ABBB19}" type="presOf" srcId="{6750AC01-D39D-4F3A-9DC8-2A211EE986A2}" destId="{58319267-C71E-43C9-94E1-827D0616C7A7}" srcOrd="0" destOrd="0" presId="urn:microsoft.com/office/officeart/2008/layout/VerticalCurvedList"/>
     <dgm:cxn modelId="{0B5DAE5F-BCDC-4BF7-A6E7-CF856886A64D}" srcId="{7E5AA53B-3EEE-4DE4-BB81-9044890C2946}" destId="{6750AC01-D39D-4F3A-9DC8-2A211EE986A2}" srcOrd="0" destOrd="0" parTransId="{720680DC-AAA4-4434-A582-60EBCC5BA355}" sibTransId="{CA077D98-8478-47EA-B6A9-99ACE60C64D4}"/>
-    <dgm:cxn modelId="{29DA474E-5DFA-4C66-882F-319C49ABBB19}" type="presOf" srcId="{6750AC01-D39D-4F3A-9DC8-2A211EE986A2}" destId="{58319267-C71E-43C9-94E1-827D0616C7A7}" srcOrd="0" destOrd="0" presId="urn:microsoft.com/office/officeart/2008/layout/VerticalCurvedList"/>
     <dgm:cxn modelId="{7084AA77-BACB-46CB-AE4A-77B62D3ED1AF}" type="presOf" srcId="{5605D28D-2CE6-4513-8566-952984E21E14}" destId="{E131CE4A-9776-44F4-BC03-867682E21374}" srcOrd="0" destOrd="0" presId="urn:microsoft.com/office/officeart/2008/layout/VerticalCurvedList"/>
     <dgm:cxn modelId="{EDEF4F82-1237-4639-A0F7-385C1897CE66}" srcId="{7E5AA53B-3EEE-4DE4-BB81-9044890C2946}" destId="{0BEF68B8-1228-47BB-83B5-7B9CD1E3F84E}" srcOrd="1" destOrd="0" parTransId="{ED3A4BC2-B75A-4952-A38B-A42B5995DF05}" sibTransId="{FD949706-EDCC-4ADC-8EDF-8EDA49C92325}"/>
     <dgm:cxn modelId="{FAF3F884-F0CF-440F-8CB1-B7648AB1B138}" srcId="{7E5AA53B-3EEE-4DE4-BB81-9044890C2946}" destId="{5605D28D-2CE6-4513-8566-952984E21E14}" srcOrd="2" destOrd="0" parTransId="{EB15AB98-362B-4E70-A3DA-995FC3E8BA79}" sibTransId="{823D1971-2C4D-4EC5-A874-2F463DE37109}"/>
@@ -6832,7 +6839,7 @@
           <a:p>
             <a:fld id="{79853C4C-502E-464F-BAA8-27DBB71A0B97}" type="datetimeFigureOut">
               <a:rPr lang="it-IT" smtClean="0"/>
-              <a:t>22/04/2021</a:t>
+              <a:t>22/04/21</a:t>
             </a:fld>
             <a:endParaRPr lang="it-IT"/>
           </a:p>
@@ -7010,7 +7017,7 @@
           <a:p>
             <a:fld id="{AF56E82B-0561-4374-A755-5D7F376F3791}" type="datetimeFigureOut">
               <a:rPr lang="it-IT" noProof="0" smtClean="0"/>
-              <a:t>22/04/2021</a:t>
+              <a:t>22/04/21</a:t>
             </a:fld>
             <a:endParaRPr lang="it-IT" noProof="0"/>
           </a:p>
@@ -7362,6 +7369,510 @@
 </p:notes>
 </file>
 
+<file path=ppt/notesSlides/notesSlide10.xml><?xml version="1.0" encoding="utf-8"?>
+<p:notes xmlns:a="http://schemas.openxmlformats.org/drawingml/2006/main" xmlns:r="http://schemas.openxmlformats.org/officeDocument/2006/relationships" xmlns:p="http://schemas.openxmlformats.org/presentationml/2006/main">
+  <p:cSld>
+    <p:spTree>
+      <p:nvGrpSpPr>
+        <p:cNvPr id="1" name=""/>
+        <p:cNvGrpSpPr/>
+        <p:nvPr/>
+      </p:nvGrpSpPr>
+      <p:grpSpPr>
+        <a:xfrm>
+          <a:off x="0" y="0"/>
+          <a:ext cx="0" cy="0"/>
+          <a:chOff x="0" y="0"/>
+          <a:chExt cx="0" cy="0"/>
+        </a:xfrm>
+      </p:grpSpPr>
+      <p:sp>
+        <p:nvSpPr>
+          <p:cNvPr id="2" name="Segnaposto immagine diapositiva 1"/>
+          <p:cNvSpPr>
+            <a:spLocks noGrp="1" noRot="1" noChangeAspect="1"/>
+          </p:cNvSpPr>
+          <p:nvPr>
+            <p:ph type="sldImg"/>
+          </p:nvPr>
+        </p:nvSpPr>
+        <p:spPr/>
+      </p:sp>
+      <p:sp>
+        <p:nvSpPr>
+          <p:cNvPr id="3" name="Segnaposto note 2"/>
+          <p:cNvSpPr>
+            <a:spLocks noGrp="1"/>
+          </p:cNvSpPr>
+          <p:nvPr>
+            <p:ph type="body" idx="1"/>
+          </p:nvPr>
+        </p:nvSpPr>
+        <p:spPr/>
+        <p:txBody>
+          <a:bodyPr/>
+          <a:lstStyle/>
+          <a:p>
+            <a:endParaRPr lang="it-IT"/>
+          </a:p>
+        </p:txBody>
+      </p:sp>
+      <p:sp>
+        <p:nvSpPr>
+          <p:cNvPr id="4" name="Segnaposto numero diapositiva 3"/>
+          <p:cNvSpPr>
+            <a:spLocks noGrp="1"/>
+          </p:cNvSpPr>
+          <p:nvPr>
+            <p:ph type="sldNum" sz="quarter" idx="5"/>
+          </p:nvPr>
+        </p:nvSpPr>
+        <p:spPr/>
+        <p:txBody>
+          <a:bodyPr/>
+          <a:lstStyle/>
+          <a:p>
+            <a:fld id="{1317C824-2132-4BB7-8F95-0CAE4412AE81}" type="slidenum">
+              <a:rPr lang="it-IT" noProof="0" smtClean="0"/>
+              <a:t>11</a:t>
+            </a:fld>
+            <a:endParaRPr lang="it-IT" noProof="0"/>
+          </a:p>
+        </p:txBody>
+      </p:sp>
+    </p:spTree>
+    <p:extLst>
+      <p:ext uri="{BB962C8B-B14F-4D97-AF65-F5344CB8AC3E}">
+        <p14:creationId xmlns:p14="http://schemas.microsoft.com/office/powerpoint/2010/main" val="2232294370"/>
+      </p:ext>
+    </p:extLst>
+  </p:cSld>
+  <p:clrMapOvr>
+    <a:masterClrMapping/>
+  </p:clrMapOvr>
+</p:notes>
+</file>
+
+<file path=ppt/notesSlides/notesSlide11.xml><?xml version="1.0" encoding="utf-8"?>
+<p:notes xmlns:a="http://schemas.openxmlformats.org/drawingml/2006/main" xmlns:r="http://schemas.openxmlformats.org/officeDocument/2006/relationships" xmlns:p="http://schemas.openxmlformats.org/presentationml/2006/main">
+  <p:cSld>
+    <p:spTree>
+      <p:nvGrpSpPr>
+        <p:cNvPr id="1" name=""/>
+        <p:cNvGrpSpPr/>
+        <p:nvPr/>
+      </p:nvGrpSpPr>
+      <p:grpSpPr>
+        <a:xfrm>
+          <a:off x="0" y="0"/>
+          <a:ext cx="0" cy="0"/>
+          <a:chOff x="0" y="0"/>
+          <a:chExt cx="0" cy="0"/>
+        </a:xfrm>
+      </p:grpSpPr>
+      <p:sp>
+        <p:nvSpPr>
+          <p:cNvPr id="2" name="Segnaposto immagine diapositiva 1"/>
+          <p:cNvSpPr>
+            <a:spLocks noGrp="1" noRot="1" noChangeAspect="1"/>
+          </p:cNvSpPr>
+          <p:nvPr>
+            <p:ph type="sldImg"/>
+          </p:nvPr>
+        </p:nvSpPr>
+        <p:spPr/>
+      </p:sp>
+      <p:sp>
+        <p:nvSpPr>
+          <p:cNvPr id="3" name="Segnaposto note 2"/>
+          <p:cNvSpPr>
+            <a:spLocks noGrp="1"/>
+          </p:cNvSpPr>
+          <p:nvPr>
+            <p:ph type="body" idx="1"/>
+          </p:nvPr>
+        </p:nvSpPr>
+        <p:spPr/>
+        <p:txBody>
+          <a:bodyPr/>
+          <a:lstStyle/>
+          <a:p>
+            <a:endParaRPr lang="it-IT"/>
+          </a:p>
+        </p:txBody>
+      </p:sp>
+      <p:sp>
+        <p:nvSpPr>
+          <p:cNvPr id="4" name="Segnaposto numero diapositiva 3"/>
+          <p:cNvSpPr>
+            <a:spLocks noGrp="1"/>
+          </p:cNvSpPr>
+          <p:nvPr>
+            <p:ph type="sldNum" sz="quarter" idx="5"/>
+          </p:nvPr>
+        </p:nvSpPr>
+        <p:spPr/>
+        <p:txBody>
+          <a:bodyPr/>
+          <a:lstStyle/>
+          <a:p>
+            <a:fld id="{1317C824-2132-4BB7-8F95-0CAE4412AE81}" type="slidenum">
+              <a:rPr lang="it-IT" noProof="0" smtClean="0"/>
+              <a:t>12</a:t>
+            </a:fld>
+            <a:endParaRPr lang="it-IT" noProof="0"/>
+          </a:p>
+        </p:txBody>
+      </p:sp>
+    </p:spTree>
+    <p:extLst>
+      <p:ext uri="{BB962C8B-B14F-4D97-AF65-F5344CB8AC3E}">
+        <p14:creationId xmlns:p14="http://schemas.microsoft.com/office/powerpoint/2010/main" val="1848735467"/>
+      </p:ext>
+    </p:extLst>
+  </p:cSld>
+  <p:clrMapOvr>
+    <a:masterClrMapping/>
+  </p:clrMapOvr>
+</p:notes>
+</file>
+
+<file path=ppt/notesSlides/notesSlide12.xml><?xml version="1.0" encoding="utf-8"?>
+<p:notes xmlns:a="http://schemas.openxmlformats.org/drawingml/2006/main" xmlns:r="http://schemas.openxmlformats.org/officeDocument/2006/relationships" xmlns:p="http://schemas.openxmlformats.org/presentationml/2006/main">
+  <p:cSld>
+    <p:spTree>
+      <p:nvGrpSpPr>
+        <p:cNvPr id="1" name=""/>
+        <p:cNvGrpSpPr/>
+        <p:nvPr/>
+      </p:nvGrpSpPr>
+      <p:grpSpPr>
+        <a:xfrm>
+          <a:off x="0" y="0"/>
+          <a:ext cx="0" cy="0"/>
+          <a:chOff x="0" y="0"/>
+          <a:chExt cx="0" cy="0"/>
+        </a:xfrm>
+      </p:grpSpPr>
+      <p:sp>
+        <p:nvSpPr>
+          <p:cNvPr id="2" name="Segnaposto immagine diapositiva 1"/>
+          <p:cNvSpPr>
+            <a:spLocks noGrp="1" noRot="1" noChangeAspect="1"/>
+          </p:cNvSpPr>
+          <p:nvPr>
+            <p:ph type="sldImg"/>
+          </p:nvPr>
+        </p:nvSpPr>
+        <p:spPr/>
+      </p:sp>
+      <p:sp>
+        <p:nvSpPr>
+          <p:cNvPr id="3" name="Segnaposto note 2"/>
+          <p:cNvSpPr>
+            <a:spLocks noGrp="1"/>
+          </p:cNvSpPr>
+          <p:nvPr>
+            <p:ph type="body" idx="1"/>
+          </p:nvPr>
+        </p:nvSpPr>
+        <p:spPr/>
+        <p:txBody>
+          <a:bodyPr/>
+          <a:lstStyle/>
+          <a:p>
+            <a:endParaRPr lang="it-IT"/>
+          </a:p>
+        </p:txBody>
+      </p:sp>
+      <p:sp>
+        <p:nvSpPr>
+          <p:cNvPr id="4" name="Segnaposto numero diapositiva 3"/>
+          <p:cNvSpPr>
+            <a:spLocks noGrp="1"/>
+          </p:cNvSpPr>
+          <p:nvPr>
+            <p:ph type="sldNum" sz="quarter" idx="5"/>
+          </p:nvPr>
+        </p:nvSpPr>
+        <p:spPr/>
+        <p:txBody>
+          <a:bodyPr/>
+          <a:lstStyle/>
+          <a:p>
+            <a:fld id="{1317C824-2132-4BB7-8F95-0CAE4412AE81}" type="slidenum">
+              <a:rPr lang="it-IT" noProof="0" smtClean="0"/>
+              <a:t>13</a:t>
+            </a:fld>
+            <a:endParaRPr lang="it-IT" noProof="0"/>
+          </a:p>
+        </p:txBody>
+      </p:sp>
+    </p:spTree>
+    <p:extLst>
+      <p:ext uri="{BB962C8B-B14F-4D97-AF65-F5344CB8AC3E}">
+        <p14:creationId xmlns:p14="http://schemas.microsoft.com/office/powerpoint/2010/main" val="653386321"/>
+      </p:ext>
+    </p:extLst>
+  </p:cSld>
+  <p:clrMapOvr>
+    <a:masterClrMapping/>
+  </p:clrMapOvr>
+</p:notes>
+</file>
+
+<file path=ppt/notesSlides/notesSlide13.xml><?xml version="1.0" encoding="utf-8"?>
+<p:notes xmlns:a="http://schemas.openxmlformats.org/drawingml/2006/main" xmlns:r="http://schemas.openxmlformats.org/officeDocument/2006/relationships" xmlns:p="http://schemas.openxmlformats.org/presentationml/2006/main">
+  <p:cSld>
+    <p:spTree>
+      <p:nvGrpSpPr>
+        <p:cNvPr id="1" name=""/>
+        <p:cNvGrpSpPr/>
+        <p:nvPr/>
+      </p:nvGrpSpPr>
+      <p:grpSpPr>
+        <a:xfrm>
+          <a:off x="0" y="0"/>
+          <a:ext cx="0" cy="0"/>
+          <a:chOff x="0" y="0"/>
+          <a:chExt cx="0" cy="0"/>
+        </a:xfrm>
+      </p:grpSpPr>
+      <p:sp>
+        <p:nvSpPr>
+          <p:cNvPr id="2" name="Segnaposto immagine diapositiva 1"/>
+          <p:cNvSpPr>
+            <a:spLocks noGrp="1" noRot="1" noChangeAspect="1"/>
+          </p:cNvSpPr>
+          <p:nvPr>
+            <p:ph type="sldImg"/>
+          </p:nvPr>
+        </p:nvSpPr>
+        <p:spPr/>
+      </p:sp>
+      <p:sp>
+        <p:nvSpPr>
+          <p:cNvPr id="3" name="Segnaposto note 2"/>
+          <p:cNvSpPr>
+            <a:spLocks noGrp="1"/>
+          </p:cNvSpPr>
+          <p:nvPr>
+            <p:ph type="body" idx="1"/>
+          </p:nvPr>
+        </p:nvSpPr>
+        <p:spPr/>
+        <p:txBody>
+          <a:bodyPr/>
+          <a:lstStyle/>
+          <a:p>
+            <a:endParaRPr lang="it-IT"/>
+          </a:p>
+        </p:txBody>
+      </p:sp>
+      <p:sp>
+        <p:nvSpPr>
+          <p:cNvPr id="4" name="Segnaposto numero diapositiva 3"/>
+          <p:cNvSpPr>
+            <a:spLocks noGrp="1"/>
+          </p:cNvSpPr>
+          <p:nvPr>
+            <p:ph type="sldNum" sz="quarter" idx="5"/>
+          </p:nvPr>
+        </p:nvSpPr>
+        <p:spPr/>
+        <p:txBody>
+          <a:bodyPr/>
+          <a:lstStyle/>
+          <a:p>
+            <a:fld id="{1317C824-2132-4BB7-8F95-0CAE4412AE81}" type="slidenum">
+              <a:rPr lang="it-IT" noProof="0" smtClean="0"/>
+              <a:t>15</a:t>
+            </a:fld>
+            <a:endParaRPr lang="it-IT" noProof="0"/>
+          </a:p>
+        </p:txBody>
+      </p:sp>
+    </p:spTree>
+    <p:extLst>
+      <p:ext uri="{BB962C8B-B14F-4D97-AF65-F5344CB8AC3E}">
+        <p14:creationId xmlns:p14="http://schemas.microsoft.com/office/powerpoint/2010/main" val="286586597"/>
+      </p:ext>
+    </p:extLst>
+  </p:cSld>
+  <p:clrMapOvr>
+    <a:masterClrMapping/>
+  </p:clrMapOvr>
+</p:notes>
+</file>
+
+<file path=ppt/notesSlides/notesSlide14.xml><?xml version="1.0" encoding="utf-8"?>
+<p:notes xmlns:a="http://schemas.openxmlformats.org/drawingml/2006/main" xmlns:r="http://schemas.openxmlformats.org/officeDocument/2006/relationships" xmlns:p="http://schemas.openxmlformats.org/presentationml/2006/main">
+  <p:cSld>
+    <p:spTree>
+      <p:nvGrpSpPr>
+        <p:cNvPr id="1" name=""/>
+        <p:cNvGrpSpPr/>
+        <p:nvPr/>
+      </p:nvGrpSpPr>
+      <p:grpSpPr>
+        <a:xfrm>
+          <a:off x="0" y="0"/>
+          <a:ext cx="0" cy="0"/>
+          <a:chOff x="0" y="0"/>
+          <a:chExt cx="0" cy="0"/>
+        </a:xfrm>
+      </p:grpSpPr>
+      <p:sp>
+        <p:nvSpPr>
+          <p:cNvPr id="2" name="Segnaposto immagine diapositiva 1"/>
+          <p:cNvSpPr>
+            <a:spLocks noGrp="1" noRot="1" noChangeAspect="1"/>
+          </p:cNvSpPr>
+          <p:nvPr>
+            <p:ph type="sldImg"/>
+          </p:nvPr>
+        </p:nvSpPr>
+        <p:spPr/>
+      </p:sp>
+      <p:sp>
+        <p:nvSpPr>
+          <p:cNvPr id="3" name="Segnaposto note 2"/>
+          <p:cNvSpPr>
+            <a:spLocks noGrp="1"/>
+          </p:cNvSpPr>
+          <p:nvPr>
+            <p:ph type="body" idx="1"/>
+          </p:nvPr>
+        </p:nvSpPr>
+        <p:spPr/>
+        <p:txBody>
+          <a:bodyPr/>
+          <a:lstStyle/>
+          <a:p>
+            <a:endParaRPr lang="it-IT"/>
+          </a:p>
+        </p:txBody>
+      </p:sp>
+      <p:sp>
+        <p:nvSpPr>
+          <p:cNvPr id="4" name="Segnaposto numero diapositiva 3"/>
+          <p:cNvSpPr>
+            <a:spLocks noGrp="1"/>
+          </p:cNvSpPr>
+          <p:nvPr>
+            <p:ph type="sldNum" sz="quarter" idx="5"/>
+          </p:nvPr>
+        </p:nvSpPr>
+        <p:spPr/>
+        <p:txBody>
+          <a:bodyPr/>
+          <a:lstStyle/>
+          <a:p>
+            <a:fld id="{1317C824-2132-4BB7-8F95-0CAE4412AE81}" type="slidenum">
+              <a:rPr lang="it-IT" noProof="0" smtClean="0"/>
+              <a:t>16</a:t>
+            </a:fld>
+            <a:endParaRPr lang="it-IT" noProof="0"/>
+          </a:p>
+        </p:txBody>
+      </p:sp>
+    </p:spTree>
+    <p:extLst>
+      <p:ext uri="{BB962C8B-B14F-4D97-AF65-F5344CB8AC3E}">
+        <p14:creationId xmlns:p14="http://schemas.microsoft.com/office/powerpoint/2010/main" val="2882543221"/>
+      </p:ext>
+    </p:extLst>
+  </p:cSld>
+  <p:clrMapOvr>
+    <a:masterClrMapping/>
+  </p:clrMapOvr>
+</p:notes>
+</file>
+
+<file path=ppt/notesSlides/notesSlide15.xml><?xml version="1.0" encoding="utf-8"?>
+<p:notes xmlns:a="http://schemas.openxmlformats.org/drawingml/2006/main" xmlns:r="http://schemas.openxmlformats.org/officeDocument/2006/relationships" xmlns:p="http://schemas.openxmlformats.org/presentationml/2006/main">
+  <p:cSld>
+    <p:spTree>
+      <p:nvGrpSpPr>
+        <p:cNvPr id="1" name=""/>
+        <p:cNvGrpSpPr/>
+        <p:nvPr/>
+      </p:nvGrpSpPr>
+      <p:grpSpPr>
+        <a:xfrm>
+          <a:off x="0" y="0"/>
+          <a:ext cx="0" cy="0"/>
+          <a:chOff x="0" y="0"/>
+          <a:chExt cx="0" cy="0"/>
+        </a:xfrm>
+      </p:grpSpPr>
+      <p:sp>
+        <p:nvSpPr>
+          <p:cNvPr id="2" name="Segnaposto immagine diapositiva 1"/>
+          <p:cNvSpPr>
+            <a:spLocks noGrp="1" noRot="1" noChangeAspect="1"/>
+          </p:cNvSpPr>
+          <p:nvPr>
+            <p:ph type="sldImg"/>
+          </p:nvPr>
+        </p:nvSpPr>
+        <p:spPr/>
+      </p:sp>
+      <p:sp>
+        <p:nvSpPr>
+          <p:cNvPr id="3" name="Segnaposto note 2"/>
+          <p:cNvSpPr>
+            <a:spLocks noGrp="1"/>
+          </p:cNvSpPr>
+          <p:nvPr>
+            <p:ph type="body" idx="1"/>
+          </p:nvPr>
+        </p:nvSpPr>
+        <p:spPr/>
+        <p:txBody>
+          <a:bodyPr/>
+          <a:lstStyle/>
+          <a:p>
+            <a:endParaRPr lang="it-IT"/>
+          </a:p>
+        </p:txBody>
+      </p:sp>
+      <p:sp>
+        <p:nvSpPr>
+          <p:cNvPr id="4" name="Segnaposto numero diapositiva 3"/>
+          <p:cNvSpPr>
+            <a:spLocks noGrp="1"/>
+          </p:cNvSpPr>
+          <p:nvPr>
+            <p:ph type="sldNum" sz="quarter" idx="5"/>
+          </p:nvPr>
+        </p:nvSpPr>
+        <p:spPr/>
+        <p:txBody>
+          <a:bodyPr/>
+          <a:lstStyle/>
+          <a:p>
+            <a:fld id="{1317C824-2132-4BB7-8F95-0CAE4412AE81}" type="slidenum">
+              <a:rPr lang="it-IT" noProof="0" smtClean="0"/>
+              <a:t>17</a:t>
+            </a:fld>
+            <a:endParaRPr lang="it-IT" noProof="0"/>
+          </a:p>
+        </p:txBody>
+      </p:sp>
+    </p:spTree>
+    <p:extLst>
+      <p:ext uri="{BB962C8B-B14F-4D97-AF65-F5344CB8AC3E}">
+        <p14:creationId xmlns:p14="http://schemas.microsoft.com/office/powerpoint/2010/main" val="1808672964"/>
+      </p:ext>
+    </p:extLst>
+  </p:cSld>
+  <p:clrMapOvr>
+    <a:masterClrMapping/>
+  </p:clrMapOvr>
+</p:notes>
+</file>
+
 <file path=ppt/notesSlides/notesSlide2.xml><?xml version="1.0" encoding="utf-8"?>
 <p:notes xmlns:a="http://schemas.openxmlformats.org/drawingml/2006/main" xmlns:r="http://schemas.openxmlformats.org/officeDocument/2006/relationships" xmlns:p="http://schemas.openxmlformats.org/presentationml/2006/main">
   <p:cSld>
@@ -7436,7 +7947,7 @@
     </p:spTree>
     <p:extLst>
       <p:ext uri="{BB962C8B-B14F-4D97-AF65-F5344CB8AC3E}">
-        <p14:creationId xmlns:p14="http://schemas.microsoft.com/office/powerpoint/2010/main" val="629714751"/>
+        <p14:creationId xmlns:p14="http://schemas.microsoft.com/office/powerpoint/2010/main" val="3927455423"/>
       </p:ext>
     </p:extLst>
   </p:cSld>
@@ -7520,7 +8031,7 @@
     </p:spTree>
     <p:extLst>
       <p:ext uri="{BB962C8B-B14F-4D97-AF65-F5344CB8AC3E}">
-        <p14:creationId xmlns:p14="http://schemas.microsoft.com/office/powerpoint/2010/main" val="480035749"/>
+        <p14:creationId xmlns:p14="http://schemas.microsoft.com/office/powerpoint/2010/main" val="629714751"/>
       </p:ext>
     </p:extLst>
   </p:cSld>
@@ -7604,7 +8115,7 @@
     </p:spTree>
     <p:extLst>
       <p:ext uri="{BB962C8B-B14F-4D97-AF65-F5344CB8AC3E}">
-        <p14:creationId xmlns:p14="http://schemas.microsoft.com/office/powerpoint/2010/main" val="2462944346"/>
+        <p14:creationId xmlns:p14="http://schemas.microsoft.com/office/powerpoint/2010/main" val="480035749"/>
       </p:ext>
     </p:extLst>
   </p:cSld>
@@ -7688,7 +8199,7 @@
     </p:spTree>
     <p:extLst>
       <p:ext uri="{BB962C8B-B14F-4D97-AF65-F5344CB8AC3E}">
-        <p14:creationId xmlns:p14="http://schemas.microsoft.com/office/powerpoint/2010/main" val="1647406280"/>
+        <p14:creationId xmlns:p14="http://schemas.microsoft.com/office/powerpoint/2010/main" val="2462944346"/>
       </p:ext>
     </p:extLst>
   </p:cSld>
@@ -7763,7 +8274,7 @@
           <a:p>
             <a:fld id="{1317C824-2132-4BB7-8F95-0CAE4412AE81}" type="slidenum">
               <a:rPr lang="it-IT" noProof="0" smtClean="0"/>
-              <a:t>8</a:t>
+              <a:t>7</a:t>
             </a:fld>
             <a:endParaRPr lang="it-IT" noProof="0"/>
           </a:p>
@@ -7772,7 +8283,7 @@
     </p:spTree>
     <p:extLst>
       <p:ext uri="{BB962C8B-B14F-4D97-AF65-F5344CB8AC3E}">
-        <p14:creationId xmlns:p14="http://schemas.microsoft.com/office/powerpoint/2010/main" val="286586597"/>
+        <p14:creationId xmlns:p14="http://schemas.microsoft.com/office/powerpoint/2010/main" val="1647406280"/>
       </p:ext>
     </p:extLst>
   </p:cSld>
@@ -7847,7 +8358,7 @@
           <a:p>
             <a:fld id="{1317C824-2132-4BB7-8F95-0CAE4412AE81}" type="slidenum">
               <a:rPr lang="it-IT" noProof="0" smtClean="0"/>
-              <a:t>9</a:t>
+              <a:t>8</a:t>
             </a:fld>
             <a:endParaRPr lang="it-IT" noProof="0"/>
           </a:p>
@@ -7856,7 +8367,7 @@
     </p:spTree>
     <p:extLst>
       <p:ext uri="{BB962C8B-B14F-4D97-AF65-F5344CB8AC3E}">
-        <p14:creationId xmlns:p14="http://schemas.microsoft.com/office/powerpoint/2010/main" val="2882543221"/>
+        <p14:creationId xmlns:p14="http://schemas.microsoft.com/office/powerpoint/2010/main" val="526633691"/>
       </p:ext>
     </p:extLst>
   </p:cSld>
@@ -7910,7 +8421,7 @@
           <a:bodyPr/>
           <a:lstStyle/>
           <a:p>
-            <a:endParaRPr lang="it-IT"/>
+            <a:endParaRPr lang="it-IT" dirty="0"/>
           </a:p>
         </p:txBody>
       </p:sp>
@@ -7931,7 +8442,7 @@
           <a:p>
             <a:fld id="{1317C824-2132-4BB7-8F95-0CAE4412AE81}" type="slidenum">
               <a:rPr lang="it-IT" noProof="0" smtClean="0"/>
-              <a:t>10</a:t>
+              <a:t>9</a:t>
             </a:fld>
             <a:endParaRPr lang="it-IT" noProof="0"/>
           </a:p>
@@ -7940,7 +8451,91 @@
     </p:spTree>
     <p:extLst>
       <p:ext uri="{BB962C8B-B14F-4D97-AF65-F5344CB8AC3E}">
-        <p14:creationId xmlns:p14="http://schemas.microsoft.com/office/powerpoint/2010/main" val="1808672964"/>
+        <p14:creationId xmlns:p14="http://schemas.microsoft.com/office/powerpoint/2010/main" val="315949402"/>
+      </p:ext>
+    </p:extLst>
+  </p:cSld>
+  <p:clrMapOvr>
+    <a:masterClrMapping/>
+  </p:clrMapOvr>
+</p:notes>
+</file>
+
+<file path=ppt/notesSlides/notesSlide9.xml><?xml version="1.0" encoding="utf-8"?>
+<p:notes xmlns:a="http://schemas.openxmlformats.org/drawingml/2006/main" xmlns:r="http://schemas.openxmlformats.org/officeDocument/2006/relationships" xmlns:p="http://schemas.openxmlformats.org/presentationml/2006/main">
+  <p:cSld>
+    <p:spTree>
+      <p:nvGrpSpPr>
+        <p:cNvPr id="1" name=""/>
+        <p:cNvGrpSpPr/>
+        <p:nvPr/>
+      </p:nvGrpSpPr>
+      <p:grpSpPr>
+        <a:xfrm>
+          <a:off x="0" y="0"/>
+          <a:ext cx="0" cy="0"/>
+          <a:chOff x="0" y="0"/>
+          <a:chExt cx="0" cy="0"/>
+        </a:xfrm>
+      </p:grpSpPr>
+      <p:sp>
+        <p:nvSpPr>
+          <p:cNvPr id="2" name="Segnaposto immagine diapositiva 1"/>
+          <p:cNvSpPr>
+            <a:spLocks noGrp="1" noRot="1" noChangeAspect="1"/>
+          </p:cNvSpPr>
+          <p:nvPr>
+            <p:ph type="sldImg"/>
+          </p:nvPr>
+        </p:nvSpPr>
+        <p:spPr/>
+      </p:sp>
+      <p:sp>
+        <p:nvSpPr>
+          <p:cNvPr id="3" name="Segnaposto note 2"/>
+          <p:cNvSpPr>
+            <a:spLocks noGrp="1"/>
+          </p:cNvSpPr>
+          <p:nvPr>
+            <p:ph type="body" idx="1"/>
+          </p:nvPr>
+        </p:nvSpPr>
+        <p:spPr/>
+        <p:txBody>
+          <a:bodyPr/>
+          <a:lstStyle/>
+          <a:p>
+            <a:endParaRPr lang="it-IT"/>
+          </a:p>
+        </p:txBody>
+      </p:sp>
+      <p:sp>
+        <p:nvSpPr>
+          <p:cNvPr id="4" name="Segnaposto numero diapositiva 3"/>
+          <p:cNvSpPr>
+            <a:spLocks noGrp="1"/>
+          </p:cNvSpPr>
+          <p:nvPr>
+            <p:ph type="sldNum" sz="quarter" idx="5"/>
+          </p:nvPr>
+        </p:nvSpPr>
+        <p:spPr/>
+        <p:txBody>
+          <a:bodyPr/>
+          <a:lstStyle/>
+          <a:p>
+            <a:fld id="{1317C824-2132-4BB7-8F95-0CAE4412AE81}" type="slidenum">
+              <a:rPr lang="it-IT" noProof="0" smtClean="0"/>
+              <a:t>10</a:t>
+            </a:fld>
+            <a:endParaRPr lang="it-IT" noProof="0"/>
+          </a:p>
+        </p:txBody>
+      </p:sp>
+    </p:spTree>
+    <p:extLst>
+      <p:ext uri="{BB962C8B-B14F-4D97-AF65-F5344CB8AC3E}">
+        <p14:creationId xmlns:p14="http://schemas.microsoft.com/office/powerpoint/2010/main" val="552856552"/>
       </p:ext>
     </p:extLst>
   </p:cSld>
@@ -8205,7 +8800,7 @@
             <a:pPr rtl="0"/>
             <a:fld id="{69B43E50-D8C0-4AB8-B692-D33F8FB1039E}" type="datetime1">
               <a:rPr lang="it-IT" smtClean="0"/>
-              <a:t>22/04/2021</a:t>
+              <a:t>22/04/21</a:t>
             </a:fld>
             <a:endParaRPr lang="it-IT" dirty="0"/>
           </a:p>
@@ -8479,7 +9074,7 @@
             <a:pPr rtl="0"/>
             <a:fld id="{A5BDA436-B640-45F7-8025-0249A8DF7542}" type="datetime1">
               <a:rPr lang="it-IT" smtClean="0"/>
-              <a:t>22/04/2021</a:t>
+              <a:t>22/04/21</a:t>
             </a:fld>
             <a:endParaRPr lang="it-IT" dirty="0"/>
           </a:p>
@@ -8726,7 +9321,7 @@
             <a:pPr rtl="0"/>
             <a:fld id="{C23FC634-5A25-4169-AAD1-658470F5C9F9}" type="datetime1">
               <a:rPr lang="it-IT" smtClean="0"/>
-              <a:t>22/04/2021</a:t>
+              <a:t>22/04/21</a:t>
             </a:fld>
             <a:endParaRPr lang="it-IT" dirty="0"/>
           </a:p>
@@ -8978,7 +9573,7 @@
             <a:pPr rtl="0"/>
             <a:fld id="{D0DAF5D6-3432-4737-940E-FCB92BD69F81}" type="datetime1">
               <a:rPr lang="it-IT" smtClean="0"/>
-              <a:t>22/04/2021</a:t>
+              <a:t>22/04/21</a:t>
             </a:fld>
             <a:endParaRPr lang="it-IT" dirty="0"/>
           </a:p>
@@ -9298,7 +9893,7 @@
             <a:pPr rtl="0"/>
             <a:fld id="{8460E87A-404B-43E1-8A8D-30D2BCF7A226}" type="datetime1">
               <a:rPr lang="it-IT" smtClean="0"/>
-              <a:t>22/04/2021</a:t>
+              <a:t>22/04/21</a:t>
             </a:fld>
             <a:endParaRPr lang="it-IT" dirty="0"/>
           </a:p>
@@ -9612,7 +10207,7 @@
             <a:pPr rtl="0"/>
             <a:fld id="{A8C6B7B6-6BDC-4A28-8E73-1A61448F0380}" type="datetime1">
               <a:rPr lang="it-IT" smtClean="0"/>
-              <a:t>22/04/2021</a:t>
+              <a:t>22/04/21</a:t>
             </a:fld>
             <a:endParaRPr lang="it-IT" dirty="0"/>
           </a:p>
@@ -10046,7 +10641,7 @@
             <a:pPr rtl="0"/>
             <a:fld id="{BFD3F342-B5CF-4467-B9DB-4E2655A2B423}" type="datetime1">
               <a:rPr lang="it-IT" smtClean="0"/>
-              <a:t>22/04/2021</a:t>
+              <a:t>22/04/21</a:t>
             </a:fld>
             <a:endParaRPr lang="it-IT" dirty="0"/>
           </a:p>
@@ -10145,7 +10740,7 @@
             <a:pPr rtl="0"/>
             <a:fld id="{ED8DD4B2-C3E2-48E8-85F3-188260B629C0}" type="datetime1">
               <a:rPr lang="it-IT" smtClean="0"/>
-              <a:t>22/04/2021</a:t>
+              <a:t>22/04/21</a:t>
             </a:fld>
             <a:endParaRPr lang="it-IT" dirty="0"/>
           </a:p>
@@ -10319,7 +10914,7 @@
             <a:pPr rtl="0"/>
             <a:fld id="{FF83F823-4EEB-4AE7-8B22-3110E500D1B4}" type="datetime1">
               <a:rPr lang="it-IT" smtClean="0"/>
-              <a:t>22/04/2021</a:t>
+              <a:t>22/04/21</a:t>
             </a:fld>
             <a:endParaRPr lang="it-IT" dirty="0"/>
           </a:p>
@@ -10709,7 +11304,7 @@
             <a:pPr rtl="0"/>
             <a:fld id="{37145F33-5E4E-49B7-BF39-AB2289E91211}" type="datetime1">
               <a:rPr lang="it-IT" smtClean="0"/>
-              <a:t>22/04/2021</a:t>
+              <a:t>22/04/21</a:t>
             </a:fld>
             <a:endParaRPr lang="it-IT" dirty="0"/>
           </a:p>
@@ -11004,7 +11599,7 @@
             <a:pPr rtl="0"/>
             <a:fld id="{338C4A86-2147-43A1-9110-C8F45FAA8631}" type="datetime1">
               <a:rPr lang="it-IT" smtClean="0"/>
-              <a:t>22/04/2021</a:t>
+              <a:t>22/04/21</a:t>
             </a:fld>
             <a:endParaRPr lang="it-IT" dirty="0"/>
           </a:p>
@@ -11220,7 +11815,7 @@
             <a:pPr rtl="0"/>
             <a:fld id="{9F3A7810-D3C5-4121-96C0-0361F9B18797}" type="datetime1">
               <a:rPr lang="it-IT" smtClean="0"/>
-              <a:t>22/04/2021</a:t>
+              <a:t>22/04/21</a:t>
             </a:fld>
             <a:endParaRPr lang="it-IT" dirty="0"/>
           </a:p>
@@ -12374,484 +12969,6 @@
           <a:chExt cx="0" cy="0"/>
         </a:xfrm>
       </p:grpSpPr>
-      <p:sp useBgFill="1">
-        <p:nvSpPr>
-          <p:cNvPr id="10" name="Rettangolo 9">
-            <a:extLst>
-              <a:ext uri="{FF2B5EF4-FFF2-40B4-BE49-F238E27FC236}">
-                <a16:creationId xmlns:a16="http://schemas.microsoft.com/office/drawing/2014/main" id="{379F11E2-8BA5-4C5C-AE7C-361E5EA011FF}"/>
-              </a:ext>
-              <a:ext uri="{C183D7F6-B498-43B3-948B-1728B52AA6E4}">
-                <adec:decorative xmlns:adec="http://schemas.microsoft.com/office/drawing/2017/decorative" val="1"/>
-              </a:ext>
-            </a:extLst>
-          </p:cNvPr>
-          <p:cNvSpPr>
-            <a:spLocks noGrp="1" noRot="1" noChangeAspect="1" noMove="1" noResize="1" noEditPoints="1" noAdjustHandles="1" noChangeArrowheads="1" noChangeShapeType="1" noTextEdit="1"/>
-          </p:cNvSpPr>
-          <p:nvPr>
-            <p:extLst>
-              <p:ext uri="{386F3935-93C4-4BCD-93E2-E3B085C9AB24}">
-                <p16:designElem xmlns:p16="http://schemas.microsoft.com/office/powerpoint/2015/main" val="1"/>
-              </p:ext>
-            </p:extLst>
-          </p:nvPr>
-        </p:nvSpPr>
-        <p:spPr>
-          <a:xfrm>
-            <a:off x="0" y="1"/>
-            <a:ext cx="12191999" cy="6858000"/>
-          </a:xfrm>
-          <a:prstGeom prst="rect">
-            <a:avLst/>
-          </a:prstGeom>
-          <a:ln>
-            <a:noFill/>
-          </a:ln>
-        </p:spPr>
-        <p:style>
-          <a:lnRef idx="2">
-            <a:schemeClr val="accent1">
-              <a:shade val="50000"/>
-            </a:schemeClr>
-          </a:lnRef>
-          <a:fillRef idx="1">
-            <a:schemeClr val="accent1"/>
-          </a:fillRef>
-          <a:effectRef idx="0">
-            <a:schemeClr val="accent1"/>
-          </a:effectRef>
-          <a:fontRef idx="minor">
-            <a:schemeClr val="lt1"/>
-          </a:fontRef>
-        </p:style>
-        <p:txBody>
-          <a:bodyPr rtlCol="0" anchor="ctr"/>
-          <a:lstStyle/>
-          <a:p>
-            <a:pPr algn="ctr" rtl="0"/>
-            <a:endParaRPr lang="it-IT"/>
-          </a:p>
-        </p:txBody>
-      </p:sp>
-      <p:pic>
-        <p:nvPicPr>
-          <p:cNvPr id="5" name="Immagine 4" descr="Numeri digitali">
-            <a:extLst>
-              <a:ext uri="{FF2B5EF4-FFF2-40B4-BE49-F238E27FC236}">
-                <a16:creationId xmlns:a16="http://schemas.microsoft.com/office/drawing/2014/main" id="{A21EA617-6D48-425F-97A8-7FEC82C8F401}"/>
-              </a:ext>
-            </a:extLst>
-          </p:cNvPr>
-          <p:cNvPicPr>
-            <a:picLocks noChangeAspect="1"/>
-          </p:cNvPicPr>
-          <p:nvPr/>
-        </p:nvPicPr>
-        <p:blipFill rotWithShape="1">
-          <a:blip r:embed="rId3" cstate="screen">
-            <a:extLst>
-              <a:ext uri="{28A0092B-C50C-407E-A947-70E740481C1C}">
-                <a14:useLocalDpi xmlns:a14="http://schemas.microsoft.com/office/drawing/2010/main"/>
-              </a:ext>
-            </a:extLst>
-          </a:blip>
-          <a:srcRect l="2189" r="9642" b="1"/>
-          <a:stretch/>
-        </p:blipFill>
-        <p:spPr>
-          <a:xfrm>
-            <a:off x="446534" y="723899"/>
-            <a:ext cx="7498616" cy="5676901"/>
-          </a:xfrm>
-          <a:prstGeom prst="rect">
-            <a:avLst/>
-          </a:prstGeom>
-        </p:spPr>
-      </p:pic>
-      <p:sp>
-        <p:nvSpPr>
-          <p:cNvPr id="12" name="Rettangolo 11">
-            <a:extLst>
-              <a:ext uri="{FF2B5EF4-FFF2-40B4-BE49-F238E27FC236}">
-                <a16:creationId xmlns:a16="http://schemas.microsoft.com/office/drawing/2014/main" id="{7C00E1DA-EC7C-40FC-95E3-11FDCD2E4291}"/>
-              </a:ext>
-              <a:ext uri="{C183D7F6-B498-43B3-948B-1728B52AA6E4}">
-                <adec:decorative xmlns:adec="http://schemas.microsoft.com/office/drawing/2017/decorative" val="1"/>
-              </a:ext>
-            </a:extLst>
-          </p:cNvPr>
-          <p:cNvSpPr>
-            <a:spLocks noGrp="1" noRot="1" noChangeAspect="1" noMove="1" noResize="1" noEditPoints="1" noAdjustHandles="1" noChangeArrowheads="1" noChangeShapeType="1" noTextEdit="1"/>
-          </p:cNvSpPr>
-          <p:nvPr>
-            <p:extLst>
-              <p:ext uri="{386F3935-93C4-4BCD-93E2-E3B085C9AB24}">
-                <p16:designElem xmlns:p16="http://schemas.microsoft.com/office/powerpoint/2015/main" val="1"/>
-              </p:ext>
-            </p:extLst>
-          </p:nvPr>
-        </p:nvSpPr>
-        <p:spPr>
-          <a:xfrm>
-            <a:off x="8042147" y="723899"/>
-            <a:ext cx="3703320" cy="5666666"/>
-          </a:xfrm>
-          <a:prstGeom prst="rect">
-            <a:avLst/>
-          </a:prstGeom>
-          <a:solidFill>
-            <a:schemeClr val="accent1"/>
-          </a:solidFill>
-          <a:ln>
-            <a:noFill/>
-          </a:ln>
-          <a:effectLst/>
-        </p:spPr>
-        <p:style>
-          <a:lnRef idx="1">
-            <a:schemeClr val="accent1"/>
-          </a:lnRef>
-          <a:fillRef idx="3">
-            <a:schemeClr val="accent1"/>
-          </a:fillRef>
-          <a:effectRef idx="2">
-            <a:schemeClr val="accent1"/>
-          </a:effectRef>
-          <a:fontRef idx="minor">
-            <a:schemeClr val="lt1"/>
-          </a:fontRef>
-        </p:style>
-        <p:txBody>
-          <a:bodyPr/>
-          <a:lstStyle/>
-          <a:p>
-            <a:endParaRPr lang="it-IT"/>
-          </a:p>
-        </p:txBody>
-      </p:sp>
-      <p:sp>
-        <p:nvSpPr>
-          <p:cNvPr id="2" name="Titolo 1">
-            <a:extLst>
-              <a:ext uri="{FF2B5EF4-FFF2-40B4-BE49-F238E27FC236}">
-                <a16:creationId xmlns:a16="http://schemas.microsoft.com/office/drawing/2014/main" id="{0F87E73C-2B1A-4602-BFBE-CFE1E55D9B38}"/>
-              </a:ext>
-            </a:extLst>
-          </p:cNvPr>
-          <p:cNvSpPr>
-            <a:spLocks noGrp="1"/>
-          </p:cNvSpPr>
-          <p:nvPr>
-            <p:ph type="ctrTitle"/>
-          </p:nvPr>
-        </p:nvSpPr>
-        <p:spPr>
-          <a:xfrm>
-            <a:off x="8296275" y="1419226"/>
-            <a:ext cx="3081576" cy="1746762"/>
-          </a:xfrm>
-        </p:spPr>
-        <p:txBody>
-          <a:bodyPr rtlCol="0">
-            <a:normAutofit/>
-          </a:bodyPr>
-          <a:lstStyle/>
-          <a:p>
-            <a:pPr rtl="0"/>
-            <a:r>
-              <a:rPr lang="it-IT">
-                <a:solidFill>
-                  <a:srgbClr val="FFFFFF"/>
-                </a:solidFill>
-              </a:rPr>
-              <a:t>Grazie</a:t>
-            </a:r>
-          </a:p>
-        </p:txBody>
-      </p:sp>
-      <p:sp>
-        <p:nvSpPr>
-          <p:cNvPr id="3" name="Sottotitolo 2">
-            <a:extLst>
-              <a:ext uri="{FF2B5EF4-FFF2-40B4-BE49-F238E27FC236}">
-                <a16:creationId xmlns:a16="http://schemas.microsoft.com/office/drawing/2014/main" id="{A9CB511D-EA45-4336-847C-1252667143B5}"/>
-              </a:ext>
-            </a:extLst>
-          </p:cNvPr>
-          <p:cNvSpPr>
-            <a:spLocks noGrp="1"/>
-          </p:cNvSpPr>
-          <p:nvPr>
-            <p:ph type="subTitle" idx="1"/>
-          </p:nvPr>
-        </p:nvSpPr>
-        <p:spPr>
-          <a:xfrm>
-            <a:off x="8296275" y="3505095"/>
-            <a:ext cx="3081576" cy="2629006"/>
-          </a:xfrm>
-        </p:spPr>
-        <p:txBody>
-          <a:bodyPr rtlCol="0">
-            <a:normAutofit/>
-          </a:bodyPr>
-          <a:lstStyle/>
-          <a:p>
-            <a:pPr rtl="0"/>
-            <a:r>
-              <a:rPr lang="it-IT">
-                <a:solidFill>
-                  <a:schemeClr val="bg2"/>
-                </a:solidFill>
-              </a:rPr>
-              <a:t>prova@example.com</a:t>
-            </a:r>
-          </a:p>
-          <a:p>
-            <a:pPr rtl="0"/>
-            <a:endParaRPr lang="it-IT">
-              <a:solidFill>
-                <a:schemeClr val="bg2"/>
-              </a:solidFill>
-            </a:endParaRPr>
-          </a:p>
-          <a:p>
-            <a:pPr rtl="0"/>
-            <a:endParaRPr lang="it-IT">
-              <a:solidFill>
-                <a:schemeClr val="bg2"/>
-              </a:solidFill>
-            </a:endParaRPr>
-          </a:p>
-        </p:txBody>
-      </p:sp>
-      <p:grpSp>
-        <p:nvGrpSpPr>
-          <p:cNvPr id="14" name="Gruppo 13">
-            <a:extLst>
-              <a:ext uri="{FF2B5EF4-FFF2-40B4-BE49-F238E27FC236}">
-                <a16:creationId xmlns:a16="http://schemas.microsoft.com/office/drawing/2014/main" id="{9A421166-2996-41A7-B094-AE5316F347DD}"/>
-              </a:ext>
-              <a:ext uri="{C183D7F6-B498-43B3-948B-1728B52AA6E4}">
-                <adec:decorative xmlns:adec="http://schemas.microsoft.com/office/drawing/2017/decorative" val="1"/>
-              </a:ext>
-            </a:extLst>
-          </p:cNvPr>
-          <p:cNvGrpSpPr>
-            <a:grpSpLocks noGrp="1" noUngrp="1" noRot="1" noChangeAspect="1" noMove="1" noResize="1"/>
-          </p:cNvGrpSpPr>
-          <p:nvPr>
-            <p:extLst>
-              <p:ext uri="{386F3935-93C4-4BCD-93E2-E3B085C9AB24}">
-                <p16:designElem xmlns:p16="http://schemas.microsoft.com/office/powerpoint/2015/main" val="1"/>
-              </p:ext>
-            </p:extLst>
-          </p:nvPr>
-        </p:nvGrpSpPr>
-        <p:grpSpPr>
-          <a:xfrm>
-            <a:off x="446534" y="453643"/>
-            <a:ext cx="11298933" cy="98554"/>
-            <a:chOff x="446534" y="453643"/>
-            <a:chExt cx="11298933" cy="98554"/>
-          </a:xfrm>
-        </p:grpSpPr>
-        <p:sp>
-          <p:nvSpPr>
-            <p:cNvPr id="15" name="Rettangolo 14">
-              <a:extLst>
-                <a:ext uri="{FF2B5EF4-FFF2-40B4-BE49-F238E27FC236}">
-                  <a16:creationId xmlns:a16="http://schemas.microsoft.com/office/drawing/2014/main" id="{FDBB1B92-A3EB-43E4-8FAB-D20E8ED14CEF}"/>
-                </a:ext>
-                <a:ext uri="{C183D7F6-B498-43B3-948B-1728B52AA6E4}">
-                  <adec:decorative xmlns:adec="http://schemas.microsoft.com/office/drawing/2017/decorative" val="1"/>
-                </a:ext>
-              </a:extLst>
-            </p:cNvPr>
-            <p:cNvSpPr/>
-            <p:nvPr>
-              <p:extLst>
-                <p:ext uri="{386F3935-93C4-4BCD-93E2-E3B085C9AB24}">
-                  <p16:designElem xmlns:p16="http://schemas.microsoft.com/office/powerpoint/2015/main" val="1"/>
-                </p:ext>
-              </p:extLst>
-            </p:nvPr>
-          </p:nvSpPr>
-          <p:spPr>
-            <a:xfrm>
-              <a:off x="446534" y="457200"/>
-              <a:ext cx="3703320" cy="94997"/>
-            </a:xfrm>
-            <a:prstGeom prst="rect">
-              <a:avLst/>
-            </a:prstGeom>
-            <a:solidFill>
-              <a:schemeClr val="accent1"/>
-            </a:solidFill>
-            <a:ln>
-              <a:noFill/>
-            </a:ln>
-            <a:effectLst/>
-          </p:spPr>
-          <p:style>
-            <a:lnRef idx="1">
-              <a:schemeClr val="accent1"/>
-            </a:lnRef>
-            <a:fillRef idx="3">
-              <a:schemeClr val="accent1"/>
-            </a:fillRef>
-            <a:effectRef idx="2">
-              <a:schemeClr val="accent1"/>
-            </a:effectRef>
-            <a:fontRef idx="minor">
-              <a:schemeClr val="lt1"/>
-            </a:fontRef>
-          </p:style>
-        </p:sp>
-        <p:sp>
-          <p:nvSpPr>
-            <p:cNvPr id="16" name="Rettangolo 15">
-              <a:extLst>
-                <a:ext uri="{FF2B5EF4-FFF2-40B4-BE49-F238E27FC236}">
-                  <a16:creationId xmlns:a16="http://schemas.microsoft.com/office/drawing/2014/main" id="{3F3972F4-FE7E-48EA-AAD8-9BE5750A6672}"/>
-                </a:ext>
-                <a:ext uri="{C183D7F6-B498-43B3-948B-1728B52AA6E4}">
-                  <adec:decorative xmlns:adec="http://schemas.microsoft.com/office/drawing/2017/decorative" val="1"/>
-                </a:ext>
-              </a:extLst>
-            </p:cNvPr>
-            <p:cNvSpPr/>
-            <p:nvPr>
-              <p:extLst>
-                <p:ext uri="{386F3935-93C4-4BCD-93E2-E3B085C9AB24}">
-                  <p16:designElem xmlns:p16="http://schemas.microsoft.com/office/powerpoint/2015/main" val="1"/>
-                </p:ext>
-              </p:extLst>
-            </p:nvPr>
-          </p:nvSpPr>
-          <p:spPr>
-            <a:xfrm>
-              <a:off x="8042147" y="453643"/>
-              <a:ext cx="3703320" cy="98554"/>
-            </a:xfrm>
-            <a:prstGeom prst="rect">
-              <a:avLst/>
-            </a:prstGeom>
-            <a:solidFill>
-              <a:schemeClr val="accent4"/>
-            </a:solidFill>
-            <a:ln>
-              <a:noFill/>
-            </a:ln>
-            <a:effectLst/>
-          </p:spPr>
-          <p:style>
-            <a:lnRef idx="1">
-              <a:schemeClr val="accent1"/>
-            </a:lnRef>
-            <a:fillRef idx="3">
-              <a:schemeClr val="accent1"/>
-            </a:fillRef>
-            <a:effectRef idx="2">
-              <a:schemeClr val="accent1"/>
-            </a:effectRef>
-            <a:fontRef idx="minor">
-              <a:schemeClr val="lt1"/>
-            </a:fontRef>
-          </p:style>
-        </p:sp>
-        <p:sp>
-          <p:nvSpPr>
-            <p:cNvPr id="17" name="Rettangolo 16">
-              <a:extLst>
-                <a:ext uri="{FF2B5EF4-FFF2-40B4-BE49-F238E27FC236}">
-                  <a16:creationId xmlns:a16="http://schemas.microsoft.com/office/drawing/2014/main" id="{221614E5-870B-4D5E-A43B-8FF7E5323484}"/>
-                </a:ext>
-                <a:ext uri="{C183D7F6-B498-43B3-948B-1728B52AA6E4}">
-                  <adec:decorative xmlns:adec="http://schemas.microsoft.com/office/drawing/2017/decorative" val="1"/>
-                </a:ext>
-              </a:extLst>
-            </p:cNvPr>
-            <p:cNvSpPr/>
-            <p:nvPr>
-              <p:extLst>
-                <p:ext uri="{386F3935-93C4-4BCD-93E2-E3B085C9AB24}">
-                  <p16:designElem xmlns:p16="http://schemas.microsoft.com/office/powerpoint/2015/main" val="1"/>
-                </p:ext>
-              </p:extLst>
-            </p:nvPr>
-          </p:nvSpPr>
-          <p:spPr>
-            <a:xfrm>
-              <a:off x="4241830" y="457200"/>
-              <a:ext cx="3703320" cy="91440"/>
-            </a:xfrm>
-            <a:prstGeom prst="rect">
-              <a:avLst/>
-            </a:prstGeom>
-            <a:solidFill>
-              <a:schemeClr val="accent2"/>
-            </a:solidFill>
-            <a:ln>
-              <a:noFill/>
-            </a:ln>
-            <a:effectLst/>
-          </p:spPr>
-          <p:style>
-            <a:lnRef idx="1">
-              <a:schemeClr val="accent1"/>
-            </a:lnRef>
-            <a:fillRef idx="3">
-              <a:schemeClr val="accent1"/>
-            </a:fillRef>
-            <a:effectRef idx="2">
-              <a:schemeClr val="accent1"/>
-            </a:effectRef>
-            <a:fontRef idx="minor">
-              <a:schemeClr val="lt1"/>
-            </a:fontRef>
-          </p:style>
-        </p:sp>
-      </p:grpSp>
-    </p:spTree>
-    <p:extLst>
-      <p:ext uri="{BB962C8B-B14F-4D97-AF65-F5344CB8AC3E}">
-        <p14:creationId xmlns:p14="http://schemas.microsoft.com/office/powerpoint/2010/main" val="3501347425"/>
-      </p:ext>
-    </p:extLst>
-  </p:cSld>
-  <p:clrMapOvr>
-    <a:masterClrMapping/>
-  </p:clrMapOvr>
-</p:sld>
-</file>
-
-<file path=ppt/slides/slide2.xml><?xml version="1.0" encoding="utf-8"?>
-<p:sld xmlns:a="http://schemas.openxmlformats.org/drawingml/2006/main" xmlns:r="http://schemas.openxmlformats.org/officeDocument/2006/relationships" xmlns:p="http://schemas.openxmlformats.org/presentationml/2006/main">
-  <p:cSld>
-    <p:bg>
-      <p:bgPr>
-        <a:solidFill>
-          <a:schemeClr val="bg1"/>
-        </a:solidFill>
-        <a:effectLst/>
-      </p:bgPr>
-    </p:bg>
-    <p:spTree>
-      <p:nvGrpSpPr>
-        <p:cNvPr id="1" name=""/>
-        <p:cNvGrpSpPr/>
-        <p:nvPr/>
-      </p:nvGrpSpPr>
-      <p:grpSpPr>
-        <a:xfrm>
-          <a:off x="0" y="0"/>
-          <a:ext cx="0" cy="0"/>
-          <a:chOff x="0" y="0"/>
-          <a:chExt cx="0" cy="0"/>
-        </a:xfrm>
-      </p:grpSpPr>
       <p:sp>
         <p:nvSpPr>
           <p:cNvPr id="2" name="Titolo 1">
@@ -12873,1439 +12990,76 @@
           <a:bodyPr rtlCol="0"/>
           <a:lstStyle/>
           <a:p>
-            <a:pPr rtl="0"/>
+            <a:r>
+              <a:rPr lang="it-IT" dirty="0"/>
+              <a:t>Method: Self-</a:t>
+            </a:r>
             <a:r>
               <a:rPr lang="it-IT" dirty="0" err="1"/>
-              <a:t>Introduction</a:t>
+              <a:t>Supervised</a:t>
             </a:r>
-            <a:endParaRPr lang="it-IT" dirty="0"/>
+            <a:r>
+              <a:rPr lang="it-IT" dirty="0"/>
+              <a:t> Discriminator </a:t>
+            </a:r>
           </a:p>
         </p:txBody>
       </p:sp>
-      <p:sp>
-        <p:nvSpPr>
-          <p:cNvPr id="4" name="Segnaposto contenuto 3">
+      <p:pic>
+        <p:nvPicPr>
+          <p:cNvPr id="2050" name="Picture 2">
             <a:extLst>
               <a:ext uri="{FF2B5EF4-FFF2-40B4-BE49-F238E27FC236}">
-                <a16:creationId xmlns:a16="http://schemas.microsoft.com/office/drawing/2014/main" id="{7D5B1FB4-0A64-46A6-B8E4-CABB1F344D8E}"/>
+                <a16:creationId xmlns:a16="http://schemas.microsoft.com/office/drawing/2014/main" id="{A7932800-86DC-6E44-9572-BCD3DADD73A0}"/>
               </a:ext>
             </a:extLst>
           </p:cNvPr>
-          <p:cNvSpPr>
-            <a:spLocks noGrp="1"/>
-          </p:cNvSpPr>
-          <p:nvPr>
-            <p:ph sz="half" idx="1"/>
-          </p:nvPr>
-        </p:nvSpPr>
-        <p:spPr>
-          <a:xfrm>
-            <a:off x="581192" y="2305882"/>
-            <a:ext cx="11029616" cy="637583"/>
-          </a:xfrm>
-        </p:spPr>
-        <p:txBody>
-          <a:bodyPr>
-            <a:normAutofit lnSpcReduction="10000"/>
-          </a:bodyPr>
-          <a:lstStyle/>
-          <a:p>
-            <a:pPr marL="0" indent="0" algn="l">
-              <a:buNone/>
-            </a:pPr>
-            <a:r>
-              <a:rPr lang="it-IT" dirty="0" err="1"/>
-              <a:t>Our</a:t>
-            </a:r>
-            <a:r>
-              <a:rPr lang="it-IT" dirty="0"/>
-              <a:t> work </a:t>
-            </a:r>
-            <a:r>
-              <a:rPr lang="it-IT" dirty="0" err="1"/>
-              <a:t>is</a:t>
-            </a:r>
-            <a:r>
-              <a:rPr lang="it-IT" dirty="0"/>
-              <a:t> </a:t>
-            </a:r>
-            <a:r>
-              <a:rPr lang="it-IT" dirty="0" err="1"/>
-              <a:t>based</a:t>
-            </a:r>
-            <a:r>
-              <a:rPr lang="it-IT" dirty="0"/>
-              <a:t> on the paper “</a:t>
-            </a:r>
-            <a:r>
-              <a:rPr lang="en-US" dirty="0"/>
-              <a:t>Towards Faster And Stabilized Gan Training For High-fidelity Few-shot Image Synthesis</a:t>
-            </a:r>
-            <a:r>
-              <a:rPr lang="it-IT" dirty="0"/>
-              <a:t>”. </a:t>
-            </a:r>
-            <a:endParaRPr lang="en-US" dirty="0"/>
-          </a:p>
-        </p:txBody>
-      </p:sp>
-      <p:sp>
-        <p:nvSpPr>
-          <p:cNvPr id="10" name="Segnaposto contenuto 3">
+          <p:cNvPicPr>
+            <a:picLocks noChangeAspect="1" noChangeArrowheads="1"/>
+          </p:cNvPicPr>
+          <p:nvPr/>
+        </p:nvPicPr>
+        <p:blipFill>
+          <a:blip r:embed="rId3">
             <a:extLst>
-              <a:ext uri="{FF2B5EF4-FFF2-40B4-BE49-F238E27FC236}">
-                <a16:creationId xmlns:a16="http://schemas.microsoft.com/office/drawing/2014/main" id="{EB3B234C-024F-4053-8932-83A38002F261}"/>
+              <a:ext uri="{28A0092B-C50C-407E-A947-70E740481C1C}">
+                <a14:useLocalDpi xmlns:a14="http://schemas.microsoft.com/office/drawing/2010/main" val="0"/>
               </a:ext>
             </a:extLst>
-          </p:cNvPr>
-          <p:cNvSpPr txBox="1">
-            <a:spLocks/>
-          </p:cNvSpPr>
-          <p:nvPr/>
-        </p:nvSpPr>
-        <p:spPr>
+          </a:blip>
+          <a:srcRect/>
+          <a:stretch>
+            <a:fillRect/>
+          </a:stretch>
+        </p:blipFill>
+        <p:spPr bwMode="auto">
           <a:xfrm>
-            <a:off x="581192" y="3127966"/>
-            <a:ext cx="11029616" cy="3158533"/>
+            <a:off x="581191" y="2043013"/>
+            <a:ext cx="3715069" cy="4614461"/>
           </a:xfrm>
           <a:prstGeom prst="rect">
             <a:avLst/>
           </a:prstGeom>
-        </p:spPr>
-        <p:txBody>
-          <a:bodyPr vert="horz" lIns="91440" tIns="45720" rIns="91440" bIns="45720" rtlCol="0" anchor="ctr">
-            <a:normAutofit/>
-          </a:bodyPr>
-          <a:lstStyle>
-            <a:lvl1pPr marL="306000" indent="-306000" algn="l" defTabSz="457200" rtl="0" eaLnBrk="1" latinLnBrk="0" hangingPunct="1">
-              <a:spcBef>
-                <a:spcPct val="20000"/>
-              </a:spcBef>
-              <a:spcAft>
-                <a:spcPts val="600"/>
-              </a:spcAft>
-              <a:buClr>
-                <a:schemeClr val="accent2"/>
-              </a:buClr>
-              <a:buSzPct val="92000"/>
-              <a:buFont typeface="Wingdings 2" panose="05020102010507070707" pitchFamily="18" charset="2"/>
-              <a:buChar char=""/>
-              <a:defRPr sz="1800" kern="1200">
+          <a:noFill/>
+          <a:extLst>
+            <a:ext uri="{909E8E84-426E-40DD-AFC4-6F175D3DCCD1}">
+              <a14:hiddenFill xmlns:a14="http://schemas.microsoft.com/office/drawing/2010/main">
                 <a:solidFill>
-                  <a:schemeClr val="tx2"/>
+                  <a:srgbClr val="FFFFFF"/>
                 </a:solidFill>
-                <a:latin typeface="+mn-lt"/>
-                <a:ea typeface="+mn-ea"/>
-                <a:cs typeface="+mn-cs"/>
-              </a:defRPr>
-            </a:lvl1pPr>
-            <a:lvl2pPr marL="630000" indent="-306000" algn="l" defTabSz="457200" rtl="0" eaLnBrk="1" latinLnBrk="0" hangingPunct="1">
-              <a:spcBef>
-                <a:spcPct val="20000"/>
-              </a:spcBef>
-              <a:spcAft>
-                <a:spcPts val="600"/>
-              </a:spcAft>
-              <a:buClr>
-                <a:schemeClr val="accent2"/>
-              </a:buClr>
-              <a:buSzPct val="92000"/>
-              <a:buFont typeface="Wingdings 2" panose="05020102010507070707" pitchFamily="18" charset="2"/>
-              <a:buChar char=""/>
-              <a:defRPr sz="1600" kern="1200">
-                <a:solidFill>
-                  <a:schemeClr val="tx2"/>
-                </a:solidFill>
-                <a:latin typeface="+mn-lt"/>
-                <a:ea typeface="+mn-ea"/>
-                <a:cs typeface="+mn-cs"/>
-              </a:defRPr>
-            </a:lvl2pPr>
-            <a:lvl3pPr marL="900000" indent="-270000" algn="l" defTabSz="457200" rtl="0" eaLnBrk="1" latinLnBrk="0" hangingPunct="1">
-              <a:spcBef>
-                <a:spcPct val="20000"/>
-              </a:spcBef>
-              <a:spcAft>
-                <a:spcPts val="600"/>
-              </a:spcAft>
-              <a:buClr>
-                <a:schemeClr val="accent2"/>
-              </a:buClr>
-              <a:buSzPct val="92000"/>
-              <a:buFont typeface="Wingdings 2" panose="05020102010507070707" pitchFamily="18" charset="2"/>
-              <a:buChar char=""/>
-              <a:defRPr sz="1400" kern="1200">
-                <a:solidFill>
-                  <a:schemeClr val="tx2"/>
-                </a:solidFill>
-                <a:latin typeface="+mn-lt"/>
-                <a:ea typeface="+mn-ea"/>
-                <a:cs typeface="+mn-cs"/>
-              </a:defRPr>
-            </a:lvl3pPr>
-            <a:lvl4pPr marL="1242000" indent="-234000" algn="l" defTabSz="457200" rtl="0" eaLnBrk="1" latinLnBrk="0" hangingPunct="1">
-              <a:spcBef>
-                <a:spcPct val="20000"/>
-              </a:spcBef>
-              <a:spcAft>
-                <a:spcPts val="600"/>
-              </a:spcAft>
-              <a:buClr>
-                <a:schemeClr val="accent2"/>
-              </a:buClr>
-              <a:buSzPct val="92000"/>
-              <a:buFont typeface="Wingdings 2" panose="05020102010507070707" pitchFamily="18" charset="2"/>
-              <a:buChar char=""/>
-              <a:defRPr sz="1200" kern="1200">
-                <a:solidFill>
-                  <a:schemeClr val="tx2"/>
-                </a:solidFill>
-                <a:latin typeface="+mn-lt"/>
-                <a:ea typeface="+mn-ea"/>
-                <a:cs typeface="+mn-cs"/>
-              </a:defRPr>
-            </a:lvl4pPr>
-            <a:lvl5pPr marL="1602000" indent="-234000" algn="l" defTabSz="457200" rtl="0" eaLnBrk="1" latinLnBrk="0" hangingPunct="1">
-              <a:spcBef>
-                <a:spcPct val="20000"/>
-              </a:spcBef>
-              <a:spcAft>
-                <a:spcPts val="600"/>
-              </a:spcAft>
-              <a:buClr>
-                <a:schemeClr val="accent2"/>
-              </a:buClr>
-              <a:buSzPct val="92000"/>
-              <a:buFont typeface="Wingdings 2" panose="05020102010507070707" pitchFamily="18" charset="2"/>
-              <a:buChar char=""/>
-              <a:defRPr sz="1200" kern="1200">
-                <a:solidFill>
-                  <a:schemeClr val="tx2"/>
-                </a:solidFill>
-                <a:latin typeface="+mn-lt"/>
-                <a:ea typeface="+mn-ea"/>
-                <a:cs typeface="+mn-cs"/>
-              </a:defRPr>
-            </a:lvl5pPr>
-            <a:lvl6pPr marL="1900000" indent="-228600" algn="l" defTabSz="457200" rtl="0" eaLnBrk="1" latinLnBrk="0" hangingPunct="1">
-              <a:spcBef>
-                <a:spcPct val="20000"/>
-              </a:spcBef>
-              <a:spcAft>
-                <a:spcPts val="600"/>
-              </a:spcAft>
-              <a:buClr>
-                <a:schemeClr val="accent2"/>
-              </a:buClr>
-              <a:buSzPct val="92000"/>
-              <a:buFont typeface="Wingdings 2" panose="05020102010507070707" pitchFamily="18" charset="2"/>
-              <a:buChar char=""/>
-              <a:defRPr sz="1200" kern="1200">
-                <a:solidFill>
-                  <a:schemeClr val="tx2"/>
-                </a:solidFill>
-                <a:latin typeface="+mn-lt"/>
-                <a:ea typeface="+mn-ea"/>
-                <a:cs typeface="+mn-cs"/>
-              </a:defRPr>
-            </a:lvl6pPr>
-            <a:lvl7pPr marL="2200000" indent="-228600" algn="l" defTabSz="457200" rtl="0" eaLnBrk="1" latinLnBrk="0" hangingPunct="1">
-              <a:spcBef>
-                <a:spcPct val="20000"/>
-              </a:spcBef>
-              <a:spcAft>
-                <a:spcPts val="600"/>
-              </a:spcAft>
-              <a:buClr>
-                <a:schemeClr val="accent2"/>
-              </a:buClr>
-              <a:buSzPct val="92000"/>
-              <a:buFont typeface="Wingdings 2" panose="05020102010507070707" pitchFamily="18" charset="2"/>
-              <a:buChar char=""/>
-              <a:defRPr sz="1200" kern="1200">
-                <a:solidFill>
-                  <a:schemeClr val="tx2"/>
-                </a:solidFill>
-                <a:latin typeface="+mn-lt"/>
-                <a:ea typeface="+mn-ea"/>
-                <a:cs typeface="+mn-cs"/>
-              </a:defRPr>
-            </a:lvl7pPr>
-            <a:lvl8pPr marL="2500000" indent="-228600" algn="l" defTabSz="457200" rtl="0" eaLnBrk="1" latinLnBrk="0" hangingPunct="1">
-              <a:spcBef>
-                <a:spcPct val="20000"/>
-              </a:spcBef>
-              <a:spcAft>
-                <a:spcPts val="600"/>
-              </a:spcAft>
-              <a:buClr>
-                <a:schemeClr val="accent2"/>
-              </a:buClr>
-              <a:buSzPct val="92000"/>
-              <a:buFont typeface="Wingdings 2" panose="05020102010507070707" pitchFamily="18" charset="2"/>
-              <a:buChar char=""/>
-              <a:defRPr sz="1200" kern="1200">
-                <a:solidFill>
-                  <a:schemeClr val="tx2"/>
-                </a:solidFill>
-                <a:latin typeface="+mn-lt"/>
-                <a:ea typeface="+mn-ea"/>
-                <a:cs typeface="+mn-cs"/>
-              </a:defRPr>
-            </a:lvl8pPr>
-            <a:lvl9pPr marL="2800000" indent="-228600" algn="l" defTabSz="457200" rtl="0" eaLnBrk="1" latinLnBrk="0" hangingPunct="1">
-              <a:spcBef>
-                <a:spcPct val="20000"/>
-              </a:spcBef>
-              <a:spcAft>
-                <a:spcPts val="600"/>
-              </a:spcAft>
-              <a:buClr>
-                <a:schemeClr val="accent2"/>
-              </a:buClr>
-              <a:buSzPct val="92000"/>
-              <a:buFont typeface="Wingdings 2" panose="05020102010507070707" pitchFamily="18" charset="2"/>
-              <a:buChar char=""/>
-              <a:defRPr sz="1200" kern="1200">
-                <a:solidFill>
-                  <a:schemeClr val="tx2"/>
-                </a:solidFill>
-                <a:latin typeface="+mn-lt"/>
-                <a:ea typeface="+mn-ea"/>
-                <a:cs typeface="+mn-cs"/>
-              </a:defRPr>
-            </a:lvl9pPr>
-          </a:lstStyle>
-          <a:p>
-            <a:pPr marL="0" indent="0">
-              <a:buFont typeface="Wingdings 2" panose="05020102010507070707" pitchFamily="18" charset="2"/>
-              <a:buNone/>
-            </a:pPr>
-            <a:r>
-              <a:rPr lang="it-IT" dirty="0"/>
-              <a:t>OBJECTIVES:</a:t>
-            </a:r>
-          </a:p>
-          <a:p>
-            <a:r>
-              <a:rPr lang="en-US" dirty="0"/>
-              <a:t>Allow users with limited computing budget and resources to train a GAN;</a:t>
-            </a:r>
-          </a:p>
-          <a:p>
-            <a:r>
-              <a:rPr lang="en-US" dirty="0"/>
-              <a:t>Eliminate the requirement of a big dataset for training;</a:t>
-            </a:r>
-          </a:p>
-          <a:p>
-            <a:r>
-              <a:rPr lang="en-US" dirty="0"/>
-              <a:t>Allow to train models from scratch in order to avoid biases typic of the pre-trained models and to let people use their own set of interest images;</a:t>
-            </a:r>
-          </a:p>
-          <a:p>
-            <a:r>
-              <a:rPr lang="en-US" dirty="0"/>
-              <a:t>Few hours required for training time;</a:t>
-            </a:r>
-          </a:p>
-        </p:txBody>
-      </p:sp>
-    </p:spTree>
-    <p:extLst>
-      <p:ext uri="{BB962C8B-B14F-4D97-AF65-F5344CB8AC3E}">
-        <p14:creationId xmlns:p14="http://schemas.microsoft.com/office/powerpoint/2010/main" val="2336794322"/>
-      </p:ext>
-    </p:extLst>
-  </p:cSld>
-  <p:clrMapOvr>
-    <a:masterClrMapping/>
-  </p:clrMapOvr>
-</p:sld>
-</file>
-
-<file path=ppt/slides/slide3.xml><?xml version="1.0" encoding="utf-8"?>
-<p:sld xmlns:a="http://schemas.openxmlformats.org/drawingml/2006/main" xmlns:r="http://schemas.openxmlformats.org/officeDocument/2006/relationships" xmlns:p="http://schemas.openxmlformats.org/presentationml/2006/main">
-  <p:cSld>
-    <p:bg>
-      <p:bgPr>
-        <a:solidFill>
-          <a:schemeClr val="bg1"/>
-        </a:solidFill>
-        <a:effectLst/>
-      </p:bgPr>
-    </p:bg>
-    <p:spTree>
-      <p:nvGrpSpPr>
-        <p:cNvPr id="1" name=""/>
-        <p:cNvGrpSpPr/>
-        <p:nvPr/>
-      </p:nvGrpSpPr>
-      <p:grpSpPr>
-        <a:xfrm>
-          <a:off x="0" y="0"/>
-          <a:ext cx="0" cy="0"/>
-          <a:chOff x="0" y="0"/>
-          <a:chExt cx="0" cy="0"/>
-        </a:xfrm>
-      </p:grpSpPr>
-      <p:sp>
-        <p:nvSpPr>
-          <p:cNvPr id="2" name="Titolo 1">
-            <a:extLst>
-              <a:ext uri="{FF2B5EF4-FFF2-40B4-BE49-F238E27FC236}">
-                <a16:creationId xmlns:a16="http://schemas.microsoft.com/office/drawing/2014/main" id="{921633EB-7DCB-4DDC-80AF-C885A3EE1245}"/>
-              </a:ext>
-            </a:extLst>
-          </p:cNvPr>
-          <p:cNvSpPr>
-            <a:spLocks noGrp="1"/>
-          </p:cNvSpPr>
-          <p:nvPr>
-            <p:ph type="title"/>
-          </p:nvPr>
-        </p:nvSpPr>
-        <p:spPr/>
-        <p:txBody>
-          <a:bodyPr rtlCol="0"/>
-          <a:lstStyle/>
-          <a:p>
-            <a:pPr rtl="0"/>
-            <a:r>
-              <a:rPr lang="it-IT" dirty="0" err="1"/>
-              <a:t>Gan’s</a:t>
-            </a:r>
-            <a:r>
-              <a:rPr lang="it-IT" dirty="0"/>
-              <a:t> </a:t>
-            </a:r>
-            <a:r>
-              <a:rPr lang="it-IT" dirty="0" err="1"/>
-              <a:t>Problems</a:t>
-            </a:r>
-            <a:endParaRPr lang="it-IT" dirty="0"/>
-          </a:p>
-        </p:txBody>
-      </p:sp>
-      <p:sp>
-        <p:nvSpPr>
-          <p:cNvPr id="10" name="Segnaposto contenuto 3">
-            <a:extLst>
-              <a:ext uri="{FF2B5EF4-FFF2-40B4-BE49-F238E27FC236}">
-                <a16:creationId xmlns:a16="http://schemas.microsoft.com/office/drawing/2014/main" id="{EB3B234C-024F-4053-8932-83A38002F261}"/>
-              </a:ext>
-            </a:extLst>
-          </p:cNvPr>
-          <p:cNvSpPr txBox="1">
-            <a:spLocks/>
-          </p:cNvSpPr>
-          <p:nvPr/>
-        </p:nvSpPr>
-        <p:spPr>
-          <a:xfrm>
-            <a:off x="581191" y="1443973"/>
-            <a:ext cx="11029615" cy="4495522"/>
-          </a:xfrm>
-          <a:prstGeom prst="rect">
-            <a:avLst/>
-          </a:prstGeom>
-        </p:spPr>
-        <p:txBody>
-          <a:bodyPr vert="horz" lIns="91440" tIns="45720" rIns="91440" bIns="45720" rtlCol="0" anchor="ctr">
-            <a:normAutofit/>
-          </a:bodyPr>
-          <a:lstStyle>
-            <a:lvl1pPr marL="306000" indent="-306000" algn="l" defTabSz="457200" rtl="0" eaLnBrk="1" latinLnBrk="0" hangingPunct="1">
-              <a:spcBef>
-                <a:spcPct val="20000"/>
-              </a:spcBef>
-              <a:spcAft>
-                <a:spcPts val="600"/>
-              </a:spcAft>
-              <a:buClr>
-                <a:schemeClr val="accent2"/>
-              </a:buClr>
-              <a:buSzPct val="92000"/>
-              <a:buFont typeface="Wingdings 2" panose="05020102010507070707" pitchFamily="18" charset="2"/>
-              <a:buChar char=""/>
-              <a:defRPr sz="1800" kern="1200">
-                <a:solidFill>
-                  <a:schemeClr val="tx2"/>
-                </a:solidFill>
-                <a:latin typeface="+mn-lt"/>
-                <a:ea typeface="+mn-ea"/>
-                <a:cs typeface="+mn-cs"/>
-              </a:defRPr>
-            </a:lvl1pPr>
-            <a:lvl2pPr marL="630000" indent="-306000" algn="l" defTabSz="457200" rtl="0" eaLnBrk="1" latinLnBrk="0" hangingPunct="1">
-              <a:spcBef>
-                <a:spcPct val="20000"/>
-              </a:spcBef>
-              <a:spcAft>
-                <a:spcPts val="600"/>
-              </a:spcAft>
-              <a:buClr>
-                <a:schemeClr val="accent2"/>
-              </a:buClr>
-              <a:buSzPct val="92000"/>
-              <a:buFont typeface="Wingdings 2" panose="05020102010507070707" pitchFamily="18" charset="2"/>
-              <a:buChar char=""/>
-              <a:defRPr sz="1600" kern="1200">
-                <a:solidFill>
-                  <a:schemeClr val="tx2"/>
-                </a:solidFill>
-                <a:latin typeface="+mn-lt"/>
-                <a:ea typeface="+mn-ea"/>
-                <a:cs typeface="+mn-cs"/>
-              </a:defRPr>
-            </a:lvl2pPr>
-            <a:lvl3pPr marL="900000" indent="-270000" algn="l" defTabSz="457200" rtl="0" eaLnBrk="1" latinLnBrk="0" hangingPunct="1">
-              <a:spcBef>
-                <a:spcPct val="20000"/>
-              </a:spcBef>
-              <a:spcAft>
-                <a:spcPts val="600"/>
-              </a:spcAft>
-              <a:buClr>
-                <a:schemeClr val="accent2"/>
-              </a:buClr>
-              <a:buSzPct val="92000"/>
-              <a:buFont typeface="Wingdings 2" panose="05020102010507070707" pitchFamily="18" charset="2"/>
-              <a:buChar char=""/>
-              <a:defRPr sz="1400" kern="1200">
-                <a:solidFill>
-                  <a:schemeClr val="tx2"/>
-                </a:solidFill>
-                <a:latin typeface="+mn-lt"/>
-                <a:ea typeface="+mn-ea"/>
-                <a:cs typeface="+mn-cs"/>
-              </a:defRPr>
-            </a:lvl3pPr>
-            <a:lvl4pPr marL="1242000" indent="-234000" algn="l" defTabSz="457200" rtl="0" eaLnBrk="1" latinLnBrk="0" hangingPunct="1">
-              <a:spcBef>
-                <a:spcPct val="20000"/>
-              </a:spcBef>
-              <a:spcAft>
-                <a:spcPts val="600"/>
-              </a:spcAft>
-              <a:buClr>
-                <a:schemeClr val="accent2"/>
-              </a:buClr>
-              <a:buSzPct val="92000"/>
-              <a:buFont typeface="Wingdings 2" panose="05020102010507070707" pitchFamily="18" charset="2"/>
-              <a:buChar char=""/>
-              <a:defRPr sz="1200" kern="1200">
-                <a:solidFill>
-                  <a:schemeClr val="tx2"/>
-                </a:solidFill>
-                <a:latin typeface="+mn-lt"/>
-                <a:ea typeface="+mn-ea"/>
-                <a:cs typeface="+mn-cs"/>
-              </a:defRPr>
-            </a:lvl4pPr>
-            <a:lvl5pPr marL="1602000" indent="-234000" algn="l" defTabSz="457200" rtl="0" eaLnBrk="1" latinLnBrk="0" hangingPunct="1">
-              <a:spcBef>
-                <a:spcPct val="20000"/>
-              </a:spcBef>
-              <a:spcAft>
-                <a:spcPts val="600"/>
-              </a:spcAft>
-              <a:buClr>
-                <a:schemeClr val="accent2"/>
-              </a:buClr>
-              <a:buSzPct val="92000"/>
-              <a:buFont typeface="Wingdings 2" panose="05020102010507070707" pitchFamily="18" charset="2"/>
-              <a:buChar char=""/>
-              <a:defRPr sz="1200" kern="1200">
-                <a:solidFill>
-                  <a:schemeClr val="tx2"/>
-                </a:solidFill>
-                <a:latin typeface="+mn-lt"/>
-                <a:ea typeface="+mn-ea"/>
-                <a:cs typeface="+mn-cs"/>
-              </a:defRPr>
-            </a:lvl5pPr>
-            <a:lvl6pPr marL="1900000" indent="-228600" algn="l" defTabSz="457200" rtl="0" eaLnBrk="1" latinLnBrk="0" hangingPunct="1">
-              <a:spcBef>
-                <a:spcPct val="20000"/>
-              </a:spcBef>
-              <a:spcAft>
-                <a:spcPts val="600"/>
-              </a:spcAft>
-              <a:buClr>
-                <a:schemeClr val="accent2"/>
-              </a:buClr>
-              <a:buSzPct val="92000"/>
-              <a:buFont typeface="Wingdings 2" panose="05020102010507070707" pitchFamily="18" charset="2"/>
-              <a:buChar char=""/>
-              <a:defRPr sz="1200" kern="1200">
-                <a:solidFill>
-                  <a:schemeClr val="tx2"/>
-                </a:solidFill>
-                <a:latin typeface="+mn-lt"/>
-                <a:ea typeface="+mn-ea"/>
-                <a:cs typeface="+mn-cs"/>
-              </a:defRPr>
-            </a:lvl6pPr>
-            <a:lvl7pPr marL="2200000" indent="-228600" algn="l" defTabSz="457200" rtl="0" eaLnBrk="1" latinLnBrk="0" hangingPunct="1">
-              <a:spcBef>
-                <a:spcPct val="20000"/>
-              </a:spcBef>
-              <a:spcAft>
-                <a:spcPts val="600"/>
-              </a:spcAft>
-              <a:buClr>
-                <a:schemeClr val="accent2"/>
-              </a:buClr>
-              <a:buSzPct val="92000"/>
-              <a:buFont typeface="Wingdings 2" panose="05020102010507070707" pitchFamily="18" charset="2"/>
-              <a:buChar char=""/>
-              <a:defRPr sz="1200" kern="1200">
-                <a:solidFill>
-                  <a:schemeClr val="tx2"/>
-                </a:solidFill>
-                <a:latin typeface="+mn-lt"/>
-                <a:ea typeface="+mn-ea"/>
-                <a:cs typeface="+mn-cs"/>
-              </a:defRPr>
-            </a:lvl7pPr>
-            <a:lvl8pPr marL="2500000" indent="-228600" algn="l" defTabSz="457200" rtl="0" eaLnBrk="1" latinLnBrk="0" hangingPunct="1">
-              <a:spcBef>
-                <a:spcPct val="20000"/>
-              </a:spcBef>
-              <a:spcAft>
-                <a:spcPts val="600"/>
-              </a:spcAft>
-              <a:buClr>
-                <a:schemeClr val="accent2"/>
-              </a:buClr>
-              <a:buSzPct val="92000"/>
-              <a:buFont typeface="Wingdings 2" panose="05020102010507070707" pitchFamily="18" charset="2"/>
-              <a:buChar char=""/>
-              <a:defRPr sz="1200" kern="1200">
-                <a:solidFill>
-                  <a:schemeClr val="tx2"/>
-                </a:solidFill>
-                <a:latin typeface="+mn-lt"/>
-                <a:ea typeface="+mn-ea"/>
-                <a:cs typeface="+mn-cs"/>
-              </a:defRPr>
-            </a:lvl8pPr>
-            <a:lvl9pPr marL="2800000" indent="-228600" algn="l" defTabSz="457200" rtl="0" eaLnBrk="1" latinLnBrk="0" hangingPunct="1">
-              <a:spcBef>
-                <a:spcPct val="20000"/>
-              </a:spcBef>
-              <a:spcAft>
-                <a:spcPts val="600"/>
-              </a:spcAft>
-              <a:buClr>
-                <a:schemeClr val="accent2"/>
-              </a:buClr>
-              <a:buSzPct val="92000"/>
-              <a:buFont typeface="Wingdings 2" panose="05020102010507070707" pitchFamily="18" charset="2"/>
-              <a:buChar char=""/>
-              <a:defRPr sz="1200" kern="1200">
-                <a:solidFill>
-                  <a:schemeClr val="tx2"/>
-                </a:solidFill>
-                <a:latin typeface="+mn-lt"/>
-                <a:ea typeface="+mn-ea"/>
-                <a:cs typeface="+mn-cs"/>
-              </a:defRPr>
-            </a:lvl9pPr>
-          </a:lstStyle>
-          <a:p>
-            <a:r>
-              <a:rPr lang="en-US" dirty="0"/>
-              <a:t>Accelerate training: this problem has been approached from various perspectives, but this brought only very limited improvements in training speed, while not enhancing quality within the shortened training time;</a:t>
-            </a:r>
-          </a:p>
-          <a:p>
-            <a:r>
-              <a:rPr lang="en-US" dirty="0"/>
-              <a:t>High resolution training: this made GAN much harder to converge.  There were some approaches trying to solve this problem, but they led to a slightly greater computational cost, consuming more GPU memory and requiring more training time;</a:t>
-            </a:r>
-          </a:p>
-          <a:p>
-            <a:r>
-              <a:rPr lang="en-US" dirty="0"/>
-              <a:t>Stabilize training: mode-collapse on the generator is a big challenge when training GANs, given fewer training samples and lower computational power and budgets (smaller batch-size). There were approaches that tried to solve this problem, but they worked only on low resolution images with unlimited computing resources.</a:t>
-            </a:r>
-          </a:p>
-          <a:p>
-            <a:pPr marL="0" indent="0">
-              <a:buNone/>
-            </a:pPr>
-            <a:endParaRPr lang="en-US" dirty="0"/>
-          </a:p>
-        </p:txBody>
-      </p:sp>
-      <p:pic>
-        <p:nvPicPr>
-          <p:cNvPr id="6" name="Immagine 5">
-            <a:extLst>
-              <a:ext uri="{FF2B5EF4-FFF2-40B4-BE49-F238E27FC236}">
-                <a16:creationId xmlns:a16="http://schemas.microsoft.com/office/drawing/2014/main" id="{C0ED739D-70E6-44CC-A0E8-85C9F268B4A0}"/>
-              </a:ext>
-            </a:extLst>
-          </p:cNvPr>
-          <p:cNvPicPr>
-            <a:picLocks noChangeAspect="1"/>
-          </p:cNvPicPr>
-          <p:nvPr/>
-        </p:nvPicPr>
-        <p:blipFill>
-          <a:blip r:embed="rId3"/>
-          <a:stretch>
-            <a:fillRect/>
-          </a:stretch>
-        </p:blipFill>
-        <p:spPr>
-          <a:xfrm>
-            <a:off x="3152173" y="4897627"/>
-            <a:ext cx="5639090" cy="1828894"/>
-          </a:xfrm>
-          <a:prstGeom prst="rect">
-            <a:avLst/>
-          </a:prstGeom>
+              </a14:hiddenFill>
+            </a:ext>
+          </a:extLst>
         </p:spPr>
       </p:pic>
-    </p:spTree>
-    <p:extLst>
-      <p:ext uri="{BB962C8B-B14F-4D97-AF65-F5344CB8AC3E}">
-        <p14:creationId xmlns:p14="http://schemas.microsoft.com/office/powerpoint/2010/main" val="977299911"/>
-      </p:ext>
-    </p:extLst>
-  </p:cSld>
-  <p:clrMapOvr>
-    <a:masterClrMapping/>
-  </p:clrMapOvr>
-</p:sld>
-</file>
-
-<file path=ppt/slides/slide4.xml><?xml version="1.0" encoding="utf-8"?>
-<p:sld xmlns:a="http://schemas.openxmlformats.org/drawingml/2006/main" xmlns:r="http://schemas.openxmlformats.org/officeDocument/2006/relationships" xmlns:p="http://schemas.openxmlformats.org/presentationml/2006/main">
-  <p:cSld>
-    <p:bg>
-      <p:bgPr>
-        <a:solidFill>
-          <a:schemeClr val="bg1"/>
-        </a:solidFill>
-        <a:effectLst/>
-      </p:bgPr>
-    </p:bg>
-    <p:spTree>
-      <p:nvGrpSpPr>
-        <p:cNvPr id="1" name=""/>
-        <p:cNvGrpSpPr/>
-        <p:nvPr/>
-      </p:nvGrpSpPr>
-      <p:grpSpPr>
-        <a:xfrm>
-          <a:off x="0" y="0"/>
-          <a:ext cx="0" cy="0"/>
-          <a:chOff x="0" y="0"/>
-          <a:chExt cx="0" cy="0"/>
-        </a:xfrm>
-      </p:grpSpPr>
-      <p:sp>
-        <p:nvSpPr>
-          <p:cNvPr id="2" name="Titolo 1">
-            <a:extLst>
-              <a:ext uri="{FF2B5EF4-FFF2-40B4-BE49-F238E27FC236}">
-                <a16:creationId xmlns:a16="http://schemas.microsoft.com/office/drawing/2014/main" id="{921633EB-7DCB-4DDC-80AF-C885A3EE1245}"/>
-              </a:ext>
-            </a:extLst>
-          </p:cNvPr>
-          <p:cNvSpPr>
-            <a:spLocks noGrp="1"/>
-          </p:cNvSpPr>
-          <p:nvPr>
-            <p:ph type="title"/>
-          </p:nvPr>
-        </p:nvSpPr>
-        <p:spPr/>
-        <p:txBody>
-          <a:bodyPr rtlCol="0"/>
-          <a:lstStyle/>
-          <a:p>
-            <a:pPr rtl="0"/>
-            <a:r>
-              <a:rPr lang="it-IT" dirty="0" err="1"/>
-              <a:t>F</a:t>
-            </a:r>
-            <a:r>
-              <a:rPr lang="it-IT" cap="none" dirty="0" err="1"/>
-              <a:t>ast</a:t>
-            </a:r>
-            <a:r>
-              <a:rPr lang="it-IT" dirty="0" err="1"/>
-              <a:t>GAN</a:t>
-            </a:r>
-            <a:r>
-              <a:rPr lang="it-IT" dirty="0"/>
-              <a:t> Solution</a:t>
-            </a:r>
-          </a:p>
-        </p:txBody>
-      </p:sp>
-      <p:sp>
-        <p:nvSpPr>
-          <p:cNvPr id="10" name="Segnaposto contenuto 3">
-            <a:extLst>
-              <a:ext uri="{FF2B5EF4-FFF2-40B4-BE49-F238E27FC236}">
-                <a16:creationId xmlns:a16="http://schemas.microsoft.com/office/drawing/2014/main" id="{EB3B234C-024F-4053-8932-83A38002F261}"/>
-              </a:ext>
-            </a:extLst>
-          </p:cNvPr>
-          <p:cNvSpPr txBox="1">
-            <a:spLocks/>
-          </p:cNvSpPr>
-          <p:nvPr/>
-        </p:nvSpPr>
-        <p:spPr>
-          <a:xfrm>
-            <a:off x="581194" y="1888473"/>
-            <a:ext cx="11029615" cy="4495522"/>
-          </a:xfrm>
-          <a:prstGeom prst="rect">
-            <a:avLst/>
-          </a:prstGeom>
-        </p:spPr>
-        <p:txBody>
-          <a:bodyPr vert="horz" lIns="91440" tIns="45720" rIns="91440" bIns="45720" rtlCol="0" anchor="ctr">
-            <a:normAutofit/>
-          </a:bodyPr>
-          <a:lstStyle>
-            <a:lvl1pPr marL="306000" indent="-306000" algn="l" defTabSz="457200" rtl="0" eaLnBrk="1" latinLnBrk="0" hangingPunct="1">
-              <a:spcBef>
-                <a:spcPct val="20000"/>
-              </a:spcBef>
-              <a:spcAft>
-                <a:spcPts val="600"/>
-              </a:spcAft>
-              <a:buClr>
-                <a:schemeClr val="accent2"/>
-              </a:buClr>
-              <a:buSzPct val="92000"/>
-              <a:buFont typeface="Wingdings 2" panose="05020102010507070707" pitchFamily="18" charset="2"/>
-              <a:buChar char=""/>
-              <a:defRPr sz="1800" kern="1200">
-                <a:solidFill>
-                  <a:schemeClr val="tx2"/>
-                </a:solidFill>
-                <a:latin typeface="+mn-lt"/>
-                <a:ea typeface="+mn-ea"/>
-                <a:cs typeface="+mn-cs"/>
-              </a:defRPr>
-            </a:lvl1pPr>
-            <a:lvl2pPr marL="630000" indent="-306000" algn="l" defTabSz="457200" rtl="0" eaLnBrk="1" latinLnBrk="0" hangingPunct="1">
-              <a:spcBef>
-                <a:spcPct val="20000"/>
-              </a:spcBef>
-              <a:spcAft>
-                <a:spcPts val="600"/>
-              </a:spcAft>
-              <a:buClr>
-                <a:schemeClr val="accent2"/>
-              </a:buClr>
-              <a:buSzPct val="92000"/>
-              <a:buFont typeface="Wingdings 2" panose="05020102010507070707" pitchFamily="18" charset="2"/>
-              <a:buChar char=""/>
-              <a:defRPr sz="1600" kern="1200">
-                <a:solidFill>
-                  <a:schemeClr val="tx2"/>
-                </a:solidFill>
-                <a:latin typeface="+mn-lt"/>
-                <a:ea typeface="+mn-ea"/>
-                <a:cs typeface="+mn-cs"/>
-              </a:defRPr>
-            </a:lvl2pPr>
-            <a:lvl3pPr marL="900000" indent="-270000" algn="l" defTabSz="457200" rtl="0" eaLnBrk="1" latinLnBrk="0" hangingPunct="1">
-              <a:spcBef>
-                <a:spcPct val="20000"/>
-              </a:spcBef>
-              <a:spcAft>
-                <a:spcPts val="600"/>
-              </a:spcAft>
-              <a:buClr>
-                <a:schemeClr val="accent2"/>
-              </a:buClr>
-              <a:buSzPct val="92000"/>
-              <a:buFont typeface="Wingdings 2" panose="05020102010507070707" pitchFamily="18" charset="2"/>
-              <a:buChar char=""/>
-              <a:defRPr sz="1400" kern="1200">
-                <a:solidFill>
-                  <a:schemeClr val="tx2"/>
-                </a:solidFill>
-                <a:latin typeface="+mn-lt"/>
-                <a:ea typeface="+mn-ea"/>
-                <a:cs typeface="+mn-cs"/>
-              </a:defRPr>
-            </a:lvl3pPr>
-            <a:lvl4pPr marL="1242000" indent="-234000" algn="l" defTabSz="457200" rtl="0" eaLnBrk="1" latinLnBrk="0" hangingPunct="1">
-              <a:spcBef>
-                <a:spcPct val="20000"/>
-              </a:spcBef>
-              <a:spcAft>
-                <a:spcPts val="600"/>
-              </a:spcAft>
-              <a:buClr>
-                <a:schemeClr val="accent2"/>
-              </a:buClr>
-              <a:buSzPct val="92000"/>
-              <a:buFont typeface="Wingdings 2" panose="05020102010507070707" pitchFamily="18" charset="2"/>
-              <a:buChar char=""/>
-              <a:defRPr sz="1200" kern="1200">
-                <a:solidFill>
-                  <a:schemeClr val="tx2"/>
-                </a:solidFill>
-                <a:latin typeface="+mn-lt"/>
-                <a:ea typeface="+mn-ea"/>
-                <a:cs typeface="+mn-cs"/>
-              </a:defRPr>
-            </a:lvl4pPr>
-            <a:lvl5pPr marL="1602000" indent="-234000" algn="l" defTabSz="457200" rtl="0" eaLnBrk="1" latinLnBrk="0" hangingPunct="1">
-              <a:spcBef>
-                <a:spcPct val="20000"/>
-              </a:spcBef>
-              <a:spcAft>
-                <a:spcPts val="600"/>
-              </a:spcAft>
-              <a:buClr>
-                <a:schemeClr val="accent2"/>
-              </a:buClr>
-              <a:buSzPct val="92000"/>
-              <a:buFont typeface="Wingdings 2" panose="05020102010507070707" pitchFamily="18" charset="2"/>
-              <a:buChar char=""/>
-              <a:defRPr sz="1200" kern="1200">
-                <a:solidFill>
-                  <a:schemeClr val="tx2"/>
-                </a:solidFill>
-                <a:latin typeface="+mn-lt"/>
-                <a:ea typeface="+mn-ea"/>
-                <a:cs typeface="+mn-cs"/>
-              </a:defRPr>
-            </a:lvl5pPr>
-            <a:lvl6pPr marL="1900000" indent="-228600" algn="l" defTabSz="457200" rtl="0" eaLnBrk="1" latinLnBrk="0" hangingPunct="1">
-              <a:spcBef>
-                <a:spcPct val="20000"/>
-              </a:spcBef>
-              <a:spcAft>
-                <a:spcPts val="600"/>
-              </a:spcAft>
-              <a:buClr>
-                <a:schemeClr val="accent2"/>
-              </a:buClr>
-              <a:buSzPct val="92000"/>
-              <a:buFont typeface="Wingdings 2" panose="05020102010507070707" pitchFamily="18" charset="2"/>
-              <a:buChar char=""/>
-              <a:defRPr sz="1200" kern="1200">
-                <a:solidFill>
-                  <a:schemeClr val="tx2"/>
-                </a:solidFill>
-                <a:latin typeface="+mn-lt"/>
-                <a:ea typeface="+mn-ea"/>
-                <a:cs typeface="+mn-cs"/>
-              </a:defRPr>
-            </a:lvl6pPr>
-            <a:lvl7pPr marL="2200000" indent="-228600" algn="l" defTabSz="457200" rtl="0" eaLnBrk="1" latinLnBrk="0" hangingPunct="1">
-              <a:spcBef>
-                <a:spcPct val="20000"/>
-              </a:spcBef>
-              <a:spcAft>
-                <a:spcPts val="600"/>
-              </a:spcAft>
-              <a:buClr>
-                <a:schemeClr val="accent2"/>
-              </a:buClr>
-              <a:buSzPct val="92000"/>
-              <a:buFont typeface="Wingdings 2" panose="05020102010507070707" pitchFamily="18" charset="2"/>
-              <a:buChar char=""/>
-              <a:defRPr sz="1200" kern="1200">
-                <a:solidFill>
-                  <a:schemeClr val="tx2"/>
-                </a:solidFill>
-                <a:latin typeface="+mn-lt"/>
-                <a:ea typeface="+mn-ea"/>
-                <a:cs typeface="+mn-cs"/>
-              </a:defRPr>
-            </a:lvl7pPr>
-            <a:lvl8pPr marL="2500000" indent="-228600" algn="l" defTabSz="457200" rtl="0" eaLnBrk="1" latinLnBrk="0" hangingPunct="1">
-              <a:spcBef>
-                <a:spcPct val="20000"/>
-              </a:spcBef>
-              <a:spcAft>
-                <a:spcPts val="600"/>
-              </a:spcAft>
-              <a:buClr>
-                <a:schemeClr val="accent2"/>
-              </a:buClr>
-              <a:buSzPct val="92000"/>
-              <a:buFont typeface="Wingdings 2" panose="05020102010507070707" pitchFamily="18" charset="2"/>
-              <a:buChar char=""/>
-              <a:defRPr sz="1200" kern="1200">
-                <a:solidFill>
-                  <a:schemeClr val="tx2"/>
-                </a:solidFill>
-                <a:latin typeface="+mn-lt"/>
-                <a:ea typeface="+mn-ea"/>
-                <a:cs typeface="+mn-cs"/>
-              </a:defRPr>
-            </a:lvl8pPr>
-            <a:lvl9pPr marL="2800000" indent="-228600" algn="l" defTabSz="457200" rtl="0" eaLnBrk="1" latinLnBrk="0" hangingPunct="1">
-              <a:spcBef>
-                <a:spcPct val="20000"/>
-              </a:spcBef>
-              <a:spcAft>
-                <a:spcPts val="600"/>
-              </a:spcAft>
-              <a:buClr>
-                <a:schemeClr val="accent2"/>
-              </a:buClr>
-              <a:buSzPct val="92000"/>
-              <a:buFont typeface="Wingdings 2" panose="05020102010507070707" pitchFamily="18" charset="2"/>
-              <a:buChar char=""/>
-              <a:defRPr sz="1200" kern="1200">
-                <a:solidFill>
-                  <a:schemeClr val="tx2"/>
-                </a:solidFill>
-                <a:latin typeface="+mn-lt"/>
-                <a:ea typeface="+mn-ea"/>
-                <a:cs typeface="+mn-cs"/>
-              </a:defRPr>
-            </a:lvl9pPr>
-          </a:lstStyle>
-          <a:p>
-            <a:pPr marL="0" indent="0" algn="l">
-              <a:buNone/>
-            </a:pPr>
-            <a:r>
-              <a:rPr lang="en-US" dirty="0" err="1"/>
-              <a:t>FastGAN</a:t>
-            </a:r>
-            <a:r>
-              <a:rPr lang="en-US" dirty="0"/>
-              <a:t> reaches the objectives based on the </a:t>
-            </a:r>
-            <a:r>
-              <a:rPr lang="it-IT" dirty="0"/>
-              <a:t>following </a:t>
-            </a:r>
-            <a:r>
-              <a:rPr lang="it-IT" dirty="0" err="1"/>
-              <a:t>two</a:t>
-            </a:r>
-            <a:r>
-              <a:rPr lang="it-IT" dirty="0"/>
-              <a:t> techniques:</a:t>
-            </a:r>
-            <a:endParaRPr lang="en-US" dirty="0"/>
-          </a:p>
-          <a:p>
-            <a:r>
-              <a:rPr lang="en-US" dirty="0"/>
-              <a:t>Skip-Layer channel-wise Excitation module: revises channel responses on high-scale feature-maps using low-scale activations and allows to reach a faster training using a more robust gradient flow throughout the model weights;</a:t>
-            </a:r>
-          </a:p>
-          <a:p>
-            <a:r>
-              <a:rPr lang="en-US" dirty="0"/>
-              <a:t>Self-supervised discriminator D trained as a feature-encoder with an extra decoder: this discriminator is forced to learn a feature-map that covers more regions from an image in input; in this way it gives richer signals in order to train G. It has been shown that auto-encoding is the best self-supervision strategy for D.</a:t>
-            </a:r>
-          </a:p>
-        </p:txBody>
-      </p:sp>
-    </p:spTree>
-    <p:extLst>
-      <p:ext uri="{BB962C8B-B14F-4D97-AF65-F5344CB8AC3E}">
-        <p14:creationId xmlns:p14="http://schemas.microsoft.com/office/powerpoint/2010/main" val="1074543344"/>
-      </p:ext>
-    </p:extLst>
-  </p:cSld>
-  <p:clrMapOvr>
-    <a:masterClrMapping/>
-  </p:clrMapOvr>
-</p:sld>
-</file>
-
-<file path=ppt/slides/slide5.xml><?xml version="1.0" encoding="utf-8"?>
-<p:sld xmlns:a="http://schemas.openxmlformats.org/drawingml/2006/main" xmlns:r="http://schemas.openxmlformats.org/officeDocument/2006/relationships" xmlns:p="http://schemas.openxmlformats.org/presentationml/2006/main">
-  <p:cSld>
-    <p:bg>
-      <p:bgPr>
-        <a:solidFill>
-          <a:schemeClr val="bg1"/>
-        </a:solidFill>
-        <a:effectLst/>
-      </p:bgPr>
-    </p:bg>
-    <p:spTree>
-      <p:nvGrpSpPr>
-        <p:cNvPr id="1" name=""/>
-        <p:cNvGrpSpPr/>
-        <p:nvPr/>
-      </p:nvGrpSpPr>
-      <p:grpSpPr>
-        <a:xfrm>
-          <a:off x="0" y="0"/>
-          <a:ext cx="0" cy="0"/>
-          <a:chOff x="0" y="0"/>
-          <a:chExt cx="0" cy="0"/>
-        </a:xfrm>
-      </p:grpSpPr>
-      <p:sp>
-        <p:nvSpPr>
-          <p:cNvPr id="10" name="Segnaposto contenuto 3">
-            <a:extLst>
-              <a:ext uri="{FF2B5EF4-FFF2-40B4-BE49-F238E27FC236}">
-                <a16:creationId xmlns:a16="http://schemas.microsoft.com/office/drawing/2014/main" id="{EB3B234C-024F-4053-8932-83A38002F261}"/>
-              </a:ext>
-            </a:extLst>
-          </p:cNvPr>
-          <p:cNvSpPr txBox="1">
-            <a:spLocks/>
-          </p:cNvSpPr>
-          <p:nvPr/>
-        </p:nvSpPr>
-        <p:spPr>
-          <a:xfrm>
-            <a:off x="581194" y="1888473"/>
-            <a:ext cx="11029615" cy="4495522"/>
-          </a:xfrm>
-          <a:prstGeom prst="rect">
-            <a:avLst/>
-          </a:prstGeom>
-        </p:spPr>
-        <p:txBody>
-          <a:bodyPr vert="horz" lIns="91440" tIns="45720" rIns="91440" bIns="45720" rtlCol="0" anchor="ctr">
-            <a:normAutofit/>
-          </a:bodyPr>
-          <a:lstStyle>
-            <a:lvl1pPr marL="306000" indent="-306000" algn="l" defTabSz="457200" rtl="0" eaLnBrk="1" latinLnBrk="0" hangingPunct="1">
-              <a:spcBef>
-                <a:spcPct val="20000"/>
-              </a:spcBef>
-              <a:spcAft>
-                <a:spcPts val="600"/>
-              </a:spcAft>
-              <a:buClr>
-                <a:schemeClr val="accent2"/>
-              </a:buClr>
-              <a:buSzPct val="92000"/>
-              <a:buFont typeface="Wingdings 2" panose="05020102010507070707" pitchFamily="18" charset="2"/>
-              <a:buChar char=""/>
-              <a:defRPr sz="1800" kern="1200">
-                <a:solidFill>
-                  <a:schemeClr val="tx2"/>
-                </a:solidFill>
-                <a:latin typeface="+mn-lt"/>
-                <a:ea typeface="+mn-ea"/>
-                <a:cs typeface="+mn-cs"/>
-              </a:defRPr>
-            </a:lvl1pPr>
-            <a:lvl2pPr marL="630000" indent="-306000" algn="l" defTabSz="457200" rtl="0" eaLnBrk="1" latinLnBrk="0" hangingPunct="1">
-              <a:spcBef>
-                <a:spcPct val="20000"/>
-              </a:spcBef>
-              <a:spcAft>
-                <a:spcPts val="600"/>
-              </a:spcAft>
-              <a:buClr>
-                <a:schemeClr val="accent2"/>
-              </a:buClr>
-              <a:buSzPct val="92000"/>
-              <a:buFont typeface="Wingdings 2" panose="05020102010507070707" pitchFamily="18" charset="2"/>
-              <a:buChar char=""/>
-              <a:defRPr sz="1600" kern="1200">
-                <a:solidFill>
-                  <a:schemeClr val="tx2"/>
-                </a:solidFill>
-                <a:latin typeface="+mn-lt"/>
-                <a:ea typeface="+mn-ea"/>
-                <a:cs typeface="+mn-cs"/>
-              </a:defRPr>
-            </a:lvl2pPr>
-            <a:lvl3pPr marL="900000" indent="-270000" algn="l" defTabSz="457200" rtl="0" eaLnBrk="1" latinLnBrk="0" hangingPunct="1">
-              <a:spcBef>
-                <a:spcPct val="20000"/>
-              </a:spcBef>
-              <a:spcAft>
-                <a:spcPts val="600"/>
-              </a:spcAft>
-              <a:buClr>
-                <a:schemeClr val="accent2"/>
-              </a:buClr>
-              <a:buSzPct val="92000"/>
-              <a:buFont typeface="Wingdings 2" panose="05020102010507070707" pitchFamily="18" charset="2"/>
-              <a:buChar char=""/>
-              <a:defRPr sz="1400" kern="1200">
-                <a:solidFill>
-                  <a:schemeClr val="tx2"/>
-                </a:solidFill>
-                <a:latin typeface="+mn-lt"/>
-                <a:ea typeface="+mn-ea"/>
-                <a:cs typeface="+mn-cs"/>
-              </a:defRPr>
-            </a:lvl3pPr>
-            <a:lvl4pPr marL="1242000" indent="-234000" algn="l" defTabSz="457200" rtl="0" eaLnBrk="1" latinLnBrk="0" hangingPunct="1">
-              <a:spcBef>
-                <a:spcPct val="20000"/>
-              </a:spcBef>
-              <a:spcAft>
-                <a:spcPts val="600"/>
-              </a:spcAft>
-              <a:buClr>
-                <a:schemeClr val="accent2"/>
-              </a:buClr>
-              <a:buSzPct val="92000"/>
-              <a:buFont typeface="Wingdings 2" panose="05020102010507070707" pitchFamily="18" charset="2"/>
-              <a:buChar char=""/>
-              <a:defRPr sz="1200" kern="1200">
-                <a:solidFill>
-                  <a:schemeClr val="tx2"/>
-                </a:solidFill>
-                <a:latin typeface="+mn-lt"/>
-                <a:ea typeface="+mn-ea"/>
-                <a:cs typeface="+mn-cs"/>
-              </a:defRPr>
-            </a:lvl4pPr>
-            <a:lvl5pPr marL="1602000" indent="-234000" algn="l" defTabSz="457200" rtl="0" eaLnBrk="1" latinLnBrk="0" hangingPunct="1">
-              <a:spcBef>
-                <a:spcPct val="20000"/>
-              </a:spcBef>
-              <a:spcAft>
-                <a:spcPts val="600"/>
-              </a:spcAft>
-              <a:buClr>
-                <a:schemeClr val="accent2"/>
-              </a:buClr>
-              <a:buSzPct val="92000"/>
-              <a:buFont typeface="Wingdings 2" panose="05020102010507070707" pitchFamily="18" charset="2"/>
-              <a:buChar char=""/>
-              <a:defRPr sz="1200" kern="1200">
-                <a:solidFill>
-                  <a:schemeClr val="tx2"/>
-                </a:solidFill>
-                <a:latin typeface="+mn-lt"/>
-                <a:ea typeface="+mn-ea"/>
-                <a:cs typeface="+mn-cs"/>
-              </a:defRPr>
-            </a:lvl5pPr>
-            <a:lvl6pPr marL="1900000" indent="-228600" algn="l" defTabSz="457200" rtl="0" eaLnBrk="1" latinLnBrk="0" hangingPunct="1">
-              <a:spcBef>
-                <a:spcPct val="20000"/>
-              </a:spcBef>
-              <a:spcAft>
-                <a:spcPts val="600"/>
-              </a:spcAft>
-              <a:buClr>
-                <a:schemeClr val="accent2"/>
-              </a:buClr>
-              <a:buSzPct val="92000"/>
-              <a:buFont typeface="Wingdings 2" panose="05020102010507070707" pitchFamily="18" charset="2"/>
-              <a:buChar char=""/>
-              <a:defRPr sz="1200" kern="1200">
-                <a:solidFill>
-                  <a:schemeClr val="tx2"/>
-                </a:solidFill>
-                <a:latin typeface="+mn-lt"/>
-                <a:ea typeface="+mn-ea"/>
-                <a:cs typeface="+mn-cs"/>
-              </a:defRPr>
-            </a:lvl6pPr>
-            <a:lvl7pPr marL="2200000" indent="-228600" algn="l" defTabSz="457200" rtl="0" eaLnBrk="1" latinLnBrk="0" hangingPunct="1">
-              <a:spcBef>
-                <a:spcPct val="20000"/>
-              </a:spcBef>
-              <a:spcAft>
-                <a:spcPts val="600"/>
-              </a:spcAft>
-              <a:buClr>
-                <a:schemeClr val="accent2"/>
-              </a:buClr>
-              <a:buSzPct val="92000"/>
-              <a:buFont typeface="Wingdings 2" panose="05020102010507070707" pitchFamily="18" charset="2"/>
-              <a:buChar char=""/>
-              <a:defRPr sz="1200" kern="1200">
-                <a:solidFill>
-                  <a:schemeClr val="tx2"/>
-                </a:solidFill>
-                <a:latin typeface="+mn-lt"/>
-                <a:ea typeface="+mn-ea"/>
-                <a:cs typeface="+mn-cs"/>
-              </a:defRPr>
-            </a:lvl7pPr>
-            <a:lvl8pPr marL="2500000" indent="-228600" algn="l" defTabSz="457200" rtl="0" eaLnBrk="1" latinLnBrk="0" hangingPunct="1">
-              <a:spcBef>
-                <a:spcPct val="20000"/>
-              </a:spcBef>
-              <a:spcAft>
-                <a:spcPts val="600"/>
-              </a:spcAft>
-              <a:buClr>
-                <a:schemeClr val="accent2"/>
-              </a:buClr>
-              <a:buSzPct val="92000"/>
-              <a:buFont typeface="Wingdings 2" panose="05020102010507070707" pitchFamily="18" charset="2"/>
-              <a:buChar char=""/>
-              <a:defRPr sz="1200" kern="1200">
-                <a:solidFill>
-                  <a:schemeClr val="tx2"/>
-                </a:solidFill>
-                <a:latin typeface="+mn-lt"/>
-                <a:ea typeface="+mn-ea"/>
-                <a:cs typeface="+mn-cs"/>
-              </a:defRPr>
-            </a:lvl8pPr>
-            <a:lvl9pPr marL="2800000" indent="-228600" algn="l" defTabSz="457200" rtl="0" eaLnBrk="1" latinLnBrk="0" hangingPunct="1">
-              <a:spcBef>
-                <a:spcPct val="20000"/>
-              </a:spcBef>
-              <a:spcAft>
-                <a:spcPts val="600"/>
-              </a:spcAft>
-              <a:buClr>
-                <a:schemeClr val="accent2"/>
-              </a:buClr>
-              <a:buSzPct val="92000"/>
-              <a:buFont typeface="Wingdings 2" panose="05020102010507070707" pitchFamily="18" charset="2"/>
-              <a:buChar char=""/>
-              <a:defRPr sz="1200" kern="1200">
-                <a:solidFill>
-                  <a:schemeClr val="tx2"/>
-                </a:solidFill>
-                <a:latin typeface="+mn-lt"/>
-                <a:ea typeface="+mn-ea"/>
-                <a:cs typeface="+mn-cs"/>
-              </a:defRPr>
-            </a:lvl9pPr>
-          </a:lstStyle>
-          <a:p>
-            <a:pPr marL="0" indent="0">
-              <a:buNone/>
-            </a:pPr>
-            <a:r>
-              <a:rPr lang="en-US" dirty="0"/>
-              <a:t>In order to optimize GANs with respect to the SOTA models, in </a:t>
-            </a:r>
-            <a:r>
-              <a:rPr lang="en-US" dirty="0" err="1"/>
-              <a:t>FastGAN</a:t>
-            </a:r>
-            <a:r>
-              <a:rPr lang="en-US" dirty="0"/>
-              <a:t> is adopted a lightweight model, using a single convolutional layer on each resolution in the generator.</a:t>
-            </a:r>
-          </a:p>
-          <a:p>
-            <a:pPr marL="0" indent="0">
-              <a:buNone/>
-            </a:pPr>
-            <a:r>
-              <a:rPr lang="en-US" dirty="0"/>
-              <a:t>On the high resolutions in both generator and discriminator, only three channels for the convolutional layers are applied in input and output. This structure helps making </a:t>
-            </a:r>
-            <a:r>
-              <a:rPr lang="en-US" dirty="0" err="1"/>
-              <a:t>FastGAN</a:t>
-            </a:r>
-            <a:r>
-              <a:rPr lang="en-US" dirty="0"/>
-              <a:t> faster to train, remaining, at the same time, strong on small datasets.</a:t>
-            </a:r>
-          </a:p>
-        </p:txBody>
-      </p:sp>
-    </p:spTree>
-    <p:extLst>
-      <p:ext uri="{BB962C8B-B14F-4D97-AF65-F5344CB8AC3E}">
-        <p14:creationId xmlns:p14="http://schemas.microsoft.com/office/powerpoint/2010/main" val="1941412655"/>
-      </p:ext>
-    </p:extLst>
-  </p:cSld>
-  <p:clrMapOvr>
-    <a:masterClrMapping/>
-  </p:clrMapOvr>
-</p:sld>
-</file>
-
-<file path=ppt/slides/slide6.xml><?xml version="1.0" encoding="utf-8"?>
-<p:sld xmlns:a="http://schemas.openxmlformats.org/drawingml/2006/main" xmlns:r="http://schemas.openxmlformats.org/officeDocument/2006/relationships" xmlns:p="http://schemas.openxmlformats.org/presentationml/2006/main">
-  <p:cSld>
-    <p:bg>
-      <p:bgPr>
-        <a:solidFill>
-          <a:schemeClr val="bg1"/>
-        </a:solidFill>
-        <a:effectLst/>
-      </p:bgPr>
-    </p:bg>
-    <p:spTree>
-      <p:nvGrpSpPr>
-        <p:cNvPr id="1" name=""/>
-        <p:cNvGrpSpPr/>
-        <p:nvPr/>
-      </p:nvGrpSpPr>
-      <p:grpSpPr>
-        <a:xfrm>
-          <a:off x="0" y="0"/>
-          <a:ext cx="0" cy="0"/>
-          <a:chOff x="0" y="0"/>
-          <a:chExt cx="0" cy="0"/>
-        </a:xfrm>
-      </p:grpSpPr>
-      <p:sp>
-        <p:nvSpPr>
-          <p:cNvPr id="2" name="Titolo 1">
-            <a:extLst>
-              <a:ext uri="{FF2B5EF4-FFF2-40B4-BE49-F238E27FC236}">
-                <a16:creationId xmlns:a16="http://schemas.microsoft.com/office/drawing/2014/main" id="{921633EB-7DCB-4DDC-80AF-C885A3EE1245}"/>
-              </a:ext>
-            </a:extLst>
-          </p:cNvPr>
-          <p:cNvSpPr>
-            <a:spLocks noGrp="1"/>
-          </p:cNvSpPr>
-          <p:nvPr>
-            <p:ph type="title"/>
-          </p:nvPr>
-        </p:nvSpPr>
-        <p:spPr/>
-        <p:txBody>
-          <a:bodyPr rtlCol="0"/>
-          <a:lstStyle/>
-          <a:p>
-            <a:pPr rtl="0"/>
-            <a:r>
-              <a:rPr lang="it-IT" dirty="0"/>
-              <a:t>Method: Skip-Layer Channel-</a:t>
-            </a:r>
-            <a:r>
-              <a:rPr lang="it-IT" dirty="0" err="1"/>
-              <a:t>Wise</a:t>
-            </a:r>
-            <a:r>
-              <a:rPr lang="it-IT" dirty="0"/>
-              <a:t> </a:t>
-            </a:r>
-            <a:r>
-              <a:rPr lang="it-IT" dirty="0" err="1"/>
-              <a:t>Excitation</a:t>
-            </a:r>
-            <a:endParaRPr lang="it-IT" dirty="0"/>
-          </a:p>
-        </p:txBody>
-      </p:sp>
       <mc:AlternateContent xmlns:mc="http://schemas.openxmlformats.org/markup-compatibility/2006">
         <mc:Choice xmlns:a14="http://schemas.microsoft.com/office/drawing/2010/main" Requires="a14">
           <p:sp>
             <p:nvSpPr>
-              <p:cNvPr id="10" name="Segnaposto contenuto 3">
+              <p:cNvPr id="6" name="Segnaposto contenuto 3">
                 <a:extLst>
                   <a:ext uri="{FF2B5EF4-FFF2-40B4-BE49-F238E27FC236}">
-                    <a16:creationId xmlns:a16="http://schemas.microsoft.com/office/drawing/2014/main" id="{EB3B234C-024F-4053-8932-83A38002F261}"/>
+                    <a16:creationId xmlns:a16="http://schemas.microsoft.com/office/drawing/2014/main" id="{96AF17B5-2A5D-F54B-8DBE-6CF3AD3D879E}"/>
                   </a:ext>
                 </a:extLst>
               </p:cNvPr>
@@ -14316,8 +13070,8 @@
             </p:nvSpPr>
             <p:spPr>
               <a:xfrm>
-                <a:off x="4457700" y="2043014"/>
-                <a:ext cx="7153109" cy="4495522"/>
+                <a:off x="4296260" y="2065865"/>
+                <a:ext cx="7314547" cy="4447824"/>
               </a:xfrm>
               <a:prstGeom prst="rect">
                 <a:avLst/>
@@ -14528,91 +13282,279 @@
                 </a:lvl9pPr>
               </a:lstStyle>
               <a:p>
-                <a:pPr marL="0" indent="0" algn="l">
+                <a:pPr algn="just"/>
+                <a:r>
+                  <a:rPr lang="en-GB" dirty="0"/>
+                  <a:t>D is treated as an Encoder, and paired with a simple Decoder to perform image reconstruction tasks;</a:t>
+                </a:r>
+              </a:p>
+              <a:p>
+                <a:pPr algn="just" fontAlgn="base"/>
+                <a:r>
+                  <a:rPr lang="en-GB" dirty="0"/>
+                  <a:t>We use two decoders in practice, one takes 8</a:t>
+                </a:r>
+                <a:r>
+                  <a:rPr lang="en-GB" baseline="30000" dirty="0"/>
+                  <a:t>2</a:t>
+                </a:r>
+                <a:r>
+                  <a:rPr lang="en-GB" dirty="0"/>
+                  <a:t> feature-map as input, one crops the 16</a:t>
+                </a:r>
+                <a:r>
+                  <a:rPr lang="en-GB" baseline="30000" dirty="0"/>
+                  <a:t>2</a:t>
+                </a:r>
+                <a:r>
+                  <a:rPr lang="en-GB" dirty="0"/>
+                  <a:t> feature-map to 8</a:t>
+                </a:r>
+                <a:r>
+                  <a:rPr lang="en-GB" baseline="30000" dirty="0"/>
+                  <a:t>2</a:t>
+                </a:r>
+                <a:r>
+                  <a:rPr lang="en-GB" dirty="0"/>
+                  <a:t>, both generate 128</a:t>
+                </a:r>
+                <a:r>
+                  <a:rPr lang="en-GB" baseline="30000" dirty="0"/>
+                  <a:t>2</a:t>
+                </a:r>
+                <a:r>
+                  <a:rPr lang="en-GB" dirty="0"/>
+                  <a:t> images. The decoder consists only 4 convolutional layer, it actually takes very little extra computing cost, noticeably less than some regularization methods like gradient penalty.</a:t>
+                </a:r>
+              </a:p>
+              <a:p>
+                <a:pPr marL="0" indent="0" algn="just" fontAlgn="base">
+                  <a:buNone/>
+                </a:pPr>
+                <a:endParaRPr lang="en-GB" dirty="0"/>
+              </a:p>
+              <a:p>
+                <a:pPr marL="0" indent="0" algn="just" fontAlgn="base">
                   <a:buNone/>
                 </a:pPr>
                 <a:r>
-                  <a:rPr lang="en-US" dirty="0"/>
-                  <a:t>FastGAN reaches the objectives based on the </a:t>
+                  <a:rPr lang="en-GB" dirty="0"/>
+                  <a:t>The following reconstruction loss is used to optimize the decoders together with the discriminator: </a:t>
                 </a:r>
-                <a:r>
-                  <a:rPr lang="it-IT" dirty="0"/>
-                  <a:t>following </a:t>
-                </a:r>
-                <a:r>
-                  <a:rPr lang="it-IT" dirty="0" err="1"/>
-                  <a:t>two</a:t>
-                </a:r>
-                <a:r>
-                  <a:rPr lang="it-IT" dirty="0"/>
-                  <a:t> techniques:</a:t>
-                </a:r>
-                <a:endParaRPr lang="en-US" dirty="0"/>
               </a:p>
               <a:p>
-                <a:pPr algn="just"/>
-                <a:r>
-                  <a:rPr lang="en-US" dirty="0"/>
-                  <a:t>In order to eliminate the complex computation of convolution, it is used multiplication between activations, instead of addition, giving to one side of activations the spatial dimension of </a:t>
-                </a:r>
+                <a:pPr marL="0" indent="0" algn="just" fontAlgn="base">
+                  <a:buNone/>
+                </a:pPr>
                 <a14:m>
-                  <m:oMath xmlns:m="http://schemas.openxmlformats.org/officeDocument/2006/math">
-                    <m:sSup>
-                      <m:sSupPr>
-                        <m:ctrlPr>
-                          <a:rPr lang="en-US"/>
-                        </m:ctrlPr>
-                      </m:sSupPr>
-                      <m:e>
-                        <m:r>
-                          <a:rPr lang="it-IT"/>
-                          <m:t>1</m:t>
-                        </m:r>
-                      </m:e>
-                      <m:sup>
-                        <m:r>
-                          <a:rPr lang="it-IT"/>
-                          <m:t>2</m:t>
-                        </m:r>
-                      </m:sup>
-                    </m:sSup>
-                  </m:oMath>
+                  <m:oMathPara xmlns:m="http://schemas.openxmlformats.org/officeDocument/2006/math">
+                    <m:oMathParaPr>
+                      <m:jc m:val="centerGroup"/>
+                    </m:oMathParaPr>
+                    <m:oMath xmlns:m="http://schemas.openxmlformats.org/officeDocument/2006/math">
+                      <m:r>
+                        <a:rPr lang="en-GB" b="1" i="1" smtClean="0">
+                          <a:latin typeface="Cambria Math" panose="02040503050406030204" pitchFamily="18" charset="0"/>
+                          <a:ea typeface="Cambria Math" panose="02040503050406030204" pitchFamily="18" charset="0"/>
+                        </a:rPr>
+                        <m:t>𝓛</m:t>
+                      </m:r>
+                      <m:r>
+                        <a:rPr lang="it-IT" b="0" i="1" baseline="-25000" smtClean="0">
+                          <a:latin typeface="Cambria Math" panose="02040503050406030204" pitchFamily="18" charset="0"/>
+                          <a:ea typeface="Cambria Math" panose="02040503050406030204" pitchFamily="18" charset="0"/>
+                        </a:rPr>
+                        <m:t>𝑟𝑒𝑐𝑜𝑛𝑠</m:t>
+                      </m:r>
+                      <m:r>
+                        <a:rPr lang="it-IT" b="0" i="1" smtClean="0">
+                          <a:latin typeface="Cambria Math" panose="02040503050406030204" pitchFamily="18" charset="0"/>
+                          <a:ea typeface="Cambria Math" panose="02040503050406030204" pitchFamily="18" charset="0"/>
+                        </a:rPr>
+                        <m:t>= </m:t>
+                      </m:r>
+                      <m:sSub>
+                        <m:sSubPr>
+                          <m:ctrlPr>
+                            <a:rPr lang="it-IT" b="0" i="1" smtClean="0">
+                              <a:latin typeface="Cambria Math" panose="02040503050406030204" pitchFamily="18" charset="0"/>
+                              <a:ea typeface="Cambria Math" panose="02040503050406030204" pitchFamily="18" charset="0"/>
+                            </a:rPr>
+                          </m:ctrlPr>
+                        </m:sSubPr>
+                        <m:e>
+                          <m:r>
+                            <a:rPr lang="it-IT" i="1">
+                              <a:latin typeface="Cambria Math" panose="02040503050406030204" pitchFamily="18" charset="0"/>
+                              <a:ea typeface="Cambria Math" panose="02040503050406030204" pitchFamily="18" charset="0"/>
+                            </a:rPr>
+                            <m:t>𝔼</m:t>
+                          </m:r>
+                        </m:e>
+                        <m:sub>
+                          <m:r>
+                            <a:rPr lang="it-IT" b="1" i="1">
+                              <a:latin typeface="Cambria Math" panose="02040503050406030204" pitchFamily="18" charset="0"/>
+                              <a:ea typeface="Cambria Math" panose="02040503050406030204" pitchFamily="18" charset="0"/>
+                            </a:rPr>
+                            <m:t>𝒇</m:t>
+                          </m:r>
+                          <m:r>
+                            <a:rPr lang="it-IT" i="1">
+                              <a:latin typeface="Cambria Math" panose="02040503050406030204" pitchFamily="18" charset="0"/>
+                              <a:ea typeface="Cambria Math" panose="02040503050406030204" pitchFamily="18" charset="0"/>
+                            </a:rPr>
+                            <m:t>~</m:t>
+                          </m:r>
+                          <m:r>
+                            <a:rPr lang="it-IT" i="1">
+                              <a:latin typeface="Cambria Math" panose="02040503050406030204" pitchFamily="18" charset="0"/>
+                              <a:ea typeface="Cambria Math" panose="02040503050406030204" pitchFamily="18" charset="0"/>
+                            </a:rPr>
+                            <m:t>𝐷𝑒</m:t>
+                          </m:r>
+                          <m:r>
+                            <a:rPr lang="it-IT" i="1" baseline="-25000">
+                              <a:latin typeface="Cambria Math" panose="02040503050406030204" pitchFamily="18" charset="0"/>
+                              <a:ea typeface="Cambria Math" panose="02040503050406030204" pitchFamily="18" charset="0"/>
+                            </a:rPr>
+                            <m:t>𝑛𝑐𝑜𝑑𝑒</m:t>
+                          </m:r>
+                          <m:d>
+                            <m:dPr>
+                              <m:ctrlPr>
+                                <a:rPr lang="it-IT" i="1">
+                                  <a:latin typeface="Cambria Math" panose="02040503050406030204" pitchFamily="18" charset="0"/>
+                                  <a:ea typeface="Cambria Math" panose="02040503050406030204" pitchFamily="18" charset="0"/>
+                                </a:rPr>
+                              </m:ctrlPr>
+                            </m:dPr>
+                            <m:e>
+                              <m:r>
+                                <a:rPr lang="it-IT" i="1">
+                                  <a:latin typeface="Cambria Math" panose="02040503050406030204" pitchFamily="18" charset="0"/>
+                                  <a:ea typeface="Cambria Math" panose="02040503050406030204" pitchFamily="18" charset="0"/>
+                                </a:rPr>
+                                <m:t>𝑥</m:t>
+                              </m:r>
+                            </m:e>
+                          </m:d>
+                          <m:r>
+                            <a:rPr lang="it-IT" i="1">
+                              <a:latin typeface="Cambria Math" panose="02040503050406030204" pitchFamily="18" charset="0"/>
+                              <a:ea typeface="Cambria Math" panose="02040503050406030204" pitchFamily="18" charset="0"/>
+                            </a:rPr>
+                            <m:t>, </m:t>
+                          </m:r>
+                          <m:r>
+                            <a:rPr lang="it-IT" b="0" i="1" smtClean="0">
+                              <a:latin typeface="Cambria Math" panose="02040503050406030204" pitchFamily="18" charset="0"/>
+                              <a:ea typeface="Cambria Math" panose="02040503050406030204" pitchFamily="18" charset="0"/>
+                            </a:rPr>
+                            <m:t> </m:t>
+                          </m:r>
+                          <m:r>
+                            <a:rPr lang="it-IT" i="1">
+                              <a:latin typeface="Cambria Math" panose="02040503050406030204" pitchFamily="18" charset="0"/>
+                              <a:ea typeface="Cambria Math" panose="02040503050406030204" pitchFamily="18" charset="0"/>
+                            </a:rPr>
+                            <m:t>𝑥</m:t>
+                          </m:r>
+                          <m:r>
+                            <a:rPr lang="it-IT" i="1">
+                              <a:latin typeface="Cambria Math" panose="02040503050406030204" pitchFamily="18" charset="0"/>
+                              <a:ea typeface="Cambria Math" panose="02040503050406030204" pitchFamily="18" charset="0"/>
+                            </a:rPr>
+                            <m:t>~</m:t>
+                          </m:r>
+                          <m:r>
+                            <a:rPr lang="it-IT" i="1">
+                              <a:latin typeface="Cambria Math" panose="02040503050406030204" pitchFamily="18" charset="0"/>
+                              <a:ea typeface="Cambria Math" panose="02040503050406030204" pitchFamily="18" charset="0"/>
+                            </a:rPr>
+                            <m:t>𝐼𝑟𝑒𝑎</m:t>
+                          </m:r>
+                          <m:r>
+                            <a:rPr lang="it-IT" i="1" baseline="-25000">
+                              <a:latin typeface="Cambria Math" panose="02040503050406030204" pitchFamily="18" charset="0"/>
+                              <a:ea typeface="Cambria Math" panose="02040503050406030204" pitchFamily="18" charset="0"/>
+                            </a:rPr>
+                            <m:t>𝑙</m:t>
+                          </m:r>
+                        </m:sub>
+                      </m:sSub>
+                      <m:r>
+                        <a:rPr lang="it-IT" b="0" i="1" smtClean="0">
+                          <a:latin typeface="Cambria Math" panose="02040503050406030204" pitchFamily="18" charset="0"/>
+                          <a:ea typeface="Cambria Math" panose="02040503050406030204" pitchFamily="18" charset="0"/>
+                        </a:rPr>
+                        <m:t> [∥</m:t>
+                      </m:r>
+                      <m:r>
+                        <a:rPr lang="it-IT" b="0" i="1" smtClean="0">
+                          <a:latin typeface="Cambria Math" panose="02040503050406030204" pitchFamily="18" charset="0"/>
+                          <a:ea typeface="Cambria Math" panose="02040503050406030204" pitchFamily="18" charset="0"/>
+                        </a:rPr>
+                        <m:t>𝒢</m:t>
+                      </m:r>
+                      <m:d>
+                        <m:dPr>
+                          <m:ctrlPr>
+                            <a:rPr lang="it-IT" b="1" i="1" smtClean="0">
+                              <a:latin typeface="Cambria Math" panose="02040503050406030204" pitchFamily="18" charset="0"/>
+                              <a:ea typeface="Cambria Math" panose="02040503050406030204" pitchFamily="18" charset="0"/>
+                            </a:rPr>
+                          </m:ctrlPr>
+                        </m:dPr>
+                        <m:e>
+                          <m:r>
+                            <a:rPr lang="it-IT" b="1" i="1" smtClean="0">
+                              <a:latin typeface="Cambria Math" panose="02040503050406030204" pitchFamily="18" charset="0"/>
+                              <a:ea typeface="Cambria Math" panose="02040503050406030204" pitchFamily="18" charset="0"/>
+                            </a:rPr>
+                            <m:t>𝒇</m:t>
+                          </m:r>
+                        </m:e>
+                      </m:d>
+                      <m:r>
+                        <a:rPr lang="it-IT" b="0" i="1" smtClean="0">
+                          <a:latin typeface="Cambria Math" panose="02040503050406030204" pitchFamily="18" charset="0"/>
+                          <a:ea typeface="Cambria Math" panose="02040503050406030204" pitchFamily="18" charset="0"/>
+                        </a:rPr>
+                        <m:t>−</m:t>
+                      </m:r>
+                      <m:r>
+                        <a:rPr lang="it-IT" b="0" i="1" smtClean="0">
+                          <a:latin typeface="Cambria Math" panose="02040503050406030204" pitchFamily="18" charset="0"/>
+                          <a:ea typeface="Cambria Math" panose="02040503050406030204" pitchFamily="18" charset="0"/>
+                        </a:rPr>
+                        <m:t>𝒯</m:t>
+                      </m:r>
+                      <m:r>
+                        <a:rPr lang="it-IT" b="0" i="1" smtClean="0">
+                          <a:latin typeface="Cambria Math" panose="02040503050406030204" pitchFamily="18" charset="0"/>
+                          <a:ea typeface="Cambria Math" panose="02040503050406030204" pitchFamily="18" charset="0"/>
+                        </a:rPr>
+                        <m:t>(</m:t>
+                      </m:r>
+                      <m:r>
+                        <a:rPr lang="it-IT" b="0" i="1" smtClean="0">
+                          <a:latin typeface="Cambria Math" panose="02040503050406030204" pitchFamily="18" charset="0"/>
+                          <a:ea typeface="Cambria Math" panose="02040503050406030204" pitchFamily="18" charset="0"/>
+                        </a:rPr>
+                        <m:t>𝑥</m:t>
+                      </m:r>
+                      <m:r>
+                        <a:rPr lang="it-IT" b="0" i="1" smtClean="0">
+                          <a:latin typeface="Cambria Math" panose="02040503050406030204" pitchFamily="18" charset="0"/>
+                          <a:ea typeface="Cambria Math" panose="02040503050406030204" pitchFamily="18" charset="0"/>
+                        </a:rPr>
+                        <m:t>)∥]</m:t>
+                      </m:r>
+                    </m:oMath>
+                  </m:oMathPara>
                 </a14:m>
-                <a:endParaRPr lang="it-IT" dirty="0"/>
-              </a:p>
-              <a:p>
-                <a:pPr algn="l"/>
-                <a:r>
-                  <a:rPr lang="en-US" dirty="0"/>
-                  <a:t>Instead of performing skip-connection only within the same resolution, here it is performed between resolutions with a much longer range (82 and 1282, 162 and 2562, 322 and 5122); this follows from the fact that an equal spatial-dimension </a:t>
-                </a:r>
-                <a:r>
-                  <a:rPr lang="it-IT" dirty="0" err="1"/>
-                  <a:t>is</a:t>
-                </a:r>
-                <a:r>
-                  <a:rPr lang="it-IT" dirty="0"/>
-                  <a:t> no </a:t>
-                </a:r>
-                <a:r>
-                  <a:rPr lang="it-IT" dirty="0" err="1"/>
-                  <a:t>longer</a:t>
-                </a:r>
-                <a:r>
-                  <a:rPr lang="it-IT" dirty="0"/>
-                  <a:t> </a:t>
-                </a:r>
-                <a:r>
-                  <a:rPr lang="it-IT" dirty="0" err="1"/>
-                  <a:t>required</a:t>
-                </a:r>
-                <a:r>
-                  <a:rPr lang="it-IT" dirty="0"/>
-                  <a:t>.</a:t>
-                </a:r>
-                <a:endParaRPr lang="en-US" dirty="0">
-                  <a:sym typeface="Wingdings" panose="05000000000000000000" pitchFamily="2" charset="2"/>
-                </a:endParaRPr>
+                <a:endParaRPr lang="en-GB" dirty="0"/>
               </a:p>
             </p:txBody>
           </p:sp>
@@ -14620,10 +13562,10 @@
         <mc:Fallback>
           <p:sp>
             <p:nvSpPr>
-              <p:cNvPr id="10" name="Segnaposto contenuto 3">
+              <p:cNvPr id="6" name="Segnaposto contenuto 3">
                 <a:extLst>
                   <a:ext uri="{FF2B5EF4-FFF2-40B4-BE49-F238E27FC236}">
-                    <a16:creationId xmlns:a16="http://schemas.microsoft.com/office/drawing/2014/main" id="{EB3B234C-024F-4053-8932-83A38002F261}"/>
+                    <a16:creationId xmlns:a16="http://schemas.microsoft.com/office/drawing/2014/main" id="{96AF17B5-2A5D-F54B-8DBE-6CF3AD3D879E}"/>
                   </a:ext>
                 </a:extLst>
               </p:cNvPr>
@@ -14634,16 +13576,16 @@
             </p:nvSpPr>
             <p:spPr>
               <a:xfrm>
-                <a:off x="4457700" y="2043014"/>
-                <a:ext cx="7153109" cy="4495522"/>
+                <a:off x="4296260" y="2065865"/>
+                <a:ext cx="7314547" cy="4447824"/>
               </a:xfrm>
               <a:prstGeom prst="rect">
                 <a:avLst/>
               </a:prstGeom>
               <a:blipFill>
-                <a:blip r:embed="rId3"/>
+                <a:blip r:embed="rId4"/>
                 <a:stretch>
-                  <a:fillRect l="-681" r="-681"/>
+                  <a:fillRect l="-693" r="-693"/>
                 </a:stretch>
               </a:blipFill>
             </p:spPr>
@@ -14652,7 +13594,7 @@
               <a:lstStyle/>
               <a:p>
                 <a:r>
-                  <a:rPr lang="it-IT">
+                  <a:rPr lang="en-GB">
                     <a:noFill/>
                   </a:rPr>
                   <a:t> </a:t>
@@ -14662,39 +13604,10 @@
           </p:sp>
         </mc:Fallback>
       </mc:AlternateContent>
-      <p:pic>
-        <p:nvPicPr>
-          <p:cNvPr id="4" name="Immagine 3">
-            <a:extLst>
-              <a:ext uri="{FF2B5EF4-FFF2-40B4-BE49-F238E27FC236}">
-                <a16:creationId xmlns:a16="http://schemas.microsoft.com/office/drawing/2014/main" id="{D1AF1AB2-0504-45AE-9787-38AE802D16D8}"/>
-              </a:ext>
-            </a:extLst>
-          </p:cNvPr>
-          <p:cNvPicPr>
-            <a:picLocks noChangeAspect="1"/>
-          </p:cNvPicPr>
-          <p:nvPr/>
-        </p:nvPicPr>
-        <p:blipFill rotWithShape="1">
-          <a:blip r:embed="rId4"/>
-          <a:srcRect r="72164"/>
-          <a:stretch/>
-        </p:blipFill>
-        <p:spPr>
-          <a:xfrm>
-            <a:off x="581191" y="2197556"/>
-            <a:ext cx="3736809" cy="4186439"/>
-          </a:xfrm>
-          <a:prstGeom prst="rect">
-            <a:avLst/>
-          </a:prstGeom>
-        </p:spPr>
-      </p:pic>
     </p:spTree>
     <p:extLst>
       <p:ext uri="{BB962C8B-B14F-4D97-AF65-F5344CB8AC3E}">
-        <p14:creationId xmlns:p14="http://schemas.microsoft.com/office/powerpoint/2010/main" val="355806272"/>
+        <p14:creationId xmlns:p14="http://schemas.microsoft.com/office/powerpoint/2010/main" val="3242113884"/>
       </p:ext>
     </p:extLst>
   </p:cSld>
@@ -14704,7 +13617,1376 @@
 </p:sld>
 </file>
 
-<file path=ppt/slides/slide7.xml><?xml version="1.0" encoding="utf-8"?>
+<file path=ppt/slides/slide11.xml><?xml version="1.0" encoding="utf-8"?>
+<p:sld xmlns:a="http://schemas.openxmlformats.org/drawingml/2006/main" xmlns:r="http://schemas.openxmlformats.org/officeDocument/2006/relationships" xmlns:p="http://schemas.openxmlformats.org/presentationml/2006/main">
+  <p:cSld>
+    <p:bg>
+      <p:bgPr>
+        <a:solidFill>
+          <a:schemeClr val="bg1"/>
+        </a:solidFill>
+        <a:effectLst/>
+      </p:bgPr>
+    </p:bg>
+    <p:spTree>
+      <p:nvGrpSpPr>
+        <p:cNvPr id="1" name=""/>
+        <p:cNvGrpSpPr/>
+        <p:nvPr/>
+      </p:nvGrpSpPr>
+      <p:grpSpPr>
+        <a:xfrm>
+          <a:off x="0" y="0"/>
+          <a:ext cx="0" cy="0"/>
+          <a:chOff x="0" y="0"/>
+          <a:chExt cx="0" cy="0"/>
+        </a:xfrm>
+      </p:grpSpPr>
+      <p:sp>
+        <p:nvSpPr>
+          <p:cNvPr id="2" name="Titolo 1">
+            <a:extLst>
+              <a:ext uri="{FF2B5EF4-FFF2-40B4-BE49-F238E27FC236}">
+                <a16:creationId xmlns:a16="http://schemas.microsoft.com/office/drawing/2014/main" id="{921633EB-7DCB-4DDC-80AF-C885A3EE1245}"/>
+              </a:ext>
+            </a:extLst>
+          </p:cNvPr>
+          <p:cNvSpPr>
+            <a:spLocks noGrp="1"/>
+          </p:cNvSpPr>
+          <p:nvPr>
+            <p:ph type="title"/>
+          </p:nvPr>
+        </p:nvSpPr>
+        <p:spPr/>
+        <p:txBody>
+          <a:bodyPr rtlCol="0"/>
+          <a:lstStyle/>
+          <a:p>
+            <a:r>
+              <a:rPr lang="it-IT" dirty="0" err="1"/>
+              <a:t>other</a:t>
+            </a:r>
+            <a:r>
+              <a:rPr lang="it-IT" dirty="0"/>
+              <a:t> </a:t>
+            </a:r>
+            <a:r>
+              <a:rPr lang="it-IT" dirty="0" err="1"/>
+              <a:t>methods</a:t>
+            </a:r>
+            <a:endParaRPr lang="it-IT" dirty="0"/>
+          </a:p>
+        </p:txBody>
+      </p:sp>
+      <p:sp>
+        <p:nvSpPr>
+          <p:cNvPr id="6" name="Segnaposto contenuto 3">
+            <a:extLst>
+              <a:ext uri="{FF2B5EF4-FFF2-40B4-BE49-F238E27FC236}">
+                <a16:creationId xmlns:a16="http://schemas.microsoft.com/office/drawing/2014/main" id="{96AF17B5-2A5D-F54B-8DBE-6CF3AD3D879E}"/>
+              </a:ext>
+            </a:extLst>
+          </p:cNvPr>
+          <p:cNvSpPr txBox="1">
+            <a:spLocks/>
+          </p:cNvSpPr>
+          <p:nvPr/>
+        </p:nvSpPr>
+        <p:spPr>
+          <a:xfrm>
+            <a:off x="581193" y="2178159"/>
+            <a:ext cx="11029616" cy="4447824"/>
+          </a:xfrm>
+          <a:prstGeom prst="rect">
+            <a:avLst/>
+          </a:prstGeom>
+        </p:spPr>
+        <p:txBody>
+          <a:bodyPr vert="horz" lIns="91440" tIns="45720" rIns="91440" bIns="45720" rtlCol="0" anchor="ctr">
+            <a:normAutofit/>
+          </a:bodyPr>
+          <a:lstStyle>
+            <a:lvl1pPr marL="306000" indent="-306000" algn="l" defTabSz="457200" rtl="0" eaLnBrk="1" latinLnBrk="0" hangingPunct="1">
+              <a:spcBef>
+                <a:spcPct val="20000"/>
+              </a:spcBef>
+              <a:spcAft>
+                <a:spcPts val="600"/>
+              </a:spcAft>
+              <a:buClr>
+                <a:schemeClr val="accent2"/>
+              </a:buClr>
+              <a:buSzPct val="92000"/>
+              <a:buFont typeface="Wingdings 2" panose="05020102010507070707" pitchFamily="18" charset="2"/>
+              <a:buChar char=""/>
+              <a:defRPr sz="1800" kern="1200">
+                <a:solidFill>
+                  <a:schemeClr val="tx2"/>
+                </a:solidFill>
+                <a:latin typeface="+mn-lt"/>
+                <a:ea typeface="+mn-ea"/>
+                <a:cs typeface="+mn-cs"/>
+              </a:defRPr>
+            </a:lvl1pPr>
+            <a:lvl2pPr marL="630000" indent="-306000" algn="l" defTabSz="457200" rtl="0" eaLnBrk="1" latinLnBrk="0" hangingPunct="1">
+              <a:spcBef>
+                <a:spcPct val="20000"/>
+              </a:spcBef>
+              <a:spcAft>
+                <a:spcPts val="600"/>
+              </a:spcAft>
+              <a:buClr>
+                <a:schemeClr val="accent2"/>
+              </a:buClr>
+              <a:buSzPct val="92000"/>
+              <a:buFont typeface="Wingdings 2" panose="05020102010507070707" pitchFamily="18" charset="2"/>
+              <a:buChar char=""/>
+              <a:defRPr sz="1600" kern="1200">
+                <a:solidFill>
+                  <a:schemeClr val="tx2"/>
+                </a:solidFill>
+                <a:latin typeface="+mn-lt"/>
+                <a:ea typeface="+mn-ea"/>
+                <a:cs typeface="+mn-cs"/>
+              </a:defRPr>
+            </a:lvl2pPr>
+            <a:lvl3pPr marL="900000" indent="-270000" algn="l" defTabSz="457200" rtl="0" eaLnBrk="1" latinLnBrk="0" hangingPunct="1">
+              <a:spcBef>
+                <a:spcPct val="20000"/>
+              </a:spcBef>
+              <a:spcAft>
+                <a:spcPts val="600"/>
+              </a:spcAft>
+              <a:buClr>
+                <a:schemeClr val="accent2"/>
+              </a:buClr>
+              <a:buSzPct val="92000"/>
+              <a:buFont typeface="Wingdings 2" panose="05020102010507070707" pitchFamily="18" charset="2"/>
+              <a:buChar char=""/>
+              <a:defRPr sz="1400" kern="1200">
+                <a:solidFill>
+                  <a:schemeClr val="tx2"/>
+                </a:solidFill>
+                <a:latin typeface="+mn-lt"/>
+                <a:ea typeface="+mn-ea"/>
+                <a:cs typeface="+mn-cs"/>
+              </a:defRPr>
+            </a:lvl3pPr>
+            <a:lvl4pPr marL="1242000" indent="-234000" algn="l" defTabSz="457200" rtl="0" eaLnBrk="1" latinLnBrk="0" hangingPunct="1">
+              <a:spcBef>
+                <a:spcPct val="20000"/>
+              </a:spcBef>
+              <a:spcAft>
+                <a:spcPts val="600"/>
+              </a:spcAft>
+              <a:buClr>
+                <a:schemeClr val="accent2"/>
+              </a:buClr>
+              <a:buSzPct val="92000"/>
+              <a:buFont typeface="Wingdings 2" panose="05020102010507070707" pitchFamily="18" charset="2"/>
+              <a:buChar char=""/>
+              <a:defRPr sz="1200" kern="1200">
+                <a:solidFill>
+                  <a:schemeClr val="tx2"/>
+                </a:solidFill>
+                <a:latin typeface="+mn-lt"/>
+                <a:ea typeface="+mn-ea"/>
+                <a:cs typeface="+mn-cs"/>
+              </a:defRPr>
+            </a:lvl4pPr>
+            <a:lvl5pPr marL="1602000" indent="-234000" algn="l" defTabSz="457200" rtl="0" eaLnBrk="1" latinLnBrk="0" hangingPunct="1">
+              <a:spcBef>
+                <a:spcPct val="20000"/>
+              </a:spcBef>
+              <a:spcAft>
+                <a:spcPts val="600"/>
+              </a:spcAft>
+              <a:buClr>
+                <a:schemeClr val="accent2"/>
+              </a:buClr>
+              <a:buSzPct val="92000"/>
+              <a:buFont typeface="Wingdings 2" panose="05020102010507070707" pitchFamily="18" charset="2"/>
+              <a:buChar char=""/>
+              <a:defRPr sz="1200" kern="1200">
+                <a:solidFill>
+                  <a:schemeClr val="tx2"/>
+                </a:solidFill>
+                <a:latin typeface="+mn-lt"/>
+                <a:ea typeface="+mn-ea"/>
+                <a:cs typeface="+mn-cs"/>
+              </a:defRPr>
+            </a:lvl5pPr>
+            <a:lvl6pPr marL="1900000" indent="-228600" algn="l" defTabSz="457200" rtl="0" eaLnBrk="1" latinLnBrk="0" hangingPunct="1">
+              <a:spcBef>
+                <a:spcPct val="20000"/>
+              </a:spcBef>
+              <a:spcAft>
+                <a:spcPts val="600"/>
+              </a:spcAft>
+              <a:buClr>
+                <a:schemeClr val="accent2"/>
+              </a:buClr>
+              <a:buSzPct val="92000"/>
+              <a:buFont typeface="Wingdings 2" panose="05020102010507070707" pitchFamily="18" charset="2"/>
+              <a:buChar char=""/>
+              <a:defRPr sz="1200" kern="1200">
+                <a:solidFill>
+                  <a:schemeClr val="tx2"/>
+                </a:solidFill>
+                <a:latin typeface="+mn-lt"/>
+                <a:ea typeface="+mn-ea"/>
+                <a:cs typeface="+mn-cs"/>
+              </a:defRPr>
+            </a:lvl6pPr>
+            <a:lvl7pPr marL="2200000" indent="-228600" algn="l" defTabSz="457200" rtl="0" eaLnBrk="1" latinLnBrk="0" hangingPunct="1">
+              <a:spcBef>
+                <a:spcPct val="20000"/>
+              </a:spcBef>
+              <a:spcAft>
+                <a:spcPts val="600"/>
+              </a:spcAft>
+              <a:buClr>
+                <a:schemeClr val="accent2"/>
+              </a:buClr>
+              <a:buSzPct val="92000"/>
+              <a:buFont typeface="Wingdings 2" panose="05020102010507070707" pitchFamily="18" charset="2"/>
+              <a:buChar char=""/>
+              <a:defRPr sz="1200" kern="1200">
+                <a:solidFill>
+                  <a:schemeClr val="tx2"/>
+                </a:solidFill>
+                <a:latin typeface="+mn-lt"/>
+                <a:ea typeface="+mn-ea"/>
+                <a:cs typeface="+mn-cs"/>
+              </a:defRPr>
+            </a:lvl7pPr>
+            <a:lvl8pPr marL="2500000" indent="-228600" algn="l" defTabSz="457200" rtl="0" eaLnBrk="1" latinLnBrk="0" hangingPunct="1">
+              <a:spcBef>
+                <a:spcPct val="20000"/>
+              </a:spcBef>
+              <a:spcAft>
+                <a:spcPts val="600"/>
+              </a:spcAft>
+              <a:buClr>
+                <a:schemeClr val="accent2"/>
+              </a:buClr>
+              <a:buSzPct val="92000"/>
+              <a:buFont typeface="Wingdings 2" panose="05020102010507070707" pitchFamily="18" charset="2"/>
+              <a:buChar char=""/>
+              <a:defRPr sz="1200" kern="1200">
+                <a:solidFill>
+                  <a:schemeClr val="tx2"/>
+                </a:solidFill>
+                <a:latin typeface="+mn-lt"/>
+                <a:ea typeface="+mn-ea"/>
+                <a:cs typeface="+mn-cs"/>
+              </a:defRPr>
+            </a:lvl8pPr>
+            <a:lvl9pPr marL="2800000" indent="-228600" algn="l" defTabSz="457200" rtl="0" eaLnBrk="1" latinLnBrk="0" hangingPunct="1">
+              <a:spcBef>
+                <a:spcPct val="20000"/>
+              </a:spcBef>
+              <a:spcAft>
+                <a:spcPts val="600"/>
+              </a:spcAft>
+              <a:buClr>
+                <a:schemeClr val="accent2"/>
+              </a:buClr>
+              <a:buSzPct val="92000"/>
+              <a:buFont typeface="Wingdings 2" panose="05020102010507070707" pitchFamily="18" charset="2"/>
+              <a:buChar char=""/>
+              <a:defRPr sz="1200" kern="1200">
+                <a:solidFill>
+                  <a:schemeClr val="tx2"/>
+                </a:solidFill>
+                <a:latin typeface="+mn-lt"/>
+                <a:ea typeface="+mn-ea"/>
+                <a:cs typeface="+mn-cs"/>
+              </a:defRPr>
+            </a:lvl9pPr>
+          </a:lstStyle>
+          <a:p>
+            <a:pPr marL="0" indent="0" algn="just">
+              <a:buNone/>
+            </a:pPr>
+            <a:r>
+              <a:rPr lang="it-IT" dirty="0"/>
+              <a:t>The model </a:t>
+            </a:r>
+            <a:r>
+              <a:rPr lang="it-IT" dirty="0" err="1"/>
+              <a:t>is</a:t>
+            </a:r>
+            <a:r>
+              <a:rPr lang="it-IT" dirty="0"/>
+              <a:t> </a:t>
+            </a:r>
+            <a:r>
+              <a:rPr lang="it-IT" dirty="0" err="1"/>
+              <a:t>built</a:t>
+            </a:r>
+            <a:r>
+              <a:rPr lang="it-IT" dirty="0"/>
+              <a:t> </a:t>
+            </a:r>
+            <a:r>
+              <a:rPr lang="it-IT" dirty="0" err="1"/>
+              <a:t>starting</a:t>
+            </a:r>
+            <a:r>
+              <a:rPr lang="it-IT" dirty="0"/>
+              <a:t> from a baseline model </a:t>
+            </a:r>
+            <a:r>
+              <a:rPr lang="it-IT" dirty="0" err="1"/>
+              <a:t>that</a:t>
+            </a:r>
+            <a:r>
+              <a:rPr lang="en-GB" dirty="0"/>
+              <a:t> is made of the following methods: </a:t>
+            </a:r>
+          </a:p>
+          <a:p>
+            <a:pPr algn="just"/>
+            <a:r>
+              <a:rPr lang="en-GB" dirty="0"/>
+              <a:t>Batch-normalization; </a:t>
+            </a:r>
+          </a:p>
+          <a:p>
+            <a:pPr algn="just"/>
+            <a:r>
+              <a:rPr lang="en-GB" dirty="0"/>
+              <a:t>Differentiable-augmentation;</a:t>
+            </a:r>
+          </a:p>
+          <a:p>
+            <a:pPr algn="just"/>
+            <a:r>
+              <a:rPr lang="en-GB" dirty="0"/>
+              <a:t>ADAM optimization on G; </a:t>
+            </a:r>
+          </a:p>
+          <a:p>
+            <a:pPr algn="just"/>
+            <a:r>
+              <a:rPr lang="it-IT" dirty="0"/>
+              <a:t>GLU </a:t>
+            </a:r>
+            <a:r>
+              <a:rPr lang="it-IT" dirty="0" err="1"/>
+              <a:t>instead</a:t>
+            </a:r>
+            <a:r>
+              <a:rPr lang="it-IT" dirty="0"/>
+              <a:t> of </a:t>
+            </a:r>
+            <a:r>
+              <a:rPr lang="it-IT" dirty="0" err="1"/>
+              <a:t>ReLU</a:t>
+            </a:r>
+            <a:r>
+              <a:rPr lang="it-IT" dirty="0"/>
+              <a:t> in G .</a:t>
+            </a:r>
+          </a:p>
+        </p:txBody>
+      </p:sp>
+    </p:spTree>
+    <p:extLst>
+      <p:ext uri="{BB962C8B-B14F-4D97-AF65-F5344CB8AC3E}">
+        <p14:creationId xmlns:p14="http://schemas.microsoft.com/office/powerpoint/2010/main" val="2958276812"/>
+      </p:ext>
+    </p:extLst>
+  </p:cSld>
+  <p:clrMapOvr>
+    <a:masterClrMapping/>
+  </p:clrMapOvr>
+</p:sld>
+</file>
+
+<file path=ppt/slides/slide12.xml><?xml version="1.0" encoding="utf-8"?>
+<p:sld xmlns:a="http://schemas.openxmlformats.org/drawingml/2006/main" xmlns:r="http://schemas.openxmlformats.org/officeDocument/2006/relationships" xmlns:p="http://schemas.openxmlformats.org/presentationml/2006/main">
+  <p:cSld>
+    <p:bg>
+      <p:bgPr>
+        <a:solidFill>
+          <a:schemeClr val="bg1"/>
+        </a:solidFill>
+        <a:effectLst/>
+      </p:bgPr>
+    </p:bg>
+    <p:spTree>
+      <p:nvGrpSpPr>
+        <p:cNvPr id="1" name=""/>
+        <p:cNvGrpSpPr/>
+        <p:nvPr/>
+      </p:nvGrpSpPr>
+      <p:grpSpPr>
+        <a:xfrm>
+          <a:off x="0" y="0"/>
+          <a:ext cx="0" cy="0"/>
+          <a:chOff x="0" y="0"/>
+          <a:chExt cx="0" cy="0"/>
+        </a:xfrm>
+      </p:grpSpPr>
+      <p:sp>
+        <p:nvSpPr>
+          <p:cNvPr id="2" name="Titolo 1">
+            <a:extLst>
+              <a:ext uri="{FF2B5EF4-FFF2-40B4-BE49-F238E27FC236}">
+                <a16:creationId xmlns:a16="http://schemas.microsoft.com/office/drawing/2014/main" id="{921633EB-7DCB-4DDC-80AF-C885A3EE1245}"/>
+              </a:ext>
+            </a:extLst>
+          </p:cNvPr>
+          <p:cNvSpPr>
+            <a:spLocks noGrp="1"/>
+          </p:cNvSpPr>
+          <p:nvPr>
+            <p:ph type="title"/>
+          </p:nvPr>
+        </p:nvSpPr>
+        <p:spPr/>
+        <p:txBody>
+          <a:bodyPr rtlCol="0"/>
+          <a:lstStyle/>
+          <a:p>
+            <a:r>
+              <a:rPr lang="it-IT" dirty="0" err="1"/>
+              <a:t>Metric</a:t>
+            </a:r>
+            <a:r>
+              <a:rPr lang="it-IT" dirty="0"/>
+              <a:t>: FID</a:t>
+            </a:r>
+          </a:p>
+        </p:txBody>
+      </p:sp>
+      <p:sp>
+        <p:nvSpPr>
+          <p:cNvPr id="6" name="Segnaposto contenuto 3">
+            <a:extLst>
+              <a:ext uri="{FF2B5EF4-FFF2-40B4-BE49-F238E27FC236}">
+                <a16:creationId xmlns:a16="http://schemas.microsoft.com/office/drawing/2014/main" id="{96AF17B5-2A5D-F54B-8DBE-6CF3AD3D879E}"/>
+              </a:ext>
+            </a:extLst>
+          </p:cNvPr>
+          <p:cNvSpPr txBox="1">
+            <a:spLocks/>
+          </p:cNvSpPr>
+          <p:nvPr/>
+        </p:nvSpPr>
+        <p:spPr>
+          <a:xfrm>
+            <a:off x="581193" y="2178159"/>
+            <a:ext cx="11029616" cy="4447824"/>
+          </a:xfrm>
+          <a:prstGeom prst="rect">
+            <a:avLst/>
+          </a:prstGeom>
+        </p:spPr>
+        <p:txBody>
+          <a:bodyPr vert="horz" lIns="91440" tIns="45720" rIns="91440" bIns="45720" rtlCol="0" anchor="ctr">
+            <a:normAutofit/>
+          </a:bodyPr>
+          <a:lstStyle>
+            <a:lvl1pPr marL="306000" indent="-306000" algn="l" defTabSz="457200" rtl="0" eaLnBrk="1" latinLnBrk="0" hangingPunct="1">
+              <a:spcBef>
+                <a:spcPct val="20000"/>
+              </a:spcBef>
+              <a:spcAft>
+                <a:spcPts val="600"/>
+              </a:spcAft>
+              <a:buClr>
+                <a:schemeClr val="accent2"/>
+              </a:buClr>
+              <a:buSzPct val="92000"/>
+              <a:buFont typeface="Wingdings 2" panose="05020102010507070707" pitchFamily="18" charset="2"/>
+              <a:buChar char=""/>
+              <a:defRPr sz="1800" kern="1200">
+                <a:solidFill>
+                  <a:schemeClr val="tx2"/>
+                </a:solidFill>
+                <a:latin typeface="+mn-lt"/>
+                <a:ea typeface="+mn-ea"/>
+                <a:cs typeface="+mn-cs"/>
+              </a:defRPr>
+            </a:lvl1pPr>
+            <a:lvl2pPr marL="630000" indent="-306000" algn="l" defTabSz="457200" rtl="0" eaLnBrk="1" latinLnBrk="0" hangingPunct="1">
+              <a:spcBef>
+                <a:spcPct val="20000"/>
+              </a:spcBef>
+              <a:spcAft>
+                <a:spcPts val="600"/>
+              </a:spcAft>
+              <a:buClr>
+                <a:schemeClr val="accent2"/>
+              </a:buClr>
+              <a:buSzPct val="92000"/>
+              <a:buFont typeface="Wingdings 2" panose="05020102010507070707" pitchFamily="18" charset="2"/>
+              <a:buChar char=""/>
+              <a:defRPr sz="1600" kern="1200">
+                <a:solidFill>
+                  <a:schemeClr val="tx2"/>
+                </a:solidFill>
+                <a:latin typeface="+mn-lt"/>
+                <a:ea typeface="+mn-ea"/>
+                <a:cs typeface="+mn-cs"/>
+              </a:defRPr>
+            </a:lvl2pPr>
+            <a:lvl3pPr marL="900000" indent="-270000" algn="l" defTabSz="457200" rtl="0" eaLnBrk="1" latinLnBrk="0" hangingPunct="1">
+              <a:spcBef>
+                <a:spcPct val="20000"/>
+              </a:spcBef>
+              <a:spcAft>
+                <a:spcPts val="600"/>
+              </a:spcAft>
+              <a:buClr>
+                <a:schemeClr val="accent2"/>
+              </a:buClr>
+              <a:buSzPct val="92000"/>
+              <a:buFont typeface="Wingdings 2" panose="05020102010507070707" pitchFamily="18" charset="2"/>
+              <a:buChar char=""/>
+              <a:defRPr sz="1400" kern="1200">
+                <a:solidFill>
+                  <a:schemeClr val="tx2"/>
+                </a:solidFill>
+                <a:latin typeface="+mn-lt"/>
+                <a:ea typeface="+mn-ea"/>
+                <a:cs typeface="+mn-cs"/>
+              </a:defRPr>
+            </a:lvl3pPr>
+            <a:lvl4pPr marL="1242000" indent="-234000" algn="l" defTabSz="457200" rtl="0" eaLnBrk="1" latinLnBrk="0" hangingPunct="1">
+              <a:spcBef>
+                <a:spcPct val="20000"/>
+              </a:spcBef>
+              <a:spcAft>
+                <a:spcPts val="600"/>
+              </a:spcAft>
+              <a:buClr>
+                <a:schemeClr val="accent2"/>
+              </a:buClr>
+              <a:buSzPct val="92000"/>
+              <a:buFont typeface="Wingdings 2" panose="05020102010507070707" pitchFamily="18" charset="2"/>
+              <a:buChar char=""/>
+              <a:defRPr sz="1200" kern="1200">
+                <a:solidFill>
+                  <a:schemeClr val="tx2"/>
+                </a:solidFill>
+                <a:latin typeface="+mn-lt"/>
+                <a:ea typeface="+mn-ea"/>
+                <a:cs typeface="+mn-cs"/>
+              </a:defRPr>
+            </a:lvl4pPr>
+            <a:lvl5pPr marL="1602000" indent="-234000" algn="l" defTabSz="457200" rtl="0" eaLnBrk="1" latinLnBrk="0" hangingPunct="1">
+              <a:spcBef>
+                <a:spcPct val="20000"/>
+              </a:spcBef>
+              <a:spcAft>
+                <a:spcPts val="600"/>
+              </a:spcAft>
+              <a:buClr>
+                <a:schemeClr val="accent2"/>
+              </a:buClr>
+              <a:buSzPct val="92000"/>
+              <a:buFont typeface="Wingdings 2" panose="05020102010507070707" pitchFamily="18" charset="2"/>
+              <a:buChar char=""/>
+              <a:defRPr sz="1200" kern="1200">
+                <a:solidFill>
+                  <a:schemeClr val="tx2"/>
+                </a:solidFill>
+                <a:latin typeface="+mn-lt"/>
+                <a:ea typeface="+mn-ea"/>
+                <a:cs typeface="+mn-cs"/>
+              </a:defRPr>
+            </a:lvl5pPr>
+            <a:lvl6pPr marL="1900000" indent="-228600" algn="l" defTabSz="457200" rtl="0" eaLnBrk="1" latinLnBrk="0" hangingPunct="1">
+              <a:spcBef>
+                <a:spcPct val="20000"/>
+              </a:spcBef>
+              <a:spcAft>
+                <a:spcPts val="600"/>
+              </a:spcAft>
+              <a:buClr>
+                <a:schemeClr val="accent2"/>
+              </a:buClr>
+              <a:buSzPct val="92000"/>
+              <a:buFont typeface="Wingdings 2" panose="05020102010507070707" pitchFamily="18" charset="2"/>
+              <a:buChar char=""/>
+              <a:defRPr sz="1200" kern="1200">
+                <a:solidFill>
+                  <a:schemeClr val="tx2"/>
+                </a:solidFill>
+                <a:latin typeface="+mn-lt"/>
+                <a:ea typeface="+mn-ea"/>
+                <a:cs typeface="+mn-cs"/>
+              </a:defRPr>
+            </a:lvl6pPr>
+            <a:lvl7pPr marL="2200000" indent="-228600" algn="l" defTabSz="457200" rtl="0" eaLnBrk="1" latinLnBrk="0" hangingPunct="1">
+              <a:spcBef>
+                <a:spcPct val="20000"/>
+              </a:spcBef>
+              <a:spcAft>
+                <a:spcPts val="600"/>
+              </a:spcAft>
+              <a:buClr>
+                <a:schemeClr val="accent2"/>
+              </a:buClr>
+              <a:buSzPct val="92000"/>
+              <a:buFont typeface="Wingdings 2" panose="05020102010507070707" pitchFamily="18" charset="2"/>
+              <a:buChar char=""/>
+              <a:defRPr sz="1200" kern="1200">
+                <a:solidFill>
+                  <a:schemeClr val="tx2"/>
+                </a:solidFill>
+                <a:latin typeface="+mn-lt"/>
+                <a:ea typeface="+mn-ea"/>
+                <a:cs typeface="+mn-cs"/>
+              </a:defRPr>
+            </a:lvl7pPr>
+            <a:lvl8pPr marL="2500000" indent="-228600" algn="l" defTabSz="457200" rtl="0" eaLnBrk="1" latinLnBrk="0" hangingPunct="1">
+              <a:spcBef>
+                <a:spcPct val="20000"/>
+              </a:spcBef>
+              <a:spcAft>
+                <a:spcPts val="600"/>
+              </a:spcAft>
+              <a:buClr>
+                <a:schemeClr val="accent2"/>
+              </a:buClr>
+              <a:buSzPct val="92000"/>
+              <a:buFont typeface="Wingdings 2" panose="05020102010507070707" pitchFamily="18" charset="2"/>
+              <a:buChar char=""/>
+              <a:defRPr sz="1200" kern="1200">
+                <a:solidFill>
+                  <a:schemeClr val="tx2"/>
+                </a:solidFill>
+                <a:latin typeface="+mn-lt"/>
+                <a:ea typeface="+mn-ea"/>
+                <a:cs typeface="+mn-cs"/>
+              </a:defRPr>
+            </a:lvl8pPr>
+            <a:lvl9pPr marL="2800000" indent="-228600" algn="l" defTabSz="457200" rtl="0" eaLnBrk="1" latinLnBrk="0" hangingPunct="1">
+              <a:spcBef>
+                <a:spcPct val="20000"/>
+              </a:spcBef>
+              <a:spcAft>
+                <a:spcPts val="600"/>
+              </a:spcAft>
+              <a:buClr>
+                <a:schemeClr val="accent2"/>
+              </a:buClr>
+              <a:buSzPct val="92000"/>
+              <a:buFont typeface="Wingdings 2" panose="05020102010507070707" pitchFamily="18" charset="2"/>
+              <a:buChar char=""/>
+              <a:defRPr sz="1200" kern="1200">
+                <a:solidFill>
+                  <a:schemeClr val="tx2"/>
+                </a:solidFill>
+                <a:latin typeface="+mn-lt"/>
+                <a:ea typeface="+mn-ea"/>
+                <a:cs typeface="+mn-cs"/>
+              </a:defRPr>
+            </a:lvl9pPr>
+          </a:lstStyle>
+          <a:p>
+            <a:pPr marL="0" indent="0" algn="just">
+              <a:buNone/>
+            </a:pPr>
+            <a:r>
+              <a:rPr lang="it-IT" dirty="0"/>
+              <a:t>The </a:t>
+            </a:r>
+            <a:r>
+              <a:rPr lang="it-IT" dirty="0" err="1"/>
+              <a:t>metric</a:t>
+            </a:r>
+            <a:r>
+              <a:rPr lang="it-IT" dirty="0"/>
+              <a:t> </a:t>
+            </a:r>
+            <a:r>
+              <a:rPr lang="it-IT" dirty="0" err="1"/>
+              <a:t>used</a:t>
+            </a:r>
+            <a:r>
+              <a:rPr lang="it-IT" dirty="0"/>
+              <a:t> in </a:t>
+            </a:r>
+            <a:r>
+              <a:rPr lang="it-IT" dirty="0" err="1"/>
+              <a:t>our</a:t>
+            </a:r>
+            <a:r>
+              <a:rPr lang="it-IT" dirty="0"/>
+              <a:t> work </a:t>
+            </a:r>
+            <a:r>
+              <a:rPr lang="it-IT" dirty="0" err="1"/>
+              <a:t>is</a:t>
+            </a:r>
+            <a:r>
+              <a:rPr lang="it-IT" dirty="0"/>
+              <a:t> FID:</a:t>
+            </a:r>
+            <a:endParaRPr lang="en-GB" dirty="0"/>
+          </a:p>
+          <a:p>
+            <a:pPr algn="just"/>
+            <a:r>
+              <a:rPr lang="en-GB" dirty="0"/>
+              <a:t>Calculates the distance between feature vectors calculated for real and generated images;</a:t>
+            </a:r>
+          </a:p>
+          <a:p>
+            <a:pPr algn="just"/>
+            <a:r>
+              <a:rPr lang="en-GB" dirty="0"/>
+              <a:t>Summarizes how similar the two groups are in terms of statistics on computer vision features of the raw images;</a:t>
+            </a:r>
+          </a:p>
+          <a:p>
+            <a:pPr algn="just"/>
+            <a:r>
+              <a:rPr lang="it-IT" dirty="0"/>
+              <a:t>Lower </a:t>
+            </a:r>
+            <a:r>
+              <a:rPr lang="it-IT" dirty="0" err="1"/>
+              <a:t>scores</a:t>
+            </a:r>
+            <a:r>
+              <a:rPr lang="it-IT" dirty="0"/>
+              <a:t> indicate </a:t>
+            </a:r>
+            <a:r>
+              <a:rPr lang="it-IT" dirty="0" err="1"/>
+              <a:t>that</a:t>
+            </a:r>
+            <a:r>
+              <a:rPr lang="it-IT" dirty="0"/>
+              <a:t> the </a:t>
+            </a:r>
+            <a:r>
+              <a:rPr lang="it-IT" dirty="0" err="1"/>
+              <a:t>two</a:t>
+            </a:r>
+            <a:r>
+              <a:rPr lang="it-IT" dirty="0"/>
+              <a:t> </a:t>
+            </a:r>
+            <a:r>
+              <a:rPr lang="it-IT" dirty="0" err="1"/>
+              <a:t>groups</a:t>
+            </a:r>
+            <a:r>
+              <a:rPr lang="it-IT" dirty="0"/>
+              <a:t> of images are more </a:t>
+            </a:r>
+            <a:r>
+              <a:rPr lang="it-IT" dirty="0" err="1"/>
+              <a:t>similar</a:t>
+            </a:r>
+            <a:r>
+              <a:rPr lang="it-IT" dirty="0"/>
+              <a:t>. </a:t>
+            </a:r>
+            <a:endParaRPr lang="en-GB" dirty="0"/>
+          </a:p>
+        </p:txBody>
+      </p:sp>
+    </p:spTree>
+    <p:extLst>
+      <p:ext uri="{BB962C8B-B14F-4D97-AF65-F5344CB8AC3E}">
+        <p14:creationId xmlns:p14="http://schemas.microsoft.com/office/powerpoint/2010/main" val="4000887713"/>
+      </p:ext>
+    </p:extLst>
+  </p:cSld>
+  <p:clrMapOvr>
+    <a:masterClrMapping/>
+  </p:clrMapOvr>
+</p:sld>
+</file>
+
+<file path=ppt/slides/slide13.xml><?xml version="1.0" encoding="utf-8"?>
+<p:sld xmlns:a="http://schemas.openxmlformats.org/drawingml/2006/main" xmlns:r="http://schemas.openxmlformats.org/officeDocument/2006/relationships" xmlns:p="http://schemas.openxmlformats.org/presentationml/2006/main">
+  <p:cSld>
+    <p:bg>
+      <p:bgPr>
+        <a:solidFill>
+          <a:schemeClr val="bg1"/>
+        </a:solidFill>
+        <a:effectLst/>
+      </p:bgPr>
+    </p:bg>
+    <p:spTree>
+      <p:nvGrpSpPr>
+        <p:cNvPr id="1" name=""/>
+        <p:cNvGrpSpPr/>
+        <p:nvPr/>
+      </p:nvGrpSpPr>
+      <p:grpSpPr>
+        <a:xfrm>
+          <a:off x="0" y="0"/>
+          <a:ext cx="0" cy="0"/>
+          <a:chOff x="0" y="0"/>
+          <a:chExt cx="0" cy="0"/>
+        </a:xfrm>
+      </p:grpSpPr>
+      <p:sp>
+        <p:nvSpPr>
+          <p:cNvPr id="2" name="Titolo 1">
+            <a:extLst>
+              <a:ext uri="{FF2B5EF4-FFF2-40B4-BE49-F238E27FC236}">
+                <a16:creationId xmlns:a16="http://schemas.microsoft.com/office/drawing/2014/main" id="{921633EB-7DCB-4DDC-80AF-C885A3EE1245}"/>
+              </a:ext>
+            </a:extLst>
+          </p:cNvPr>
+          <p:cNvSpPr>
+            <a:spLocks noGrp="1"/>
+          </p:cNvSpPr>
+          <p:nvPr>
+            <p:ph type="title"/>
+          </p:nvPr>
+        </p:nvSpPr>
+        <p:spPr/>
+        <p:txBody>
+          <a:bodyPr rtlCol="0"/>
+          <a:lstStyle/>
+          <a:p>
+            <a:r>
+              <a:rPr lang="it-IT" dirty="0" err="1"/>
+              <a:t>dataset</a:t>
+            </a:r>
+            <a:endParaRPr lang="it-IT" dirty="0"/>
+          </a:p>
+        </p:txBody>
+      </p:sp>
+      <p:sp>
+        <p:nvSpPr>
+          <p:cNvPr id="6" name="Segnaposto contenuto 3">
+            <a:extLst>
+              <a:ext uri="{FF2B5EF4-FFF2-40B4-BE49-F238E27FC236}">
+                <a16:creationId xmlns:a16="http://schemas.microsoft.com/office/drawing/2014/main" id="{96AF17B5-2A5D-F54B-8DBE-6CF3AD3D879E}"/>
+              </a:ext>
+            </a:extLst>
+          </p:cNvPr>
+          <p:cNvSpPr txBox="1">
+            <a:spLocks/>
+          </p:cNvSpPr>
+          <p:nvPr/>
+        </p:nvSpPr>
+        <p:spPr>
+          <a:xfrm>
+            <a:off x="581193" y="2178159"/>
+            <a:ext cx="11029616" cy="4447824"/>
+          </a:xfrm>
+          <a:prstGeom prst="rect">
+            <a:avLst/>
+          </a:prstGeom>
+        </p:spPr>
+        <p:txBody>
+          <a:bodyPr vert="horz" lIns="91440" tIns="45720" rIns="91440" bIns="45720" rtlCol="0" anchor="t">
+            <a:normAutofit/>
+          </a:bodyPr>
+          <a:lstStyle>
+            <a:lvl1pPr marL="306000" indent="-306000" algn="l" defTabSz="457200" rtl="0" eaLnBrk="1" latinLnBrk="0" hangingPunct="1">
+              <a:spcBef>
+                <a:spcPct val="20000"/>
+              </a:spcBef>
+              <a:spcAft>
+                <a:spcPts val="600"/>
+              </a:spcAft>
+              <a:buClr>
+                <a:schemeClr val="accent2"/>
+              </a:buClr>
+              <a:buSzPct val="92000"/>
+              <a:buFont typeface="Wingdings 2" panose="05020102010507070707" pitchFamily="18" charset="2"/>
+              <a:buChar char=""/>
+              <a:defRPr sz="1800" kern="1200">
+                <a:solidFill>
+                  <a:schemeClr val="tx2"/>
+                </a:solidFill>
+                <a:latin typeface="+mn-lt"/>
+                <a:ea typeface="+mn-ea"/>
+                <a:cs typeface="+mn-cs"/>
+              </a:defRPr>
+            </a:lvl1pPr>
+            <a:lvl2pPr marL="630000" indent="-306000" algn="l" defTabSz="457200" rtl="0" eaLnBrk="1" latinLnBrk="0" hangingPunct="1">
+              <a:spcBef>
+                <a:spcPct val="20000"/>
+              </a:spcBef>
+              <a:spcAft>
+                <a:spcPts val="600"/>
+              </a:spcAft>
+              <a:buClr>
+                <a:schemeClr val="accent2"/>
+              </a:buClr>
+              <a:buSzPct val="92000"/>
+              <a:buFont typeface="Wingdings 2" panose="05020102010507070707" pitchFamily="18" charset="2"/>
+              <a:buChar char=""/>
+              <a:defRPr sz="1600" kern="1200">
+                <a:solidFill>
+                  <a:schemeClr val="tx2"/>
+                </a:solidFill>
+                <a:latin typeface="+mn-lt"/>
+                <a:ea typeface="+mn-ea"/>
+                <a:cs typeface="+mn-cs"/>
+              </a:defRPr>
+            </a:lvl2pPr>
+            <a:lvl3pPr marL="900000" indent="-270000" algn="l" defTabSz="457200" rtl="0" eaLnBrk="1" latinLnBrk="0" hangingPunct="1">
+              <a:spcBef>
+                <a:spcPct val="20000"/>
+              </a:spcBef>
+              <a:spcAft>
+                <a:spcPts val="600"/>
+              </a:spcAft>
+              <a:buClr>
+                <a:schemeClr val="accent2"/>
+              </a:buClr>
+              <a:buSzPct val="92000"/>
+              <a:buFont typeface="Wingdings 2" panose="05020102010507070707" pitchFamily="18" charset="2"/>
+              <a:buChar char=""/>
+              <a:defRPr sz="1400" kern="1200">
+                <a:solidFill>
+                  <a:schemeClr val="tx2"/>
+                </a:solidFill>
+                <a:latin typeface="+mn-lt"/>
+                <a:ea typeface="+mn-ea"/>
+                <a:cs typeface="+mn-cs"/>
+              </a:defRPr>
+            </a:lvl3pPr>
+            <a:lvl4pPr marL="1242000" indent="-234000" algn="l" defTabSz="457200" rtl="0" eaLnBrk="1" latinLnBrk="0" hangingPunct="1">
+              <a:spcBef>
+                <a:spcPct val="20000"/>
+              </a:spcBef>
+              <a:spcAft>
+                <a:spcPts val="600"/>
+              </a:spcAft>
+              <a:buClr>
+                <a:schemeClr val="accent2"/>
+              </a:buClr>
+              <a:buSzPct val="92000"/>
+              <a:buFont typeface="Wingdings 2" panose="05020102010507070707" pitchFamily="18" charset="2"/>
+              <a:buChar char=""/>
+              <a:defRPr sz="1200" kern="1200">
+                <a:solidFill>
+                  <a:schemeClr val="tx2"/>
+                </a:solidFill>
+                <a:latin typeface="+mn-lt"/>
+                <a:ea typeface="+mn-ea"/>
+                <a:cs typeface="+mn-cs"/>
+              </a:defRPr>
+            </a:lvl4pPr>
+            <a:lvl5pPr marL="1602000" indent="-234000" algn="l" defTabSz="457200" rtl="0" eaLnBrk="1" latinLnBrk="0" hangingPunct="1">
+              <a:spcBef>
+                <a:spcPct val="20000"/>
+              </a:spcBef>
+              <a:spcAft>
+                <a:spcPts val="600"/>
+              </a:spcAft>
+              <a:buClr>
+                <a:schemeClr val="accent2"/>
+              </a:buClr>
+              <a:buSzPct val="92000"/>
+              <a:buFont typeface="Wingdings 2" panose="05020102010507070707" pitchFamily="18" charset="2"/>
+              <a:buChar char=""/>
+              <a:defRPr sz="1200" kern="1200">
+                <a:solidFill>
+                  <a:schemeClr val="tx2"/>
+                </a:solidFill>
+                <a:latin typeface="+mn-lt"/>
+                <a:ea typeface="+mn-ea"/>
+                <a:cs typeface="+mn-cs"/>
+              </a:defRPr>
+            </a:lvl5pPr>
+            <a:lvl6pPr marL="1900000" indent="-228600" algn="l" defTabSz="457200" rtl="0" eaLnBrk="1" latinLnBrk="0" hangingPunct="1">
+              <a:spcBef>
+                <a:spcPct val="20000"/>
+              </a:spcBef>
+              <a:spcAft>
+                <a:spcPts val="600"/>
+              </a:spcAft>
+              <a:buClr>
+                <a:schemeClr val="accent2"/>
+              </a:buClr>
+              <a:buSzPct val="92000"/>
+              <a:buFont typeface="Wingdings 2" panose="05020102010507070707" pitchFamily="18" charset="2"/>
+              <a:buChar char=""/>
+              <a:defRPr sz="1200" kern="1200">
+                <a:solidFill>
+                  <a:schemeClr val="tx2"/>
+                </a:solidFill>
+                <a:latin typeface="+mn-lt"/>
+                <a:ea typeface="+mn-ea"/>
+                <a:cs typeface="+mn-cs"/>
+              </a:defRPr>
+            </a:lvl6pPr>
+            <a:lvl7pPr marL="2200000" indent="-228600" algn="l" defTabSz="457200" rtl="0" eaLnBrk="1" latinLnBrk="0" hangingPunct="1">
+              <a:spcBef>
+                <a:spcPct val="20000"/>
+              </a:spcBef>
+              <a:spcAft>
+                <a:spcPts val="600"/>
+              </a:spcAft>
+              <a:buClr>
+                <a:schemeClr val="accent2"/>
+              </a:buClr>
+              <a:buSzPct val="92000"/>
+              <a:buFont typeface="Wingdings 2" panose="05020102010507070707" pitchFamily="18" charset="2"/>
+              <a:buChar char=""/>
+              <a:defRPr sz="1200" kern="1200">
+                <a:solidFill>
+                  <a:schemeClr val="tx2"/>
+                </a:solidFill>
+                <a:latin typeface="+mn-lt"/>
+                <a:ea typeface="+mn-ea"/>
+                <a:cs typeface="+mn-cs"/>
+              </a:defRPr>
+            </a:lvl7pPr>
+            <a:lvl8pPr marL="2500000" indent="-228600" algn="l" defTabSz="457200" rtl="0" eaLnBrk="1" latinLnBrk="0" hangingPunct="1">
+              <a:spcBef>
+                <a:spcPct val="20000"/>
+              </a:spcBef>
+              <a:spcAft>
+                <a:spcPts val="600"/>
+              </a:spcAft>
+              <a:buClr>
+                <a:schemeClr val="accent2"/>
+              </a:buClr>
+              <a:buSzPct val="92000"/>
+              <a:buFont typeface="Wingdings 2" panose="05020102010507070707" pitchFamily="18" charset="2"/>
+              <a:buChar char=""/>
+              <a:defRPr sz="1200" kern="1200">
+                <a:solidFill>
+                  <a:schemeClr val="tx2"/>
+                </a:solidFill>
+                <a:latin typeface="+mn-lt"/>
+                <a:ea typeface="+mn-ea"/>
+                <a:cs typeface="+mn-cs"/>
+              </a:defRPr>
+            </a:lvl8pPr>
+            <a:lvl9pPr marL="2800000" indent="-228600" algn="l" defTabSz="457200" rtl="0" eaLnBrk="1" latinLnBrk="0" hangingPunct="1">
+              <a:spcBef>
+                <a:spcPct val="20000"/>
+              </a:spcBef>
+              <a:spcAft>
+                <a:spcPts val="600"/>
+              </a:spcAft>
+              <a:buClr>
+                <a:schemeClr val="accent2"/>
+              </a:buClr>
+              <a:buSzPct val="92000"/>
+              <a:buFont typeface="Wingdings 2" panose="05020102010507070707" pitchFamily="18" charset="2"/>
+              <a:buChar char=""/>
+              <a:defRPr sz="1200" kern="1200">
+                <a:solidFill>
+                  <a:schemeClr val="tx2"/>
+                </a:solidFill>
+                <a:latin typeface="+mn-lt"/>
+                <a:ea typeface="+mn-ea"/>
+                <a:cs typeface="+mn-cs"/>
+              </a:defRPr>
+            </a:lvl9pPr>
+          </a:lstStyle>
+          <a:p>
+            <a:pPr marL="0" indent="0" algn="just">
+              <a:buNone/>
+            </a:pPr>
+            <a:r>
+              <a:rPr lang="it-IT" dirty="0" err="1"/>
+              <a:t>We</a:t>
+            </a:r>
+            <a:r>
+              <a:rPr lang="it-IT" dirty="0"/>
+              <a:t> </a:t>
+            </a:r>
+            <a:r>
+              <a:rPr lang="it-IT" dirty="0" err="1"/>
+              <a:t>used</a:t>
+            </a:r>
+            <a:r>
+              <a:rPr lang="it-IT" dirty="0"/>
+              <a:t> the </a:t>
+            </a:r>
+            <a:r>
+              <a:rPr lang="it-IT" dirty="0" err="1"/>
+              <a:t>following</a:t>
+            </a:r>
+            <a:r>
+              <a:rPr lang="it-IT" dirty="0"/>
+              <a:t> </a:t>
+            </a:r>
+            <a:r>
+              <a:rPr lang="it-IT" dirty="0" err="1"/>
+              <a:t>datasets</a:t>
+            </a:r>
+            <a:r>
+              <a:rPr lang="it-IT" dirty="0"/>
+              <a:t> of </a:t>
+            </a:r>
+            <a:r>
+              <a:rPr lang="it-IT" dirty="0" err="1"/>
+              <a:t>resolution</a:t>
+            </a:r>
+            <a:r>
+              <a:rPr lang="it-IT" dirty="0"/>
+              <a:t> 256 × 256:</a:t>
+            </a:r>
+          </a:p>
+          <a:p>
+            <a:pPr algn="just"/>
+            <a:r>
+              <a:rPr lang="it-IT" dirty="0"/>
+              <a:t>Panda</a:t>
+            </a:r>
+          </a:p>
+          <a:p>
+            <a:pPr algn="just"/>
+            <a:r>
+              <a:rPr lang="it-IT" dirty="0"/>
+              <a:t>Obama</a:t>
+            </a:r>
+          </a:p>
+          <a:p>
+            <a:pPr algn="just"/>
+            <a:r>
+              <a:rPr lang="it-IT" dirty="0" err="1"/>
+              <a:t>Animal</a:t>
+            </a:r>
+            <a:r>
+              <a:rPr lang="it-IT" dirty="0"/>
+              <a:t>-Face Dog</a:t>
+            </a:r>
+          </a:p>
+          <a:p>
+            <a:pPr algn="just"/>
+            <a:r>
+              <a:rPr lang="it-IT" dirty="0" err="1"/>
+              <a:t>Animal</a:t>
+            </a:r>
+            <a:r>
+              <a:rPr lang="it-IT" dirty="0"/>
+              <a:t>-Face </a:t>
+            </a:r>
+            <a:r>
+              <a:rPr lang="it-IT" dirty="0" err="1"/>
+              <a:t>Cat</a:t>
+            </a:r>
+            <a:r>
+              <a:rPr lang="it-IT" dirty="0"/>
+              <a:t> </a:t>
+            </a:r>
+          </a:p>
+          <a:p>
+            <a:pPr algn="just"/>
+            <a:r>
+              <a:rPr lang="it-IT" dirty="0" err="1"/>
+              <a:t>Grumpy-cat</a:t>
+            </a:r>
+            <a:r>
+              <a:rPr lang="it-IT" dirty="0"/>
+              <a:t> </a:t>
+            </a:r>
+          </a:p>
+          <a:p>
+            <a:pPr algn="just"/>
+            <a:endParaRPr lang="it-IT" dirty="0"/>
+          </a:p>
+          <a:p>
+            <a:pPr marL="0" indent="0" algn="just">
+              <a:buNone/>
+            </a:pPr>
+            <a:endParaRPr lang="it-IT" dirty="0"/>
+          </a:p>
+        </p:txBody>
+      </p:sp>
+      <p:grpSp>
+        <p:nvGrpSpPr>
+          <p:cNvPr id="14" name="Gruppo 13">
+            <a:extLst>
+              <a:ext uri="{FF2B5EF4-FFF2-40B4-BE49-F238E27FC236}">
+                <a16:creationId xmlns:a16="http://schemas.microsoft.com/office/drawing/2014/main" id="{8CD1C2A0-BC33-474F-B60C-D8227B4479E3}"/>
+              </a:ext>
+            </a:extLst>
+          </p:cNvPr>
+          <p:cNvGrpSpPr/>
+          <p:nvPr/>
+        </p:nvGrpSpPr>
+        <p:grpSpPr>
+          <a:xfrm>
+            <a:off x="1130416" y="4818889"/>
+            <a:ext cx="9931168" cy="1807094"/>
+            <a:chOff x="581191" y="4818889"/>
+            <a:chExt cx="9931168" cy="1807094"/>
+          </a:xfrm>
+        </p:grpSpPr>
+        <p:pic>
+          <p:nvPicPr>
+            <p:cNvPr id="4" name="Immagine 3" descr="Immagine che contiene gatto, arancia, sedendo, bianco&#10;&#10;Descrizione generata automaticamente">
+              <a:extLst>
+                <a:ext uri="{FF2B5EF4-FFF2-40B4-BE49-F238E27FC236}">
+                  <a16:creationId xmlns:a16="http://schemas.microsoft.com/office/drawing/2014/main" id="{5A4110A1-2F3B-4445-AE18-C3846796EB07}"/>
+                </a:ext>
+              </a:extLst>
+            </p:cNvPr>
+            <p:cNvPicPr>
+              <a:picLocks noChangeAspect="1"/>
+            </p:cNvPicPr>
+            <p:nvPr/>
+          </p:nvPicPr>
+          <p:blipFill>
+            <a:blip r:embed="rId3"/>
+            <a:stretch>
+              <a:fillRect/>
+            </a:stretch>
+          </p:blipFill>
+          <p:spPr>
+            <a:xfrm>
+              <a:off x="6679568" y="4825983"/>
+              <a:ext cx="1800000" cy="1800000"/>
+            </a:xfrm>
+            <a:prstGeom prst="rect">
+              <a:avLst/>
+            </a:prstGeom>
+          </p:spPr>
+        </p:pic>
+        <p:pic>
+          <p:nvPicPr>
+            <p:cNvPr id="7" name="Immagine 6">
+              <a:extLst>
+                <a:ext uri="{FF2B5EF4-FFF2-40B4-BE49-F238E27FC236}">
+                  <a16:creationId xmlns:a16="http://schemas.microsoft.com/office/drawing/2014/main" id="{0CFA3E0B-1180-324C-ACDA-91593F58EE44}"/>
+                </a:ext>
+              </a:extLst>
+            </p:cNvPr>
+            <p:cNvPicPr>
+              <a:picLocks noChangeAspect="1"/>
+            </p:cNvPicPr>
+            <p:nvPr/>
+          </p:nvPicPr>
+          <p:blipFill>
+            <a:blip r:embed="rId4"/>
+            <a:stretch>
+              <a:fillRect/>
+            </a:stretch>
+          </p:blipFill>
+          <p:spPr>
+            <a:xfrm>
+              <a:off x="2613984" y="4818889"/>
+              <a:ext cx="1800000" cy="1800000"/>
+            </a:xfrm>
+            <a:prstGeom prst="rect">
+              <a:avLst/>
+            </a:prstGeom>
+          </p:spPr>
+        </p:pic>
+        <p:pic>
+          <p:nvPicPr>
+            <p:cNvPr id="9" name="Immagine 8" descr="Immagine che contiene bianco, panda gigante&#10;&#10;Descrizione generata automaticamente">
+              <a:extLst>
+                <a:ext uri="{FF2B5EF4-FFF2-40B4-BE49-F238E27FC236}">
+                  <a16:creationId xmlns:a16="http://schemas.microsoft.com/office/drawing/2014/main" id="{9A3BE187-4274-3D4F-8351-946CBD839893}"/>
+                </a:ext>
+              </a:extLst>
+            </p:cNvPr>
+            <p:cNvPicPr>
+              <a:picLocks noChangeAspect="1"/>
+            </p:cNvPicPr>
+            <p:nvPr/>
+          </p:nvPicPr>
+          <p:blipFill>
+            <a:blip r:embed="rId5"/>
+            <a:stretch>
+              <a:fillRect/>
+            </a:stretch>
+          </p:blipFill>
+          <p:spPr>
+            <a:xfrm>
+              <a:off x="581191" y="4818889"/>
+              <a:ext cx="1800000" cy="1800000"/>
+            </a:xfrm>
+            <a:prstGeom prst="rect">
+              <a:avLst/>
+            </a:prstGeom>
+          </p:spPr>
+        </p:pic>
+        <p:pic>
+          <p:nvPicPr>
+            <p:cNvPr id="11" name="Immagine 10" descr="Immagine che contiene cane, interni, diverso&#10;&#10;Descrizione generata automaticamente">
+              <a:extLst>
+                <a:ext uri="{FF2B5EF4-FFF2-40B4-BE49-F238E27FC236}">
+                  <a16:creationId xmlns:a16="http://schemas.microsoft.com/office/drawing/2014/main" id="{57FBE2E2-AC9D-5E4C-A3B4-058DBC2F4F2E}"/>
+                </a:ext>
+              </a:extLst>
+            </p:cNvPr>
+            <p:cNvPicPr>
+              <a:picLocks noChangeAspect="1"/>
+            </p:cNvPicPr>
+            <p:nvPr/>
+          </p:nvPicPr>
+          <p:blipFill>
+            <a:blip r:embed="rId6"/>
+            <a:stretch>
+              <a:fillRect/>
+            </a:stretch>
+          </p:blipFill>
+          <p:spPr>
+            <a:xfrm>
+              <a:off x="8712359" y="4818889"/>
+              <a:ext cx="1800000" cy="1800000"/>
+            </a:xfrm>
+            <a:prstGeom prst="rect">
+              <a:avLst/>
+            </a:prstGeom>
+          </p:spPr>
+        </p:pic>
+        <p:pic>
+          <p:nvPicPr>
+            <p:cNvPr id="13" name="Immagine 12" descr="Immagine che contiene gatto, sedendo, bianco, gatto domestico&#10;&#10;Descrizione generata automaticamente">
+              <a:extLst>
+                <a:ext uri="{FF2B5EF4-FFF2-40B4-BE49-F238E27FC236}">
+                  <a16:creationId xmlns:a16="http://schemas.microsoft.com/office/drawing/2014/main" id="{30B7B528-51BF-4947-957D-7CA85D6A059C}"/>
+                </a:ext>
+              </a:extLst>
+            </p:cNvPr>
+            <p:cNvPicPr>
+              <a:picLocks noChangeAspect="1"/>
+            </p:cNvPicPr>
+            <p:nvPr/>
+          </p:nvPicPr>
+          <p:blipFill>
+            <a:blip r:embed="rId7"/>
+            <a:stretch>
+              <a:fillRect/>
+            </a:stretch>
+          </p:blipFill>
+          <p:spPr>
+            <a:xfrm>
+              <a:off x="4646777" y="4825983"/>
+              <a:ext cx="1800000" cy="1800000"/>
+            </a:xfrm>
+            <a:prstGeom prst="rect">
+              <a:avLst/>
+            </a:prstGeom>
+          </p:spPr>
+        </p:pic>
+      </p:grpSp>
+    </p:spTree>
+    <p:extLst>
+      <p:ext uri="{BB962C8B-B14F-4D97-AF65-F5344CB8AC3E}">
+        <p14:creationId xmlns:p14="http://schemas.microsoft.com/office/powerpoint/2010/main" val="1327776395"/>
+      </p:ext>
+    </p:extLst>
+  </p:cSld>
+  <p:clrMapOvr>
+    <a:masterClrMapping/>
+  </p:clrMapOvr>
+</p:sld>
+</file>
+
+<file path=ppt/slides/slide14.xml><?xml version="1.0" encoding="utf-8"?>
 <p:sld xmlns:a="http://schemas.openxmlformats.org/drawingml/2006/main" xmlns:r="http://schemas.openxmlformats.org/officeDocument/2006/relationships" xmlns:p="http://schemas.openxmlformats.org/presentationml/2006/main">
   <p:cSld>
     <p:bg>
@@ -14934,7 +15216,7 @@
 </p:sld>
 </file>
 
-<file path=ppt/slides/slide8.xml><?xml version="1.0" encoding="utf-8"?>
+<file path=ppt/slides/slide15.xml><?xml version="1.0" encoding="utf-8"?>
 <p:sld xmlns:a="http://schemas.openxmlformats.org/drawingml/2006/main" xmlns:r="http://schemas.openxmlformats.org/officeDocument/2006/relationships" xmlns:p="http://schemas.openxmlformats.org/presentationml/2006/main">
   <p:cSld>
     <p:bg>
@@ -15066,7 +15348,7 @@
 </p:sld>
 </file>
 
-<file path=ppt/slides/slide9.xml><?xml version="1.0" encoding="utf-8"?>
+<file path=ppt/slides/slide16.xml><?xml version="1.0" encoding="utf-8"?>
 <p:sld xmlns:a="http://schemas.openxmlformats.org/drawingml/2006/main" xmlns:r="http://schemas.openxmlformats.org/officeDocument/2006/relationships" xmlns:p="http://schemas.openxmlformats.org/presentationml/2006/main">
   <p:cSld>
     <p:bg>
@@ -15447,6 +15729,4020 @@
     <p:extLst>
       <p:ext uri="{BB962C8B-B14F-4D97-AF65-F5344CB8AC3E}">
         <p14:creationId xmlns:p14="http://schemas.microsoft.com/office/powerpoint/2010/main" val="4209322005"/>
+      </p:ext>
+    </p:extLst>
+  </p:cSld>
+  <p:clrMapOvr>
+    <a:masterClrMapping/>
+  </p:clrMapOvr>
+</p:sld>
+</file>
+
+<file path=ppt/slides/slide17.xml><?xml version="1.0" encoding="utf-8"?>
+<p:sld xmlns:a="http://schemas.openxmlformats.org/drawingml/2006/main" xmlns:r="http://schemas.openxmlformats.org/officeDocument/2006/relationships" xmlns:p="http://schemas.openxmlformats.org/presentationml/2006/main">
+  <p:cSld>
+    <p:bg>
+      <p:bgPr>
+        <a:solidFill>
+          <a:schemeClr val="bg1"/>
+        </a:solidFill>
+        <a:effectLst/>
+      </p:bgPr>
+    </p:bg>
+    <p:spTree>
+      <p:nvGrpSpPr>
+        <p:cNvPr id="1" name=""/>
+        <p:cNvGrpSpPr/>
+        <p:nvPr/>
+      </p:nvGrpSpPr>
+      <p:grpSpPr>
+        <a:xfrm>
+          <a:off x="0" y="0"/>
+          <a:ext cx="0" cy="0"/>
+          <a:chOff x="0" y="0"/>
+          <a:chExt cx="0" cy="0"/>
+        </a:xfrm>
+      </p:grpSpPr>
+      <p:sp useBgFill="1">
+        <p:nvSpPr>
+          <p:cNvPr id="10" name="Rettangolo 9">
+            <a:extLst>
+              <a:ext uri="{FF2B5EF4-FFF2-40B4-BE49-F238E27FC236}">
+                <a16:creationId xmlns:a16="http://schemas.microsoft.com/office/drawing/2014/main" id="{379F11E2-8BA5-4C5C-AE7C-361E5EA011FF}"/>
+              </a:ext>
+              <a:ext uri="{C183D7F6-B498-43B3-948B-1728B52AA6E4}">
+                <adec:decorative xmlns:adec="http://schemas.microsoft.com/office/drawing/2017/decorative" val="1"/>
+              </a:ext>
+            </a:extLst>
+          </p:cNvPr>
+          <p:cNvSpPr>
+            <a:spLocks noGrp="1" noRot="1" noChangeAspect="1" noMove="1" noResize="1" noEditPoints="1" noAdjustHandles="1" noChangeArrowheads="1" noChangeShapeType="1" noTextEdit="1"/>
+          </p:cNvSpPr>
+          <p:nvPr>
+            <p:extLst>
+              <p:ext uri="{386F3935-93C4-4BCD-93E2-E3B085C9AB24}">
+                <p16:designElem xmlns:p16="http://schemas.microsoft.com/office/powerpoint/2015/main" val="1"/>
+              </p:ext>
+            </p:extLst>
+          </p:nvPr>
+        </p:nvSpPr>
+        <p:spPr>
+          <a:xfrm>
+            <a:off x="0" y="1"/>
+            <a:ext cx="12191999" cy="6858000"/>
+          </a:xfrm>
+          <a:prstGeom prst="rect">
+            <a:avLst/>
+          </a:prstGeom>
+          <a:ln>
+            <a:noFill/>
+          </a:ln>
+        </p:spPr>
+        <p:style>
+          <a:lnRef idx="2">
+            <a:schemeClr val="accent1">
+              <a:shade val="50000"/>
+            </a:schemeClr>
+          </a:lnRef>
+          <a:fillRef idx="1">
+            <a:schemeClr val="accent1"/>
+          </a:fillRef>
+          <a:effectRef idx="0">
+            <a:schemeClr val="accent1"/>
+          </a:effectRef>
+          <a:fontRef idx="minor">
+            <a:schemeClr val="lt1"/>
+          </a:fontRef>
+        </p:style>
+        <p:txBody>
+          <a:bodyPr rtlCol="0" anchor="ctr"/>
+          <a:lstStyle/>
+          <a:p>
+            <a:pPr algn="ctr" rtl="0"/>
+            <a:endParaRPr lang="it-IT"/>
+          </a:p>
+        </p:txBody>
+      </p:sp>
+      <p:pic>
+        <p:nvPicPr>
+          <p:cNvPr id="5" name="Immagine 4" descr="Numeri digitali">
+            <a:extLst>
+              <a:ext uri="{FF2B5EF4-FFF2-40B4-BE49-F238E27FC236}">
+                <a16:creationId xmlns:a16="http://schemas.microsoft.com/office/drawing/2014/main" id="{A21EA617-6D48-425F-97A8-7FEC82C8F401}"/>
+              </a:ext>
+            </a:extLst>
+          </p:cNvPr>
+          <p:cNvPicPr>
+            <a:picLocks noChangeAspect="1"/>
+          </p:cNvPicPr>
+          <p:nvPr/>
+        </p:nvPicPr>
+        <p:blipFill rotWithShape="1">
+          <a:blip r:embed="rId3" cstate="screen">
+            <a:extLst>
+              <a:ext uri="{28A0092B-C50C-407E-A947-70E740481C1C}">
+                <a14:useLocalDpi xmlns:a14="http://schemas.microsoft.com/office/drawing/2010/main"/>
+              </a:ext>
+            </a:extLst>
+          </a:blip>
+          <a:srcRect l="2189" r="9642" b="1"/>
+          <a:stretch/>
+        </p:blipFill>
+        <p:spPr>
+          <a:xfrm>
+            <a:off x="446534" y="723899"/>
+            <a:ext cx="7498616" cy="5676901"/>
+          </a:xfrm>
+          <a:prstGeom prst="rect">
+            <a:avLst/>
+          </a:prstGeom>
+        </p:spPr>
+      </p:pic>
+      <p:sp>
+        <p:nvSpPr>
+          <p:cNvPr id="12" name="Rettangolo 11">
+            <a:extLst>
+              <a:ext uri="{FF2B5EF4-FFF2-40B4-BE49-F238E27FC236}">
+                <a16:creationId xmlns:a16="http://schemas.microsoft.com/office/drawing/2014/main" id="{7C00E1DA-EC7C-40FC-95E3-11FDCD2E4291}"/>
+              </a:ext>
+              <a:ext uri="{C183D7F6-B498-43B3-948B-1728B52AA6E4}">
+                <adec:decorative xmlns:adec="http://schemas.microsoft.com/office/drawing/2017/decorative" val="1"/>
+              </a:ext>
+            </a:extLst>
+          </p:cNvPr>
+          <p:cNvSpPr>
+            <a:spLocks noGrp="1" noRot="1" noChangeAspect="1" noMove="1" noResize="1" noEditPoints="1" noAdjustHandles="1" noChangeArrowheads="1" noChangeShapeType="1" noTextEdit="1"/>
+          </p:cNvSpPr>
+          <p:nvPr>
+            <p:extLst>
+              <p:ext uri="{386F3935-93C4-4BCD-93E2-E3B085C9AB24}">
+                <p16:designElem xmlns:p16="http://schemas.microsoft.com/office/powerpoint/2015/main" val="1"/>
+              </p:ext>
+            </p:extLst>
+          </p:nvPr>
+        </p:nvSpPr>
+        <p:spPr>
+          <a:xfrm>
+            <a:off x="8042147" y="723899"/>
+            <a:ext cx="3703320" cy="5666666"/>
+          </a:xfrm>
+          <a:prstGeom prst="rect">
+            <a:avLst/>
+          </a:prstGeom>
+          <a:solidFill>
+            <a:schemeClr val="accent1"/>
+          </a:solidFill>
+          <a:ln>
+            <a:noFill/>
+          </a:ln>
+          <a:effectLst/>
+        </p:spPr>
+        <p:style>
+          <a:lnRef idx="1">
+            <a:schemeClr val="accent1"/>
+          </a:lnRef>
+          <a:fillRef idx="3">
+            <a:schemeClr val="accent1"/>
+          </a:fillRef>
+          <a:effectRef idx="2">
+            <a:schemeClr val="accent1"/>
+          </a:effectRef>
+          <a:fontRef idx="minor">
+            <a:schemeClr val="lt1"/>
+          </a:fontRef>
+        </p:style>
+        <p:txBody>
+          <a:bodyPr/>
+          <a:lstStyle/>
+          <a:p>
+            <a:endParaRPr lang="it-IT"/>
+          </a:p>
+        </p:txBody>
+      </p:sp>
+      <p:sp>
+        <p:nvSpPr>
+          <p:cNvPr id="2" name="Titolo 1">
+            <a:extLst>
+              <a:ext uri="{FF2B5EF4-FFF2-40B4-BE49-F238E27FC236}">
+                <a16:creationId xmlns:a16="http://schemas.microsoft.com/office/drawing/2014/main" id="{0F87E73C-2B1A-4602-BFBE-CFE1E55D9B38}"/>
+              </a:ext>
+            </a:extLst>
+          </p:cNvPr>
+          <p:cNvSpPr>
+            <a:spLocks noGrp="1"/>
+          </p:cNvSpPr>
+          <p:nvPr>
+            <p:ph type="ctrTitle"/>
+          </p:nvPr>
+        </p:nvSpPr>
+        <p:spPr>
+          <a:xfrm>
+            <a:off x="8296275" y="1419226"/>
+            <a:ext cx="3081576" cy="1746762"/>
+          </a:xfrm>
+        </p:spPr>
+        <p:txBody>
+          <a:bodyPr rtlCol="0">
+            <a:normAutofit/>
+          </a:bodyPr>
+          <a:lstStyle/>
+          <a:p>
+            <a:pPr rtl="0"/>
+            <a:r>
+              <a:rPr lang="it-IT">
+                <a:solidFill>
+                  <a:srgbClr val="FFFFFF"/>
+                </a:solidFill>
+              </a:rPr>
+              <a:t>Grazie</a:t>
+            </a:r>
+          </a:p>
+        </p:txBody>
+      </p:sp>
+      <p:sp>
+        <p:nvSpPr>
+          <p:cNvPr id="3" name="Sottotitolo 2">
+            <a:extLst>
+              <a:ext uri="{FF2B5EF4-FFF2-40B4-BE49-F238E27FC236}">
+                <a16:creationId xmlns:a16="http://schemas.microsoft.com/office/drawing/2014/main" id="{A9CB511D-EA45-4336-847C-1252667143B5}"/>
+              </a:ext>
+            </a:extLst>
+          </p:cNvPr>
+          <p:cNvSpPr>
+            <a:spLocks noGrp="1"/>
+          </p:cNvSpPr>
+          <p:nvPr>
+            <p:ph type="subTitle" idx="1"/>
+          </p:nvPr>
+        </p:nvSpPr>
+        <p:spPr>
+          <a:xfrm>
+            <a:off x="8296275" y="3505095"/>
+            <a:ext cx="3081576" cy="2629006"/>
+          </a:xfrm>
+        </p:spPr>
+        <p:txBody>
+          <a:bodyPr rtlCol="0">
+            <a:normAutofit/>
+          </a:bodyPr>
+          <a:lstStyle/>
+          <a:p>
+            <a:pPr rtl="0"/>
+            <a:r>
+              <a:rPr lang="it-IT">
+                <a:solidFill>
+                  <a:schemeClr val="bg2"/>
+                </a:solidFill>
+              </a:rPr>
+              <a:t>prova@example.com</a:t>
+            </a:r>
+          </a:p>
+          <a:p>
+            <a:pPr rtl="0"/>
+            <a:endParaRPr lang="it-IT">
+              <a:solidFill>
+                <a:schemeClr val="bg2"/>
+              </a:solidFill>
+            </a:endParaRPr>
+          </a:p>
+          <a:p>
+            <a:pPr rtl="0"/>
+            <a:endParaRPr lang="it-IT">
+              <a:solidFill>
+                <a:schemeClr val="bg2"/>
+              </a:solidFill>
+            </a:endParaRPr>
+          </a:p>
+        </p:txBody>
+      </p:sp>
+      <p:grpSp>
+        <p:nvGrpSpPr>
+          <p:cNvPr id="14" name="Gruppo 13">
+            <a:extLst>
+              <a:ext uri="{FF2B5EF4-FFF2-40B4-BE49-F238E27FC236}">
+                <a16:creationId xmlns:a16="http://schemas.microsoft.com/office/drawing/2014/main" id="{9A421166-2996-41A7-B094-AE5316F347DD}"/>
+              </a:ext>
+              <a:ext uri="{C183D7F6-B498-43B3-948B-1728B52AA6E4}">
+                <adec:decorative xmlns:adec="http://schemas.microsoft.com/office/drawing/2017/decorative" val="1"/>
+              </a:ext>
+            </a:extLst>
+          </p:cNvPr>
+          <p:cNvGrpSpPr>
+            <a:grpSpLocks noGrp="1" noUngrp="1" noRot="1" noChangeAspect="1" noMove="1" noResize="1"/>
+          </p:cNvGrpSpPr>
+          <p:nvPr>
+            <p:extLst>
+              <p:ext uri="{386F3935-93C4-4BCD-93E2-E3B085C9AB24}">
+                <p16:designElem xmlns:p16="http://schemas.microsoft.com/office/powerpoint/2015/main" val="1"/>
+              </p:ext>
+            </p:extLst>
+          </p:nvPr>
+        </p:nvGrpSpPr>
+        <p:grpSpPr>
+          <a:xfrm>
+            <a:off x="446534" y="453643"/>
+            <a:ext cx="11298933" cy="98554"/>
+            <a:chOff x="446534" y="453643"/>
+            <a:chExt cx="11298933" cy="98554"/>
+          </a:xfrm>
+        </p:grpSpPr>
+        <p:sp>
+          <p:nvSpPr>
+            <p:cNvPr id="15" name="Rettangolo 14">
+              <a:extLst>
+                <a:ext uri="{FF2B5EF4-FFF2-40B4-BE49-F238E27FC236}">
+                  <a16:creationId xmlns:a16="http://schemas.microsoft.com/office/drawing/2014/main" id="{FDBB1B92-A3EB-43E4-8FAB-D20E8ED14CEF}"/>
+                </a:ext>
+                <a:ext uri="{C183D7F6-B498-43B3-948B-1728B52AA6E4}">
+                  <adec:decorative xmlns:adec="http://schemas.microsoft.com/office/drawing/2017/decorative" val="1"/>
+                </a:ext>
+              </a:extLst>
+            </p:cNvPr>
+            <p:cNvSpPr/>
+            <p:nvPr>
+              <p:extLst>
+                <p:ext uri="{386F3935-93C4-4BCD-93E2-E3B085C9AB24}">
+                  <p16:designElem xmlns:p16="http://schemas.microsoft.com/office/powerpoint/2015/main" val="1"/>
+                </p:ext>
+              </p:extLst>
+            </p:nvPr>
+          </p:nvSpPr>
+          <p:spPr>
+            <a:xfrm>
+              <a:off x="446534" y="457200"/>
+              <a:ext cx="3703320" cy="94997"/>
+            </a:xfrm>
+            <a:prstGeom prst="rect">
+              <a:avLst/>
+            </a:prstGeom>
+            <a:solidFill>
+              <a:schemeClr val="accent1"/>
+            </a:solidFill>
+            <a:ln>
+              <a:noFill/>
+            </a:ln>
+            <a:effectLst/>
+          </p:spPr>
+          <p:style>
+            <a:lnRef idx="1">
+              <a:schemeClr val="accent1"/>
+            </a:lnRef>
+            <a:fillRef idx="3">
+              <a:schemeClr val="accent1"/>
+            </a:fillRef>
+            <a:effectRef idx="2">
+              <a:schemeClr val="accent1"/>
+            </a:effectRef>
+            <a:fontRef idx="minor">
+              <a:schemeClr val="lt1"/>
+            </a:fontRef>
+          </p:style>
+        </p:sp>
+        <p:sp>
+          <p:nvSpPr>
+            <p:cNvPr id="16" name="Rettangolo 15">
+              <a:extLst>
+                <a:ext uri="{FF2B5EF4-FFF2-40B4-BE49-F238E27FC236}">
+                  <a16:creationId xmlns:a16="http://schemas.microsoft.com/office/drawing/2014/main" id="{3F3972F4-FE7E-48EA-AAD8-9BE5750A6672}"/>
+                </a:ext>
+                <a:ext uri="{C183D7F6-B498-43B3-948B-1728B52AA6E4}">
+                  <adec:decorative xmlns:adec="http://schemas.microsoft.com/office/drawing/2017/decorative" val="1"/>
+                </a:ext>
+              </a:extLst>
+            </p:cNvPr>
+            <p:cNvSpPr/>
+            <p:nvPr>
+              <p:extLst>
+                <p:ext uri="{386F3935-93C4-4BCD-93E2-E3B085C9AB24}">
+                  <p16:designElem xmlns:p16="http://schemas.microsoft.com/office/powerpoint/2015/main" val="1"/>
+                </p:ext>
+              </p:extLst>
+            </p:nvPr>
+          </p:nvSpPr>
+          <p:spPr>
+            <a:xfrm>
+              <a:off x="8042147" y="453643"/>
+              <a:ext cx="3703320" cy="98554"/>
+            </a:xfrm>
+            <a:prstGeom prst="rect">
+              <a:avLst/>
+            </a:prstGeom>
+            <a:solidFill>
+              <a:schemeClr val="accent4"/>
+            </a:solidFill>
+            <a:ln>
+              <a:noFill/>
+            </a:ln>
+            <a:effectLst/>
+          </p:spPr>
+          <p:style>
+            <a:lnRef idx="1">
+              <a:schemeClr val="accent1"/>
+            </a:lnRef>
+            <a:fillRef idx="3">
+              <a:schemeClr val="accent1"/>
+            </a:fillRef>
+            <a:effectRef idx="2">
+              <a:schemeClr val="accent1"/>
+            </a:effectRef>
+            <a:fontRef idx="minor">
+              <a:schemeClr val="lt1"/>
+            </a:fontRef>
+          </p:style>
+        </p:sp>
+        <p:sp>
+          <p:nvSpPr>
+            <p:cNvPr id="17" name="Rettangolo 16">
+              <a:extLst>
+                <a:ext uri="{FF2B5EF4-FFF2-40B4-BE49-F238E27FC236}">
+                  <a16:creationId xmlns:a16="http://schemas.microsoft.com/office/drawing/2014/main" id="{221614E5-870B-4D5E-A43B-8FF7E5323484}"/>
+                </a:ext>
+                <a:ext uri="{C183D7F6-B498-43B3-948B-1728B52AA6E4}">
+                  <adec:decorative xmlns:adec="http://schemas.microsoft.com/office/drawing/2017/decorative" val="1"/>
+                </a:ext>
+              </a:extLst>
+            </p:cNvPr>
+            <p:cNvSpPr/>
+            <p:nvPr>
+              <p:extLst>
+                <p:ext uri="{386F3935-93C4-4BCD-93E2-E3B085C9AB24}">
+                  <p16:designElem xmlns:p16="http://schemas.microsoft.com/office/powerpoint/2015/main" val="1"/>
+                </p:ext>
+              </p:extLst>
+            </p:nvPr>
+          </p:nvSpPr>
+          <p:spPr>
+            <a:xfrm>
+              <a:off x="4241830" y="457200"/>
+              <a:ext cx="3703320" cy="91440"/>
+            </a:xfrm>
+            <a:prstGeom prst="rect">
+              <a:avLst/>
+            </a:prstGeom>
+            <a:solidFill>
+              <a:schemeClr val="accent2"/>
+            </a:solidFill>
+            <a:ln>
+              <a:noFill/>
+            </a:ln>
+            <a:effectLst/>
+          </p:spPr>
+          <p:style>
+            <a:lnRef idx="1">
+              <a:schemeClr val="accent1"/>
+            </a:lnRef>
+            <a:fillRef idx="3">
+              <a:schemeClr val="accent1"/>
+            </a:fillRef>
+            <a:effectRef idx="2">
+              <a:schemeClr val="accent1"/>
+            </a:effectRef>
+            <a:fontRef idx="minor">
+              <a:schemeClr val="lt1"/>
+            </a:fontRef>
+          </p:style>
+        </p:sp>
+      </p:grpSp>
+    </p:spTree>
+    <p:extLst>
+      <p:ext uri="{BB962C8B-B14F-4D97-AF65-F5344CB8AC3E}">
+        <p14:creationId xmlns:p14="http://schemas.microsoft.com/office/powerpoint/2010/main" val="3501347425"/>
+      </p:ext>
+    </p:extLst>
+  </p:cSld>
+  <p:clrMapOvr>
+    <a:masterClrMapping/>
+  </p:clrMapOvr>
+</p:sld>
+</file>
+
+<file path=ppt/slides/slide2.xml><?xml version="1.0" encoding="utf-8"?>
+<p:sld xmlns:a="http://schemas.openxmlformats.org/drawingml/2006/main" xmlns:r="http://schemas.openxmlformats.org/officeDocument/2006/relationships" xmlns:p="http://schemas.openxmlformats.org/presentationml/2006/main">
+  <p:cSld>
+    <p:bg>
+      <p:bgPr>
+        <a:solidFill>
+          <a:schemeClr val="bg1"/>
+        </a:solidFill>
+        <a:effectLst/>
+      </p:bgPr>
+    </p:bg>
+    <p:spTree>
+      <p:nvGrpSpPr>
+        <p:cNvPr id="1" name=""/>
+        <p:cNvGrpSpPr/>
+        <p:nvPr/>
+      </p:nvGrpSpPr>
+      <p:grpSpPr>
+        <a:xfrm>
+          <a:off x="0" y="0"/>
+          <a:ext cx="0" cy="0"/>
+          <a:chOff x="0" y="0"/>
+          <a:chExt cx="0" cy="0"/>
+        </a:xfrm>
+      </p:grpSpPr>
+      <p:sp>
+        <p:nvSpPr>
+          <p:cNvPr id="2" name="Titolo 1">
+            <a:extLst>
+              <a:ext uri="{FF2B5EF4-FFF2-40B4-BE49-F238E27FC236}">
+                <a16:creationId xmlns:a16="http://schemas.microsoft.com/office/drawing/2014/main" id="{921633EB-7DCB-4DDC-80AF-C885A3EE1245}"/>
+              </a:ext>
+            </a:extLst>
+          </p:cNvPr>
+          <p:cNvSpPr>
+            <a:spLocks noGrp="1"/>
+          </p:cNvSpPr>
+          <p:nvPr>
+            <p:ph type="title"/>
+          </p:nvPr>
+        </p:nvSpPr>
+        <p:spPr/>
+        <p:txBody>
+          <a:bodyPr rtlCol="0"/>
+          <a:lstStyle/>
+          <a:p>
+            <a:pPr rtl="0"/>
+            <a:r>
+              <a:rPr lang="it-IT" dirty="0" err="1"/>
+              <a:t>Introduction</a:t>
+            </a:r>
+            <a:endParaRPr lang="it-IT" dirty="0"/>
+          </a:p>
+        </p:txBody>
+      </p:sp>
+      <p:sp>
+        <p:nvSpPr>
+          <p:cNvPr id="4" name="Segnaposto contenuto 3">
+            <a:extLst>
+              <a:ext uri="{FF2B5EF4-FFF2-40B4-BE49-F238E27FC236}">
+                <a16:creationId xmlns:a16="http://schemas.microsoft.com/office/drawing/2014/main" id="{7D5B1FB4-0A64-46A6-B8E4-CABB1F344D8E}"/>
+              </a:ext>
+            </a:extLst>
+          </p:cNvPr>
+          <p:cNvSpPr>
+            <a:spLocks noGrp="1"/>
+          </p:cNvSpPr>
+          <p:nvPr>
+            <p:ph sz="half" idx="1"/>
+          </p:nvPr>
+        </p:nvSpPr>
+        <p:spPr>
+          <a:xfrm>
+            <a:off x="581192" y="2213810"/>
+            <a:ext cx="11029616" cy="4427621"/>
+          </a:xfrm>
+        </p:spPr>
+        <p:txBody>
+          <a:bodyPr>
+            <a:normAutofit/>
+          </a:bodyPr>
+          <a:lstStyle/>
+          <a:p>
+            <a:pPr marL="0" indent="0" algn="just">
+              <a:buNone/>
+            </a:pPr>
+            <a:r>
+              <a:rPr lang="en-GB" dirty="0"/>
+              <a:t>Our work is based on the paper “Towards Faster And Stabilized Gan Training For High-fidelity Few-shot Image Synthesis”. </a:t>
+            </a:r>
+          </a:p>
+          <a:p>
+            <a:pPr marL="0" indent="0" algn="just">
+              <a:buNone/>
+            </a:pPr>
+            <a:endParaRPr lang="en-GB" dirty="0"/>
+          </a:p>
+          <a:p>
+            <a:pPr marL="0" indent="0" algn="just">
+              <a:buNone/>
+            </a:pPr>
+            <a:r>
+              <a:rPr lang="it-IT" b="1" dirty="0"/>
+              <a:t>OBJECTIVES:</a:t>
+            </a:r>
+          </a:p>
+          <a:p>
+            <a:pPr algn="just"/>
+            <a:r>
+              <a:rPr lang="en-US" dirty="0"/>
+              <a:t>Allow users with limited computing budget and resources to train a GAN;</a:t>
+            </a:r>
+          </a:p>
+          <a:p>
+            <a:pPr algn="just"/>
+            <a:r>
+              <a:rPr lang="en-US" dirty="0"/>
+              <a:t>Eliminate the requirement of a big dataset for training;</a:t>
+            </a:r>
+          </a:p>
+          <a:p>
+            <a:pPr algn="just"/>
+            <a:r>
+              <a:rPr lang="en-US" dirty="0"/>
+              <a:t>Allow to train models from scratch in order to avoid biases typic of the pre-trained models and to let people use their own set of interest images;</a:t>
+            </a:r>
+          </a:p>
+          <a:p>
+            <a:pPr algn="just"/>
+            <a:r>
+              <a:rPr lang="en-US" dirty="0"/>
+              <a:t>Few hours required for training time;</a:t>
+            </a:r>
+          </a:p>
+          <a:p>
+            <a:pPr marL="0" indent="0" algn="just">
+              <a:buNone/>
+            </a:pPr>
+            <a:endParaRPr lang="en-GB" dirty="0"/>
+          </a:p>
+        </p:txBody>
+      </p:sp>
+      <p:sp>
+        <p:nvSpPr>
+          <p:cNvPr id="10" name="Segnaposto contenuto 3">
+            <a:extLst>
+              <a:ext uri="{FF2B5EF4-FFF2-40B4-BE49-F238E27FC236}">
+                <a16:creationId xmlns:a16="http://schemas.microsoft.com/office/drawing/2014/main" id="{EB3B234C-024F-4053-8932-83A38002F261}"/>
+              </a:ext>
+            </a:extLst>
+          </p:cNvPr>
+          <p:cNvSpPr txBox="1">
+            <a:spLocks/>
+          </p:cNvSpPr>
+          <p:nvPr/>
+        </p:nvSpPr>
+        <p:spPr>
+          <a:xfrm>
+            <a:off x="581192" y="2969809"/>
+            <a:ext cx="11029616" cy="3158533"/>
+          </a:xfrm>
+          <a:prstGeom prst="rect">
+            <a:avLst/>
+          </a:prstGeom>
+        </p:spPr>
+        <p:txBody>
+          <a:bodyPr vert="horz" lIns="91440" tIns="45720" rIns="91440" bIns="45720" rtlCol="0" anchor="ctr">
+            <a:normAutofit/>
+          </a:bodyPr>
+          <a:lstStyle>
+            <a:lvl1pPr marL="306000" indent="-306000" algn="l" defTabSz="457200" rtl="0" eaLnBrk="1" latinLnBrk="0" hangingPunct="1">
+              <a:spcBef>
+                <a:spcPct val="20000"/>
+              </a:spcBef>
+              <a:spcAft>
+                <a:spcPts val="600"/>
+              </a:spcAft>
+              <a:buClr>
+                <a:schemeClr val="accent2"/>
+              </a:buClr>
+              <a:buSzPct val="92000"/>
+              <a:buFont typeface="Wingdings 2" panose="05020102010507070707" pitchFamily="18" charset="2"/>
+              <a:buChar char=""/>
+              <a:defRPr sz="1800" kern="1200">
+                <a:solidFill>
+                  <a:schemeClr val="tx2"/>
+                </a:solidFill>
+                <a:latin typeface="+mn-lt"/>
+                <a:ea typeface="+mn-ea"/>
+                <a:cs typeface="+mn-cs"/>
+              </a:defRPr>
+            </a:lvl1pPr>
+            <a:lvl2pPr marL="630000" indent="-306000" algn="l" defTabSz="457200" rtl="0" eaLnBrk="1" latinLnBrk="0" hangingPunct="1">
+              <a:spcBef>
+                <a:spcPct val="20000"/>
+              </a:spcBef>
+              <a:spcAft>
+                <a:spcPts val="600"/>
+              </a:spcAft>
+              <a:buClr>
+                <a:schemeClr val="accent2"/>
+              </a:buClr>
+              <a:buSzPct val="92000"/>
+              <a:buFont typeface="Wingdings 2" panose="05020102010507070707" pitchFamily="18" charset="2"/>
+              <a:buChar char=""/>
+              <a:defRPr sz="1600" kern="1200">
+                <a:solidFill>
+                  <a:schemeClr val="tx2"/>
+                </a:solidFill>
+                <a:latin typeface="+mn-lt"/>
+                <a:ea typeface="+mn-ea"/>
+                <a:cs typeface="+mn-cs"/>
+              </a:defRPr>
+            </a:lvl2pPr>
+            <a:lvl3pPr marL="900000" indent="-270000" algn="l" defTabSz="457200" rtl="0" eaLnBrk="1" latinLnBrk="0" hangingPunct="1">
+              <a:spcBef>
+                <a:spcPct val="20000"/>
+              </a:spcBef>
+              <a:spcAft>
+                <a:spcPts val="600"/>
+              </a:spcAft>
+              <a:buClr>
+                <a:schemeClr val="accent2"/>
+              </a:buClr>
+              <a:buSzPct val="92000"/>
+              <a:buFont typeface="Wingdings 2" panose="05020102010507070707" pitchFamily="18" charset="2"/>
+              <a:buChar char=""/>
+              <a:defRPr sz="1400" kern="1200">
+                <a:solidFill>
+                  <a:schemeClr val="tx2"/>
+                </a:solidFill>
+                <a:latin typeface="+mn-lt"/>
+                <a:ea typeface="+mn-ea"/>
+                <a:cs typeface="+mn-cs"/>
+              </a:defRPr>
+            </a:lvl3pPr>
+            <a:lvl4pPr marL="1242000" indent="-234000" algn="l" defTabSz="457200" rtl="0" eaLnBrk="1" latinLnBrk="0" hangingPunct="1">
+              <a:spcBef>
+                <a:spcPct val="20000"/>
+              </a:spcBef>
+              <a:spcAft>
+                <a:spcPts val="600"/>
+              </a:spcAft>
+              <a:buClr>
+                <a:schemeClr val="accent2"/>
+              </a:buClr>
+              <a:buSzPct val="92000"/>
+              <a:buFont typeface="Wingdings 2" panose="05020102010507070707" pitchFamily="18" charset="2"/>
+              <a:buChar char=""/>
+              <a:defRPr sz="1200" kern="1200">
+                <a:solidFill>
+                  <a:schemeClr val="tx2"/>
+                </a:solidFill>
+                <a:latin typeface="+mn-lt"/>
+                <a:ea typeface="+mn-ea"/>
+                <a:cs typeface="+mn-cs"/>
+              </a:defRPr>
+            </a:lvl4pPr>
+            <a:lvl5pPr marL="1602000" indent="-234000" algn="l" defTabSz="457200" rtl="0" eaLnBrk="1" latinLnBrk="0" hangingPunct="1">
+              <a:spcBef>
+                <a:spcPct val="20000"/>
+              </a:spcBef>
+              <a:spcAft>
+                <a:spcPts val="600"/>
+              </a:spcAft>
+              <a:buClr>
+                <a:schemeClr val="accent2"/>
+              </a:buClr>
+              <a:buSzPct val="92000"/>
+              <a:buFont typeface="Wingdings 2" panose="05020102010507070707" pitchFamily="18" charset="2"/>
+              <a:buChar char=""/>
+              <a:defRPr sz="1200" kern="1200">
+                <a:solidFill>
+                  <a:schemeClr val="tx2"/>
+                </a:solidFill>
+                <a:latin typeface="+mn-lt"/>
+                <a:ea typeface="+mn-ea"/>
+                <a:cs typeface="+mn-cs"/>
+              </a:defRPr>
+            </a:lvl5pPr>
+            <a:lvl6pPr marL="1900000" indent="-228600" algn="l" defTabSz="457200" rtl="0" eaLnBrk="1" latinLnBrk="0" hangingPunct="1">
+              <a:spcBef>
+                <a:spcPct val="20000"/>
+              </a:spcBef>
+              <a:spcAft>
+                <a:spcPts val="600"/>
+              </a:spcAft>
+              <a:buClr>
+                <a:schemeClr val="accent2"/>
+              </a:buClr>
+              <a:buSzPct val="92000"/>
+              <a:buFont typeface="Wingdings 2" panose="05020102010507070707" pitchFamily="18" charset="2"/>
+              <a:buChar char=""/>
+              <a:defRPr sz="1200" kern="1200">
+                <a:solidFill>
+                  <a:schemeClr val="tx2"/>
+                </a:solidFill>
+                <a:latin typeface="+mn-lt"/>
+                <a:ea typeface="+mn-ea"/>
+                <a:cs typeface="+mn-cs"/>
+              </a:defRPr>
+            </a:lvl6pPr>
+            <a:lvl7pPr marL="2200000" indent="-228600" algn="l" defTabSz="457200" rtl="0" eaLnBrk="1" latinLnBrk="0" hangingPunct="1">
+              <a:spcBef>
+                <a:spcPct val="20000"/>
+              </a:spcBef>
+              <a:spcAft>
+                <a:spcPts val="600"/>
+              </a:spcAft>
+              <a:buClr>
+                <a:schemeClr val="accent2"/>
+              </a:buClr>
+              <a:buSzPct val="92000"/>
+              <a:buFont typeface="Wingdings 2" panose="05020102010507070707" pitchFamily="18" charset="2"/>
+              <a:buChar char=""/>
+              <a:defRPr sz="1200" kern="1200">
+                <a:solidFill>
+                  <a:schemeClr val="tx2"/>
+                </a:solidFill>
+                <a:latin typeface="+mn-lt"/>
+                <a:ea typeface="+mn-ea"/>
+                <a:cs typeface="+mn-cs"/>
+              </a:defRPr>
+            </a:lvl7pPr>
+            <a:lvl8pPr marL="2500000" indent="-228600" algn="l" defTabSz="457200" rtl="0" eaLnBrk="1" latinLnBrk="0" hangingPunct="1">
+              <a:spcBef>
+                <a:spcPct val="20000"/>
+              </a:spcBef>
+              <a:spcAft>
+                <a:spcPts val="600"/>
+              </a:spcAft>
+              <a:buClr>
+                <a:schemeClr val="accent2"/>
+              </a:buClr>
+              <a:buSzPct val="92000"/>
+              <a:buFont typeface="Wingdings 2" panose="05020102010507070707" pitchFamily="18" charset="2"/>
+              <a:buChar char=""/>
+              <a:defRPr sz="1200" kern="1200">
+                <a:solidFill>
+                  <a:schemeClr val="tx2"/>
+                </a:solidFill>
+                <a:latin typeface="+mn-lt"/>
+                <a:ea typeface="+mn-ea"/>
+                <a:cs typeface="+mn-cs"/>
+              </a:defRPr>
+            </a:lvl8pPr>
+            <a:lvl9pPr marL="2800000" indent="-228600" algn="l" defTabSz="457200" rtl="0" eaLnBrk="1" latinLnBrk="0" hangingPunct="1">
+              <a:spcBef>
+                <a:spcPct val="20000"/>
+              </a:spcBef>
+              <a:spcAft>
+                <a:spcPts val="600"/>
+              </a:spcAft>
+              <a:buClr>
+                <a:schemeClr val="accent2"/>
+              </a:buClr>
+              <a:buSzPct val="92000"/>
+              <a:buFont typeface="Wingdings 2" panose="05020102010507070707" pitchFamily="18" charset="2"/>
+              <a:buChar char=""/>
+              <a:defRPr sz="1200" kern="1200">
+                <a:solidFill>
+                  <a:schemeClr val="tx2"/>
+                </a:solidFill>
+                <a:latin typeface="+mn-lt"/>
+                <a:ea typeface="+mn-ea"/>
+                <a:cs typeface="+mn-cs"/>
+              </a:defRPr>
+            </a:lvl9pPr>
+          </a:lstStyle>
+          <a:p>
+            <a:pPr marL="0" indent="0" algn="just">
+              <a:buFont typeface="Wingdings 2" panose="05020102010507070707" pitchFamily="18" charset="2"/>
+              <a:buNone/>
+            </a:pPr>
+            <a:endParaRPr lang="en-US" dirty="0"/>
+          </a:p>
+        </p:txBody>
+      </p:sp>
+    </p:spTree>
+    <p:extLst>
+      <p:ext uri="{BB962C8B-B14F-4D97-AF65-F5344CB8AC3E}">
+        <p14:creationId xmlns:p14="http://schemas.microsoft.com/office/powerpoint/2010/main" val="2336794322"/>
+      </p:ext>
+    </p:extLst>
+  </p:cSld>
+  <p:clrMapOvr>
+    <a:masterClrMapping/>
+  </p:clrMapOvr>
+</p:sld>
+</file>
+
+<file path=ppt/slides/slide3.xml><?xml version="1.0" encoding="utf-8"?>
+<p:sld xmlns:a="http://schemas.openxmlformats.org/drawingml/2006/main" xmlns:r="http://schemas.openxmlformats.org/officeDocument/2006/relationships" xmlns:p="http://schemas.openxmlformats.org/presentationml/2006/main">
+  <p:cSld>
+    <p:bg>
+      <p:bgPr>
+        <a:solidFill>
+          <a:schemeClr val="bg1"/>
+        </a:solidFill>
+        <a:effectLst/>
+      </p:bgPr>
+    </p:bg>
+    <p:spTree>
+      <p:nvGrpSpPr>
+        <p:cNvPr id="1" name=""/>
+        <p:cNvGrpSpPr/>
+        <p:nvPr/>
+      </p:nvGrpSpPr>
+      <p:grpSpPr>
+        <a:xfrm>
+          <a:off x="0" y="0"/>
+          <a:ext cx="0" cy="0"/>
+          <a:chOff x="0" y="0"/>
+          <a:chExt cx="0" cy="0"/>
+        </a:xfrm>
+      </p:grpSpPr>
+      <p:sp>
+        <p:nvSpPr>
+          <p:cNvPr id="2" name="Titolo 1">
+            <a:extLst>
+              <a:ext uri="{FF2B5EF4-FFF2-40B4-BE49-F238E27FC236}">
+                <a16:creationId xmlns:a16="http://schemas.microsoft.com/office/drawing/2014/main" id="{921633EB-7DCB-4DDC-80AF-C885A3EE1245}"/>
+              </a:ext>
+            </a:extLst>
+          </p:cNvPr>
+          <p:cNvSpPr>
+            <a:spLocks noGrp="1"/>
+          </p:cNvSpPr>
+          <p:nvPr>
+            <p:ph type="title"/>
+          </p:nvPr>
+        </p:nvSpPr>
+        <p:spPr/>
+        <p:txBody>
+          <a:bodyPr rtlCol="0"/>
+          <a:lstStyle/>
+          <a:p>
+            <a:r>
+              <a:rPr lang="en-GB" dirty="0"/>
+              <a:t>implementation</a:t>
+            </a:r>
+          </a:p>
+        </p:txBody>
+      </p:sp>
+      <p:sp>
+        <p:nvSpPr>
+          <p:cNvPr id="6" name="Segnaposto contenuto 3">
+            <a:extLst>
+              <a:ext uri="{FF2B5EF4-FFF2-40B4-BE49-F238E27FC236}">
+                <a16:creationId xmlns:a16="http://schemas.microsoft.com/office/drawing/2014/main" id="{96AF17B5-2A5D-F54B-8DBE-6CF3AD3D879E}"/>
+              </a:ext>
+            </a:extLst>
+          </p:cNvPr>
+          <p:cNvSpPr txBox="1">
+            <a:spLocks/>
+          </p:cNvSpPr>
+          <p:nvPr/>
+        </p:nvSpPr>
+        <p:spPr>
+          <a:xfrm>
+            <a:off x="581193" y="2178159"/>
+            <a:ext cx="11029614" cy="4447824"/>
+          </a:xfrm>
+          <a:prstGeom prst="rect">
+            <a:avLst/>
+          </a:prstGeom>
+        </p:spPr>
+        <p:txBody>
+          <a:bodyPr vert="horz" lIns="91440" tIns="45720" rIns="91440" bIns="45720" rtlCol="0" anchor="ctr">
+            <a:normAutofit/>
+          </a:bodyPr>
+          <a:lstStyle>
+            <a:lvl1pPr marL="306000" indent="-306000" algn="l" defTabSz="457200" rtl="0" eaLnBrk="1" latinLnBrk="0" hangingPunct="1">
+              <a:spcBef>
+                <a:spcPct val="20000"/>
+              </a:spcBef>
+              <a:spcAft>
+                <a:spcPts val="600"/>
+              </a:spcAft>
+              <a:buClr>
+                <a:schemeClr val="accent2"/>
+              </a:buClr>
+              <a:buSzPct val="92000"/>
+              <a:buFont typeface="Wingdings 2" panose="05020102010507070707" pitchFamily="18" charset="2"/>
+              <a:buChar char=""/>
+              <a:defRPr sz="1800" kern="1200">
+                <a:solidFill>
+                  <a:schemeClr val="tx2"/>
+                </a:solidFill>
+                <a:latin typeface="+mn-lt"/>
+                <a:ea typeface="+mn-ea"/>
+                <a:cs typeface="+mn-cs"/>
+              </a:defRPr>
+            </a:lvl1pPr>
+            <a:lvl2pPr marL="630000" indent="-306000" algn="l" defTabSz="457200" rtl="0" eaLnBrk="1" latinLnBrk="0" hangingPunct="1">
+              <a:spcBef>
+                <a:spcPct val="20000"/>
+              </a:spcBef>
+              <a:spcAft>
+                <a:spcPts val="600"/>
+              </a:spcAft>
+              <a:buClr>
+                <a:schemeClr val="accent2"/>
+              </a:buClr>
+              <a:buSzPct val="92000"/>
+              <a:buFont typeface="Wingdings 2" panose="05020102010507070707" pitchFamily="18" charset="2"/>
+              <a:buChar char=""/>
+              <a:defRPr sz="1600" kern="1200">
+                <a:solidFill>
+                  <a:schemeClr val="tx2"/>
+                </a:solidFill>
+                <a:latin typeface="+mn-lt"/>
+                <a:ea typeface="+mn-ea"/>
+                <a:cs typeface="+mn-cs"/>
+              </a:defRPr>
+            </a:lvl2pPr>
+            <a:lvl3pPr marL="900000" indent="-270000" algn="l" defTabSz="457200" rtl="0" eaLnBrk="1" latinLnBrk="0" hangingPunct="1">
+              <a:spcBef>
+                <a:spcPct val="20000"/>
+              </a:spcBef>
+              <a:spcAft>
+                <a:spcPts val="600"/>
+              </a:spcAft>
+              <a:buClr>
+                <a:schemeClr val="accent2"/>
+              </a:buClr>
+              <a:buSzPct val="92000"/>
+              <a:buFont typeface="Wingdings 2" panose="05020102010507070707" pitchFamily="18" charset="2"/>
+              <a:buChar char=""/>
+              <a:defRPr sz="1400" kern="1200">
+                <a:solidFill>
+                  <a:schemeClr val="tx2"/>
+                </a:solidFill>
+                <a:latin typeface="+mn-lt"/>
+                <a:ea typeface="+mn-ea"/>
+                <a:cs typeface="+mn-cs"/>
+              </a:defRPr>
+            </a:lvl3pPr>
+            <a:lvl4pPr marL="1242000" indent="-234000" algn="l" defTabSz="457200" rtl="0" eaLnBrk="1" latinLnBrk="0" hangingPunct="1">
+              <a:spcBef>
+                <a:spcPct val="20000"/>
+              </a:spcBef>
+              <a:spcAft>
+                <a:spcPts val="600"/>
+              </a:spcAft>
+              <a:buClr>
+                <a:schemeClr val="accent2"/>
+              </a:buClr>
+              <a:buSzPct val="92000"/>
+              <a:buFont typeface="Wingdings 2" panose="05020102010507070707" pitchFamily="18" charset="2"/>
+              <a:buChar char=""/>
+              <a:defRPr sz="1200" kern="1200">
+                <a:solidFill>
+                  <a:schemeClr val="tx2"/>
+                </a:solidFill>
+                <a:latin typeface="+mn-lt"/>
+                <a:ea typeface="+mn-ea"/>
+                <a:cs typeface="+mn-cs"/>
+              </a:defRPr>
+            </a:lvl4pPr>
+            <a:lvl5pPr marL="1602000" indent="-234000" algn="l" defTabSz="457200" rtl="0" eaLnBrk="1" latinLnBrk="0" hangingPunct="1">
+              <a:spcBef>
+                <a:spcPct val="20000"/>
+              </a:spcBef>
+              <a:spcAft>
+                <a:spcPts val="600"/>
+              </a:spcAft>
+              <a:buClr>
+                <a:schemeClr val="accent2"/>
+              </a:buClr>
+              <a:buSzPct val="92000"/>
+              <a:buFont typeface="Wingdings 2" panose="05020102010507070707" pitchFamily="18" charset="2"/>
+              <a:buChar char=""/>
+              <a:defRPr sz="1200" kern="1200">
+                <a:solidFill>
+                  <a:schemeClr val="tx2"/>
+                </a:solidFill>
+                <a:latin typeface="+mn-lt"/>
+                <a:ea typeface="+mn-ea"/>
+                <a:cs typeface="+mn-cs"/>
+              </a:defRPr>
+            </a:lvl5pPr>
+            <a:lvl6pPr marL="1900000" indent="-228600" algn="l" defTabSz="457200" rtl="0" eaLnBrk="1" latinLnBrk="0" hangingPunct="1">
+              <a:spcBef>
+                <a:spcPct val="20000"/>
+              </a:spcBef>
+              <a:spcAft>
+                <a:spcPts val="600"/>
+              </a:spcAft>
+              <a:buClr>
+                <a:schemeClr val="accent2"/>
+              </a:buClr>
+              <a:buSzPct val="92000"/>
+              <a:buFont typeface="Wingdings 2" panose="05020102010507070707" pitchFamily="18" charset="2"/>
+              <a:buChar char=""/>
+              <a:defRPr sz="1200" kern="1200">
+                <a:solidFill>
+                  <a:schemeClr val="tx2"/>
+                </a:solidFill>
+                <a:latin typeface="+mn-lt"/>
+                <a:ea typeface="+mn-ea"/>
+                <a:cs typeface="+mn-cs"/>
+              </a:defRPr>
+            </a:lvl6pPr>
+            <a:lvl7pPr marL="2200000" indent="-228600" algn="l" defTabSz="457200" rtl="0" eaLnBrk="1" latinLnBrk="0" hangingPunct="1">
+              <a:spcBef>
+                <a:spcPct val="20000"/>
+              </a:spcBef>
+              <a:spcAft>
+                <a:spcPts val="600"/>
+              </a:spcAft>
+              <a:buClr>
+                <a:schemeClr val="accent2"/>
+              </a:buClr>
+              <a:buSzPct val="92000"/>
+              <a:buFont typeface="Wingdings 2" panose="05020102010507070707" pitchFamily="18" charset="2"/>
+              <a:buChar char=""/>
+              <a:defRPr sz="1200" kern="1200">
+                <a:solidFill>
+                  <a:schemeClr val="tx2"/>
+                </a:solidFill>
+                <a:latin typeface="+mn-lt"/>
+                <a:ea typeface="+mn-ea"/>
+                <a:cs typeface="+mn-cs"/>
+              </a:defRPr>
+            </a:lvl7pPr>
+            <a:lvl8pPr marL="2500000" indent="-228600" algn="l" defTabSz="457200" rtl="0" eaLnBrk="1" latinLnBrk="0" hangingPunct="1">
+              <a:spcBef>
+                <a:spcPct val="20000"/>
+              </a:spcBef>
+              <a:spcAft>
+                <a:spcPts val="600"/>
+              </a:spcAft>
+              <a:buClr>
+                <a:schemeClr val="accent2"/>
+              </a:buClr>
+              <a:buSzPct val="92000"/>
+              <a:buFont typeface="Wingdings 2" panose="05020102010507070707" pitchFamily="18" charset="2"/>
+              <a:buChar char=""/>
+              <a:defRPr sz="1200" kern="1200">
+                <a:solidFill>
+                  <a:schemeClr val="tx2"/>
+                </a:solidFill>
+                <a:latin typeface="+mn-lt"/>
+                <a:ea typeface="+mn-ea"/>
+                <a:cs typeface="+mn-cs"/>
+              </a:defRPr>
+            </a:lvl8pPr>
+            <a:lvl9pPr marL="2800000" indent="-228600" algn="l" defTabSz="457200" rtl="0" eaLnBrk="1" latinLnBrk="0" hangingPunct="1">
+              <a:spcBef>
+                <a:spcPct val="20000"/>
+              </a:spcBef>
+              <a:spcAft>
+                <a:spcPts val="600"/>
+              </a:spcAft>
+              <a:buClr>
+                <a:schemeClr val="accent2"/>
+              </a:buClr>
+              <a:buSzPct val="92000"/>
+              <a:buFont typeface="Wingdings 2" panose="05020102010507070707" pitchFamily="18" charset="2"/>
+              <a:buChar char=""/>
+              <a:defRPr sz="1200" kern="1200">
+                <a:solidFill>
+                  <a:schemeClr val="tx2"/>
+                </a:solidFill>
+                <a:latin typeface="+mn-lt"/>
+                <a:ea typeface="+mn-ea"/>
+                <a:cs typeface="+mn-cs"/>
+              </a:defRPr>
+            </a:lvl9pPr>
+          </a:lstStyle>
+          <a:p>
+            <a:pPr marL="0" indent="0" algn="just">
+              <a:buNone/>
+            </a:pPr>
+            <a:r>
+              <a:rPr lang="it-IT" b="1" dirty="0"/>
+              <a:t>H</a:t>
+            </a:r>
+            <a:r>
+              <a:rPr lang="en-GB" b="1" dirty="0"/>
+              <a:t>ARDWARE ADOPTED: </a:t>
+            </a:r>
+          </a:p>
+          <a:p>
+            <a:pPr algn="just"/>
+            <a:r>
+              <a:rPr lang="en-GB" dirty="0"/>
+              <a:t>NVIDIA GeForce RTX 2070 SUPER (8GB of VRAM) </a:t>
+            </a:r>
+          </a:p>
+          <a:p>
+            <a:pPr algn="just"/>
+            <a:r>
+              <a:rPr lang="en-GB" dirty="0"/>
+              <a:t>NVIDIA GeForce GTX 1050-Ti (4GB of VRAM)</a:t>
+            </a:r>
+          </a:p>
+          <a:p>
+            <a:pPr marL="0" indent="0" algn="just">
+              <a:buNone/>
+            </a:pPr>
+            <a:endParaRPr lang="en-GB" dirty="0"/>
+          </a:p>
+          <a:p>
+            <a:pPr marL="0" indent="0" algn="just">
+              <a:buNone/>
+            </a:pPr>
+            <a:r>
+              <a:rPr lang="en-GB" b="1" dirty="0"/>
+              <a:t>TECHNOLOGIES ADOPTED:</a:t>
+            </a:r>
+          </a:p>
+          <a:p>
+            <a:pPr algn="just"/>
+            <a:r>
+              <a:rPr lang="en-GB" dirty="0"/>
+              <a:t>Python </a:t>
+            </a:r>
+          </a:p>
+          <a:p>
+            <a:pPr algn="just"/>
+            <a:r>
+              <a:rPr lang="en-GB" dirty="0" err="1"/>
+              <a:t>TensoFlow</a:t>
+            </a:r>
+            <a:endParaRPr lang="en-GB" dirty="0"/>
+          </a:p>
+          <a:p>
+            <a:pPr algn="just"/>
+            <a:r>
+              <a:rPr lang="en-GB" dirty="0"/>
+              <a:t>NVIDIA CUDA </a:t>
+            </a:r>
+          </a:p>
+          <a:p>
+            <a:pPr algn="just"/>
+            <a:r>
+              <a:rPr lang="it-IT" dirty="0"/>
+              <a:t>NVIDIA </a:t>
+            </a:r>
+            <a:r>
+              <a:rPr lang="it-IT" dirty="0" err="1"/>
+              <a:t>cuDNN</a:t>
+            </a:r>
+            <a:r>
+              <a:rPr lang="it-IT" dirty="0"/>
+              <a:t> </a:t>
+            </a:r>
+            <a:endParaRPr lang="en-GB" dirty="0"/>
+          </a:p>
+          <a:p>
+            <a:pPr marL="0" indent="0" algn="just">
+              <a:buNone/>
+            </a:pPr>
+            <a:endParaRPr lang="en-GB" dirty="0"/>
+          </a:p>
+        </p:txBody>
+      </p:sp>
+    </p:spTree>
+    <p:extLst>
+      <p:ext uri="{BB962C8B-B14F-4D97-AF65-F5344CB8AC3E}">
+        <p14:creationId xmlns:p14="http://schemas.microsoft.com/office/powerpoint/2010/main" val="1448698779"/>
+      </p:ext>
+    </p:extLst>
+  </p:cSld>
+  <p:clrMapOvr>
+    <a:masterClrMapping/>
+  </p:clrMapOvr>
+</p:sld>
+</file>
+
+<file path=ppt/slides/slide4.xml><?xml version="1.0" encoding="utf-8"?>
+<p:sld xmlns:a="http://schemas.openxmlformats.org/drawingml/2006/main" xmlns:r="http://schemas.openxmlformats.org/officeDocument/2006/relationships" xmlns:p="http://schemas.openxmlformats.org/presentationml/2006/main">
+  <p:cSld>
+    <p:bg>
+      <p:bgPr>
+        <a:solidFill>
+          <a:schemeClr val="bg1"/>
+        </a:solidFill>
+        <a:effectLst/>
+      </p:bgPr>
+    </p:bg>
+    <p:spTree>
+      <p:nvGrpSpPr>
+        <p:cNvPr id="1" name=""/>
+        <p:cNvGrpSpPr/>
+        <p:nvPr/>
+      </p:nvGrpSpPr>
+      <p:grpSpPr>
+        <a:xfrm>
+          <a:off x="0" y="0"/>
+          <a:ext cx="0" cy="0"/>
+          <a:chOff x="0" y="0"/>
+          <a:chExt cx="0" cy="0"/>
+        </a:xfrm>
+      </p:grpSpPr>
+      <p:sp>
+        <p:nvSpPr>
+          <p:cNvPr id="2" name="Titolo 1">
+            <a:extLst>
+              <a:ext uri="{FF2B5EF4-FFF2-40B4-BE49-F238E27FC236}">
+                <a16:creationId xmlns:a16="http://schemas.microsoft.com/office/drawing/2014/main" id="{921633EB-7DCB-4DDC-80AF-C885A3EE1245}"/>
+              </a:ext>
+            </a:extLst>
+          </p:cNvPr>
+          <p:cNvSpPr>
+            <a:spLocks noGrp="1"/>
+          </p:cNvSpPr>
+          <p:nvPr>
+            <p:ph type="title"/>
+          </p:nvPr>
+        </p:nvSpPr>
+        <p:spPr/>
+        <p:txBody>
+          <a:bodyPr rtlCol="0"/>
+          <a:lstStyle/>
+          <a:p>
+            <a:pPr rtl="0"/>
+            <a:r>
+              <a:rPr lang="it-IT" dirty="0" err="1"/>
+              <a:t>Gan’s</a:t>
+            </a:r>
+            <a:r>
+              <a:rPr lang="it-IT" dirty="0"/>
+              <a:t> </a:t>
+            </a:r>
+            <a:r>
+              <a:rPr lang="it-IT" dirty="0" err="1"/>
+              <a:t>Problems</a:t>
+            </a:r>
+            <a:endParaRPr lang="it-IT" dirty="0"/>
+          </a:p>
+        </p:txBody>
+      </p:sp>
+      <p:sp>
+        <p:nvSpPr>
+          <p:cNvPr id="10" name="Segnaposto contenuto 3">
+            <a:extLst>
+              <a:ext uri="{FF2B5EF4-FFF2-40B4-BE49-F238E27FC236}">
+                <a16:creationId xmlns:a16="http://schemas.microsoft.com/office/drawing/2014/main" id="{EB3B234C-024F-4053-8932-83A38002F261}"/>
+              </a:ext>
+            </a:extLst>
+          </p:cNvPr>
+          <p:cNvSpPr txBox="1">
+            <a:spLocks/>
+          </p:cNvSpPr>
+          <p:nvPr/>
+        </p:nvSpPr>
+        <p:spPr>
+          <a:xfrm>
+            <a:off x="581192" y="2069563"/>
+            <a:ext cx="11029615" cy="2718873"/>
+          </a:xfrm>
+          <a:prstGeom prst="rect">
+            <a:avLst/>
+          </a:prstGeom>
+        </p:spPr>
+        <p:txBody>
+          <a:bodyPr vert="horz" lIns="91440" tIns="45720" rIns="91440" bIns="45720" rtlCol="0" anchor="t">
+            <a:normAutofit/>
+          </a:bodyPr>
+          <a:lstStyle>
+            <a:lvl1pPr marL="306000" indent="-306000" algn="l" defTabSz="457200" rtl="0" eaLnBrk="1" latinLnBrk="0" hangingPunct="1">
+              <a:spcBef>
+                <a:spcPct val="20000"/>
+              </a:spcBef>
+              <a:spcAft>
+                <a:spcPts val="600"/>
+              </a:spcAft>
+              <a:buClr>
+                <a:schemeClr val="accent2"/>
+              </a:buClr>
+              <a:buSzPct val="92000"/>
+              <a:buFont typeface="Wingdings 2" panose="05020102010507070707" pitchFamily="18" charset="2"/>
+              <a:buChar char=""/>
+              <a:defRPr sz="1800" kern="1200">
+                <a:solidFill>
+                  <a:schemeClr val="tx2"/>
+                </a:solidFill>
+                <a:latin typeface="+mn-lt"/>
+                <a:ea typeface="+mn-ea"/>
+                <a:cs typeface="+mn-cs"/>
+              </a:defRPr>
+            </a:lvl1pPr>
+            <a:lvl2pPr marL="630000" indent="-306000" algn="l" defTabSz="457200" rtl="0" eaLnBrk="1" latinLnBrk="0" hangingPunct="1">
+              <a:spcBef>
+                <a:spcPct val="20000"/>
+              </a:spcBef>
+              <a:spcAft>
+                <a:spcPts val="600"/>
+              </a:spcAft>
+              <a:buClr>
+                <a:schemeClr val="accent2"/>
+              </a:buClr>
+              <a:buSzPct val="92000"/>
+              <a:buFont typeface="Wingdings 2" panose="05020102010507070707" pitchFamily="18" charset="2"/>
+              <a:buChar char=""/>
+              <a:defRPr sz="1600" kern="1200">
+                <a:solidFill>
+                  <a:schemeClr val="tx2"/>
+                </a:solidFill>
+                <a:latin typeface="+mn-lt"/>
+                <a:ea typeface="+mn-ea"/>
+                <a:cs typeface="+mn-cs"/>
+              </a:defRPr>
+            </a:lvl2pPr>
+            <a:lvl3pPr marL="900000" indent="-270000" algn="l" defTabSz="457200" rtl="0" eaLnBrk="1" latinLnBrk="0" hangingPunct="1">
+              <a:spcBef>
+                <a:spcPct val="20000"/>
+              </a:spcBef>
+              <a:spcAft>
+                <a:spcPts val="600"/>
+              </a:spcAft>
+              <a:buClr>
+                <a:schemeClr val="accent2"/>
+              </a:buClr>
+              <a:buSzPct val="92000"/>
+              <a:buFont typeface="Wingdings 2" panose="05020102010507070707" pitchFamily="18" charset="2"/>
+              <a:buChar char=""/>
+              <a:defRPr sz="1400" kern="1200">
+                <a:solidFill>
+                  <a:schemeClr val="tx2"/>
+                </a:solidFill>
+                <a:latin typeface="+mn-lt"/>
+                <a:ea typeface="+mn-ea"/>
+                <a:cs typeface="+mn-cs"/>
+              </a:defRPr>
+            </a:lvl3pPr>
+            <a:lvl4pPr marL="1242000" indent="-234000" algn="l" defTabSz="457200" rtl="0" eaLnBrk="1" latinLnBrk="0" hangingPunct="1">
+              <a:spcBef>
+                <a:spcPct val="20000"/>
+              </a:spcBef>
+              <a:spcAft>
+                <a:spcPts val="600"/>
+              </a:spcAft>
+              <a:buClr>
+                <a:schemeClr val="accent2"/>
+              </a:buClr>
+              <a:buSzPct val="92000"/>
+              <a:buFont typeface="Wingdings 2" panose="05020102010507070707" pitchFamily="18" charset="2"/>
+              <a:buChar char=""/>
+              <a:defRPr sz="1200" kern="1200">
+                <a:solidFill>
+                  <a:schemeClr val="tx2"/>
+                </a:solidFill>
+                <a:latin typeface="+mn-lt"/>
+                <a:ea typeface="+mn-ea"/>
+                <a:cs typeface="+mn-cs"/>
+              </a:defRPr>
+            </a:lvl4pPr>
+            <a:lvl5pPr marL="1602000" indent="-234000" algn="l" defTabSz="457200" rtl="0" eaLnBrk="1" latinLnBrk="0" hangingPunct="1">
+              <a:spcBef>
+                <a:spcPct val="20000"/>
+              </a:spcBef>
+              <a:spcAft>
+                <a:spcPts val="600"/>
+              </a:spcAft>
+              <a:buClr>
+                <a:schemeClr val="accent2"/>
+              </a:buClr>
+              <a:buSzPct val="92000"/>
+              <a:buFont typeface="Wingdings 2" panose="05020102010507070707" pitchFamily="18" charset="2"/>
+              <a:buChar char=""/>
+              <a:defRPr sz="1200" kern="1200">
+                <a:solidFill>
+                  <a:schemeClr val="tx2"/>
+                </a:solidFill>
+                <a:latin typeface="+mn-lt"/>
+                <a:ea typeface="+mn-ea"/>
+                <a:cs typeface="+mn-cs"/>
+              </a:defRPr>
+            </a:lvl5pPr>
+            <a:lvl6pPr marL="1900000" indent="-228600" algn="l" defTabSz="457200" rtl="0" eaLnBrk="1" latinLnBrk="0" hangingPunct="1">
+              <a:spcBef>
+                <a:spcPct val="20000"/>
+              </a:spcBef>
+              <a:spcAft>
+                <a:spcPts val="600"/>
+              </a:spcAft>
+              <a:buClr>
+                <a:schemeClr val="accent2"/>
+              </a:buClr>
+              <a:buSzPct val="92000"/>
+              <a:buFont typeface="Wingdings 2" panose="05020102010507070707" pitchFamily="18" charset="2"/>
+              <a:buChar char=""/>
+              <a:defRPr sz="1200" kern="1200">
+                <a:solidFill>
+                  <a:schemeClr val="tx2"/>
+                </a:solidFill>
+                <a:latin typeface="+mn-lt"/>
+                <a:ea typeface="+mn-ea"/>
+                <a:cs typeface="+mn-cs"/>
+              </a:defRPr>
+            </a:lvl6pPr>
+            <a:lvl7pPr marL="2200000" indent="-228600" algn="l" defTabSz="457200" rtl="0" eaLnBrk="1" latinLnBrk="0" hangingPunct="1">
+              <a:spcBef>
+                <a:spcPct val="20000"/>
+              </a:spcBef>
+              <a:spcAft>
+                <a:spcPts val="600"/>
+              </a:spcAft>
+              <a:buClr>
+                <a:schemeClr val="accent2"/>
+              </a:buClr>
+              <a:buSzPct val="92000"/>
+              <a:buFont typeface="Wingdings 2" panose="05020102010507070707" pitchFamily="18" charset="2"/>
+              <a:buChar char=""/>
+              <a:defRPr sz="1200" kern="1200">
+                <a:solidFill>
+                  <a:schemeClr val="tx2"/>
+                </a:solidFill>
+                <a:latin typeface="+mn-lt"/>
+                <a:ea typeface="+mn-ea"/>
+                <a:cs typeface="+mn-cs"/>
+              </a:defRPr>
+            </a:lvl7pPr>
+            <a:lvl8pPr marL="2500000" indent="-228600" algn="l" defTabSz="457200" rtl="0" eaLnBrk="1" latinLnBrk="0" hangingPunct="1">
+              <a:spcBef>
+                <a:spcPct val="20000"/>
+              </a:spcBef>
+              <a:spcAft>
+                <a:spcPts val="600"/>
+              </a:spcAft>
+              <a:buClr>
+                <a:schemeClr val="accent2"/>
+              </a:buClr>
+              <a:buSzPct val="92000"/>
+              <a:buFont typeface="Wingdings 2" panose="05020102010507070707" pitchFamily="18" charset="2"/>
+              <a:buChar char=""/>
+              <a:defRPr sz="1200" kern="1200">
+                <a:solidFill>
+                  <a:schemeClr val="tx2"/>
+                </a:solidFill>
+                <a:latin typeface="+mn-lt"/>
+                <a:ea typeface="+mn-ea"/>
+                <a:cs typeface="+mn-cs"/>
+              </a:defRPr>
+            </a:lvl8pPr>
+            <a:lvl9pPr marL="2800000" indent="-228600" algn="l" defTabSz="457200" rtl="0" eaLnBrk="1" latinLnBrk="0" hangingPunct="1">
+              <a:spcBef>
+                <a:spcPct val="20000"/>
+              </a:spcBef>
+              <a:spcAft>
+                <a:spcPts val="600"/>
+              </a:spcAft>
+              <a:buClr>
+                <a:schemeClr val="accent2"/>
+              </a:buClr>
+              <a:buSzPct val="92000"/>
+              <a:buFont typeface="Wingdings 2" panose="05020102010507070707" pitchFamily="18" charset="2"/>
+              <a:buChar char=""/>
+              <a:defRPr sz="1200" kern="1200">
+                <a:solidFill>
+                  <a:schemeClr val="tx2"/>
+                </a:solidFill>
+                <a:latin typeface="+mn-lt"/>
+                <a:ea typeface="+mn-ea"/>
+                <a:cs typeface="+mn-cs"/>
+              </a:defRPr>
+            </a:lvl9pPr>
+          </a:lstStyle>
+          <a:p>
+            <a:pPr algn="just"/>
+            <a:r>
+              <a:rPr lang="en-US" b="1" dirty="0"/>
+              <a:t>Accelerate training:</a:t>
+            </a:r>
+            <a:r>
+              <a:rPr lang="en-US" dirty="0"/>
+              <a:t> this problem has been approached from various perspectives, but this brought only very limited improvements in training speed, while not enhancing quality within the shortened training time;</a:t>
+            </a:r>
+          </a:p>
+          <a:p>
+            <a:pPr algn="just"/>
+            <a:r>
+              <a:rPr lang="en-US" b="1" dirty="0"/>
+              <a:t>High resolution training: </a:t>
+            </a:r>
+            <a:r>
+              <a:rPr lang="en-US" dirty="0"/>
+              <a:t>this made GAN much harder to converge.  There were some approaches trying to solve this problem, but they led to a slightly greater computational cost, consuming more GPU memory and requiring more training time;</a:t>
+            </a:r>
+          </a:p>
+          <a:p>
+            <a:pPr algn="just"/>
+            <a:r>
+              <a:rPr lang="en-US" b="1" dirty="0"/>
+              <a:t>Stabilize training: </a:t>
+            </a:r>
+            <a:r>
+              <a:rPr lang="en-US" dirty="0"/>
+              <a:t>mode-collapse on the generator is a big challenge when training GANs, given fewer training samples and lower computational power and budgets (smaller batch-size). There were approaches that tried to solve this problem, but they worked only on low resolution images with unlimited computing resources.</a:t>
+            </a:r>
+          </a:p>
+          <a:p>
+            <a:pPr marL="0" indent="0">
+              <a:buNone/>
+            </a:pPr>
+            <a:endParaRPr lang="en-US" dirty="0"/>
+          </a:p>
+        </p:txBody>
+      </p:sp>
+      <p:pic>
+        <p:nvPicPr>
+          <p:cNvPr id="6" name="Immagine 5">
+            <a:extLst>
+              <a:ext uri="{FF2B5EF4-FFF2-40B4-BE49-F238E27FC236}">
+                <a16:creationId xmlns:a16="http://schemas.microsoft.com/office/drawing/2014/main" id="{C0ED739D-70E6-44CC-A0E8-85C9F268B4A0}"/>
+              </a:ext>
+            </a:extLst>
+          </p:cNvPr>
+          <p:cNvPicPr>
+            <a:picLocks noChangeAspect="1"/>
+          </p:cNvPicPr>
+          <p:nvPr/>
+        </p:nvPicPr>
+        <p:blipFill>
+          <a:blip r:embed="rId3"/>
+          <a:stretch>
+            <a:fillRect/>
+          </a:stretch>
+        </p:blipFill>
+        <p:spPr>
+          <a:xfrm>
+            <a:off x="3152173" y="4897627"/>
+            <a:ext cx="5639090" cy="1828894"/>
+          </a:xfrm>
+          <a:prstGeom prst="rect">
+            <a:avLst/>
+          </a:prstGeom>
+        </p:spPr>
+      </p:pic>
+    </p:spTree>
+    <p:extLst>
+      <p:ext uri="{BB962C8B-B14F-4D97-AF65-F5344CB8AC3E}">
+        <p14:creationId xmlns:p14="http://schemas.microsoft.com/office/powerpoint/2010/main" val="977299911"/>
+      </p:ext>
+    </p:extLst>
+  </p:cSld>
+  <p:clrMapOvr>
+    <a:masterClrMapping/>
+  </p:clrMapOvr>
+</p:sld>
+</file>
+
+<file path=ppt/slides/slide5.xml><?xml version="1.0" encoding="utf-8"?>
+<p:sld xmlns:a="http://schemas.openxmlformats.org/drawingml/2006/main" xmlns:r="http://schemas.openxmlformats.org/officeDocument/2006/relationships" xmlns:p="http://schemas.openxmlformats.org/presentationml/2006/main">
+  <p:cSld>
+    <p:bg>
+      <p:bgPr>
+        <a:solidFill>
+          <a:schemeClr val="bg1"/>
+        </a:solidFill>
+        <a:effectLst/>
+      </p:bgPr>
+    </p:bg>
+    <p:spTree>
+      <p:nvGrpSpPr>
+        <p:cNvPr id="1" name=""/>
+        <p:cNvGrpSpPr/>
+        <p:nvPr/>
+      </p:nvGrpSpPr>
+      <p:grpSpPr>
+        <a:xfrm>
+          <a:off x="0" y="0"/>
+          <a:ext cx="0" cy="0"/>
+          <a:chOff x="0" y="0"/>
+          <a:chExt cx="0" cy="0"/>
+        </a:xfrm>
+      </p:grpSpPr>
+      <p:sp>
+        <p:nvSpPr>
+          <p:cNvPr id="2" name="Titolo 1">
+            <a:extLst>
+              <a:ext uri="{FF2B5EF4-FFF2-40B4-BE49-F238E27FC236}">
+                <a16:creationId xmlns:a16="http://schemas.microsoft.com/office/drawing/2014/main" id="{921633EB-7DCB-4DDC-80AF-C885A3EE1245}"/>
+              </a:ext>
+            </a:extLst>
+          </p:cNvPr>
+          <p:cNvSpPr>
+            <a:spLocks noGrp="1"/>
+          </p:cNvSpPr>
+          <p:nvPr>
+            <p:ph type="title"/>
+          </p:nvPr>
+        </p:nvSpPr>
+        <p:spPr/>
+        <p:txBody>
+          <a:bodyPr rtlCol="0"/>
+          <a:lstStyle/>
+          <a:p>
+            <a:pPr rtl="0"/>
+            <a:r>
+              <a:rPr lang="it-IT" dirty="0" err="1"/>
+              <a:t>F</a:t>
+            </a:r>
+            <a:r>
+              <a:rPr lang="it-IT" cap="none" dirty="0" err="1"/>
+              <a:t>ast</a:t>
+            </a:r>
+            <a:r>
+              <a:rPr lang="it-IT" dirty="0" err="1"/>
+              <a:t>GAN</a:t>
+            </a:r>
+            <a:r>
+              <a:rPr lang="it-IT" dirty="0"/>
+              <a:t> Solution</a:t>
+            </a:r>
+          </a:p>
+        </p:txBody>
+      </p:sp>
+      <p:sp>
+        <p:nvSpPr>
+          <p:cNvPr id="10" name="Segnaposto contenuto 3">
+            <a:extLst>
+              <a:ext uri="{FF2B5EF4-FFF2-40B4-BE49-F238E27FC236}">
+                <a16:creationId xmlns:a16="http://schemas.microsoft.com/office/drawing/2014/main" id="{EB3B234C-024F-4053-8932-83A38002F261}"/>
+              </a:ext>
+            </a:extLst>
+          </p:cNvPr>
+          <p:cNvSpPr txBox="1">
+            <a:spLocks/>
+          </p:cNvSpPr>
+          <p:nvPr/>
+        </p:nvSpPr>
+        <p:spPr>
+          <a:xfrm>
+            <a:off x="581192" y="2065865"/>
+            <a:ext cx="11029615" cy="4447824"/>
+          </a:xfrm>
+          <a:prstGeom prst="rect">
+            <a:avLst/>
+          </a:prstGeom>
+        </p:spPr>
+        <p:txBody>
+          <a:bodyPr vert="horz" lIns="91440" tIns="45720" rIns="91440" bIns="45720" rtlCol="0" anchor="ctr">
+            <a:normAutofit/>
+          </a:bodyPr>
+          <a:lstStyle>
+            <a:lvl1pPr marL="306000" indent="-306000" algn="l" defTabSz="457200" rtl="0" eaLnBrk="1" latinLnBrk="0" hangingPunct="1">
+              <a:spcBef>
+                <a:spcPct val="20000"/>
+              </a:spcBef>
+              <a:spcAft>
+                <a:spcPts val="600"/>
+              </a:spcAft>
+              <a:buClr>
+                <a:schemeClr val="accent2"/>
+              </a:buClr>
+              <a:buSzPct val="92000"/>
+              <a:buFont typeface="Wingdings 2" panose="05020102010507070707" pitchFamily="18" charset="2"/>
+              <a:buChar char=""/>
+              <a:defRPr sz="1800" kern="1200">
+                <a:solidFill>
+                  <a:schemeClr val="tx2"/>
+                </a:solidFill>
+                <a:latin typeface="+mn-lt"/>
+                <a:ea typeface="+mn-ea"/>
+                <a:cs typeface="+mn-cs"/>
+              </a:defRPr>
+            </a:lvl1pPr>
+            <a:lvl2pPr marL="630000" indent="-306000" algn="l" defTabSz="457200" rtl="0" eaLnBrk="1" latinLnBrk="0" hangingPunct="1">
+              <a:spcBef>
+                <a:spcPct val="20000"/>
+              </a:spcBef>
+              <a:spcAft>
+                <a:spcPts val="600"/>
+              </a:spcAft>
+              <a:buClr>
+                <a:schemeClr val="accent2"/>
+              </a:buClr>
+              <a:buSzPct val="92000"/>
+              <a:buFont typeface="Wingdings 2" panose="05020102010507070707" pitchFamily="18" charset="2"/>
+              <a:buChar char=""/>
+              <a:defRPr sz="1600" kern="1200">
+                <a:solidFill>
+                  <a:schemeClr val="tx2"/>
+                </a:solidFill>
+                <a:latin typeface="+mn-lt"/>
+                <a:ea typeface="+mn-ea"/>
+                <a:cs typeface="+mn-cs"/>
+              </a:defRPr>
+            </a:lvl2pPr>
+            <a:lvl3pPr marL="900000" indent="-270000" algn="l" defTabSz="457200" rtl="0" eaLnBrk="1" latinLnBrk="0" hangingPunct="1">
+              <a:spcBef>
+                <a:spcPct val="20000"/>
+              </a:spcBef>
+              <a:spcAft>
+                <a:spcPts val="600"/>
+              </a:spcAft>
+              <a:buClr>
+                <a:schemeClr val="accent2"/>
+              </a:buClr>
+              <a:buSzPct val="92000"/>
+              <a:buFont typeface="Wingdings 2" panose="05020102010507070707" pitchFamily="18" charset="2"/>
+              <a:buChar char=""/>
+              <a:defRPr sz="1400" kern="1200">
+                <a:solidFill>
+                  <a:schemeClr val="tx2"/>
+                </a:solidFill>
+                <a:latin typeface="+mn-lt"/>
+                <a:ea typeface="+mn-ea"/>
+                <a:cs typeface="+mn-cs"/>
+              </a:defRPr>
+            </a:lvl3pPr>
+            <a:lvl4pPr marL="1242000" indent="-234000" algn="l" defTabSz="457200" rtl="0" eaLnBrk="1" latinLnBrk="0" hangingPunct="1">
+              <a:spcBef>
+                <a:spcPct val="20000"/>
+              </a:spcBef>
+              <a:spcAft>
+                <a:spcPts val="600"/>
+              </a:spcAft>
+              <a:buClr>
+                <a:schemeClr val="accent2"/>
+              </a:buClr>
+              <a:buSzPct val="92000"/>
+              <a:buFont typeface="Wingdings 2" panose="05020102010507070707" pitchFamily="18" charset="2"/>
+              <a:buChar char=""/>
+              <a:defRPr sz="1200" kern="1200">
+                <a:solidFill>
+                  <a:schemeClr val="tx2"/>
+                </a:solidFill>
+                <a:latin typeface="+mn-lt"/>
+                <a:ea typeface="+mn-ea"/>
+                <a:cs typeface="+mn-cs"/>
+              </a:defRPr>
+            </a:lvl4pPr>
+            <a:lvl5pPr marL="1602000" indent="-234000" algn="l" defTabSz="457200" rtl="0" eaLnBrk="1" latinLnBrk="0" hangingPunct="1">
+              <a:spcBef>
+                <a:spcPct val="20000"/>
+              </a:spcBef>
+              <a:spcAft>
+                <a:spcPts val="600"/>
+              </a:spcAft>
+              <a:buClr>
+                <a:schemeClr val="accent2"/>
+              </a:buClr>
+              <a:buSzPct val="92000"/>
+              <a:buFont typeface="Wingdings 2" panose="05020102010507070707" pitchFamily="18" charset="2"/>
+              <a:buChar char=""/>
+              <a:defRPr sz="1200" kern="1200">
+                <a:solidFill>
+                  <a:schemeClr val="tx2"/>
+                </a:solidFill>
+                <a:latin typeface="+mn-lt"/>
+                <a:ea typeface="+mn-ea"/>
+                <a:cs typeface="+mn-cs"/>
+              </a:defRPr>
+            </a:lvl5pPr>
+            <a:lvl6pPr marL="1900000" indent="-228600" algn="l" defTabSz="457200" rtl="0" eaLnBrk="1" latinLnBrk="0" hangingPunct="1">
+              <a:spcBef>
+                <a:spcPct val="20000"/>
+              </a:spcBef>
+              <a:spcAft>
+                <a:spcPts val="600"/>
+              </a:spcAft>
+              <a:buClr>
+                <a:schemeClr val="accent2"/>
+              </a:buClr>
+              <a:buSzPct val="92000"/>
+              <a:buFont typeface="Wingdings 2" panose="05020102010507070707" pitchFamily="18" charset="2"/>
+              <a:buChar char=""/>
+              <a:defRPr sz="1200" kern="1200">
+                <a:solidFill>
+                  <a:schemeClr val="tx2"/>
+                </a:solidFill>
+                <a:latin typeface="+mn-lt"/>
+                <a:ea typeface="+mn-ea"/>
+                <a:cs typeface="+mn-cs"/>
+              </a:defRPr>
+            </a:lvl6pPr>
+            <a:lvl7pPr marL="2200000" indent="-228600" algn="l" defTabSz="457200" rtl="0" eaLnBrk="1" latinLnBrk="0" hangingPunct="1">
+              <a:spcBef>
+                <a:spcPct val="20000"/>
+              </a:spcBef>
+              <a:spcAft>
+                <a:spcPts val="600"/>
+              </a:spcAft>
+              <a:buClr>
+                <a:schemeClr val="accent2"/>
+              </a:buClr>
+              <a:buSzPct val="92000"/>
+              <a:buFont typeface="Wingdings 2" panose="05020102010507070707" pitchFamily="18" charset="2"/>
+              <a:buChar char=""/>
+              <a:defRPr sz="1200" kern="1200">
+                <a:solidFill>
+                  <a:schemeClr val="tx2"/>
+                </a:solidFill>
+                <a:latin typeface="+mn-lt"/>
+                <a:ea typeface="+mn-ea"/>
+                <a:cs typeface="+mn-cs"/>
+              </a:defRPr>
+            </a:lvl7pPr>
+            <a:lvl8pPr marL="2500000" indent="-228600" algn="l" defTabSz="457200" rtl="0" eaLnBrk="1" latinLnBrk="0" hangingPunct="1">
+              <a:spcBef>
+                <a:spcPct val="20000"/>
+              </a:spcBef>
+              <a:spcAft>
+                <a:spcPts val="600"/>
+              </a:spcAft>
+              <a:buClr>
+                <a:schemeClr val="accent2"/>
+              </a:buClr>
+              <a:buSzPct val="92000"/>
+              <a:buFont typeface="Wingdings 2" panose="05020102010507070707" pitchFamily="18" charset="2"/>
+              <a:buChar char=""/>
+              <a:defRPr sz="1200" kern="1200">
+                <a:solidFill>
+                  <a:schemeClr val="tx2"/>
+                </a:solidFill>
+                <a:latin typeface="+mn-lt"/>
+                <a:ea typeface="+mn-ea"/>
+                <a:cs typeface="+mn-cs"/>
+              </a:defRPr>
+            </a:lvl8pPr>
+            <a:lvl9pPr marL="2800000" indent="-228600" algn="l" defTabSz="457200" rtl="0" eaLnBrk="1" latinLnBrk="0" hangingPunct="1">
+              <a:spcBef>
+                <a:spcPct val="20000"/>
+              </a:spcBef>
+              <a:spcAft>
+                <a:spcPts val="600"/>
+              </a:spcAft>
+              <a:buClr>
+                <a:schemeClr val="accent2"/>
+              </a:buClr>
+              <a:buSzPct val="92000"/>
+              <a:buFont typeface="Wingdings 2" panose="05020102010507070707" pitchFamily="18" charset="2"/>
+              <a:buChar char=""/>
+              <a:defRPr sz="1200" kern="1200">
+                <a:solidFill>
+                  <a:schemeClr val="tx2"/>
+                </a:solidFill>
+                <a:latin typeface="+mn-lt"/>
+                <a:ea typeface="+mn-ea"/>
+                <a:cs typeface="+mn-cs"/>
+              </a:defRPr>
+            </a:lvl9pPr>
+          </a:lstStyle>
+          <a:p>
+            <a:pPr marL="0" indent="0" algn="just">
+              <a:buNone/>
+            </a:pPr>
+            <a:r>
+              <a:rPr lang="en-US" dirty="0" err="1"/>
+              <a:t>FastGAN</a:t>
+            </a:r>
+            <a:r>
+              <a:rPr lang="en-US" dirty="0"/>
+              <a:t> reaches the objectives based on the </a:t>
+            </a:r>
+            <a:r>
+              <a:rPr lang="it-IT" dirty="0"/>
+              <a:t>following </a:t>
+            </a:r>
+            <a:r>
+              <a:rPr lang="it-IT" dirty="0" err="1"/>
+              <a:t>two</a:t>
+            </a:r>
+            <a:r>
+              <a:rPr lang="it-IT" dirty="0"/>
+              <a:t> techniques:</a:t>
+            </a:r>
+            <a:endParaRPr lang="en-US" dirty="0"/>
+          </a:p>
+          <a:p>
+            <a:pPr algn="just"/>
+            <a:r>
+              <a:rPr lang="en-US" b="1" dirty="0"/>
+              <a:t>Skip-Layer channel-wise Excitation module: </a:t>
+            </a:r>
+            <a:r>
+              <a:rPr lang="en-US" dirty="0"/>
+              <a:t>revises channel responses on high-scale feature-maps using low-scale activations and allows to reach a faster training using a more robust gradient flow throughout the model weights;</a:t>
+            </a:r>
+          </a:p>
+          <a:p>
+            <a:pPr algn="just"/>
+            <a:r>
+              <a:rPr lang="en-US" b="1" dirty="0"/>
+              <a:t>Self-supervised discriminator D trained as a feature-encoder with an extra decoder: </a:t>
+            </a:r>
+            <a:r>
+              <a:rPr lang="en-US" dirty="0"/>
+              <a:t>this discriminator is forced to learn a feature-map that covers more regions from an image in input; in this way it gives richer signals in order to train G. It has been shown that auto-encoding is the best self-supervision strategy for D.</a:t>
+            </a:r>
+          </a:p>
+        </p:txBody>
+      </p:sp>
+    </p:spTree>
+    <p:extLst>
+      <p:ext uri="{BB962C8B-B14F-4D97-AF65-F5344CB8AC3E}">
+        <p14:creationId xmlns:p14="http://schemas.microsoft.com/office/powerpoint/2010/main" val="1074543344"/>
+      </p:ext>
+    </p:extLst>
+  </p:cSld>
+  <p:clrMapOvr>
+    <a:masterClrMapping/>
+  </p:clrMapOvr>
+</p:sld>
+</file>
+
+<file path=ppt/slides/slide6.xml><?xml version="1.0" encoding="utf-8"?>
+<p:sld xmlns:a="http://schemas.openxmlformats.org/drawingml/2006/main" xmlns:r="http://schemas.openxmlformats.org/officeDocument/2006/relationships" xmlns:p="http://schemas.openxmlformats.org/presentationml/2006/main">
+  <p:cSld>
+    <p:bg>
+      <p:bgPr>
+        <a:solidFill>
+          <a:schemeClr val="bg1"/>
+        </a:solidFill>
+        <a:effectLst/>
+      </p:bgPr>
+    </p:bg>
+    <p:spTree>
+      <p:nvGrpSpPr>
+        <p:cNvPr id="1" name=""/>
+        <p:cNvGrpSpPr/>
+        <p:nvPr/>
+      </p:nvGrpSpPr>
+      <p:grpSpPr>
+        <a:xfrm>
+          <a:off x="0" y="0"/>
+          <a:ext cx="0" cy="0"/>
+          <a:chOff x="0" y="0"/>
+          <a:chExt cx="0" cy="0"/>
+        </a:xfrm>
+      </p:grpSpPr>
+      <p:sp>
+        <p:nvSpPr>
+          <p:cNvPr id="10" name="Segnaposto contenuto 3">
+            <a:extLst>
+              <a:ext uri="{FF2B5EF4-FFF2-40B4-BE49-F238E27FC236}">
+                <a16:creationId xmlns:a16="http://schemas.microsoft.com/office/drawing/2014/main" id="{EB3B234C-024F-4053-8932-83A38002F261}"/>
+              </a:ext>
+            </a:extLst>
+          </p:cNvPr>
+          <p:cNvSpPr txBox="1">
+            <a:spLocks/>
+          </p:cNvSpPr>
+          <p:nvPr/>
+        </p:nvSpPr>
+        <p:spPr>
+          <a:xfrm>
+            <a:off x="581192" y="2077155"/>
+            <a:ext cx="11029615" cy="4515556"/>
+          </a:xfrm>
+          <a:prstGeom prst="rect">
+            <a:avLst/>
+          </a:prstGeom>
+        </p:spPr>
+        <p:txBody>
+          <a:bodyPr vert="horz" lIns="91440" tIns="45720" rIns="91440" bIns="45720" rtlCol="0" anchor="ctr">
+            <a:normAutofit/>
+          </a:bodyPr>
+          <a:lstStyle>
+            <a:lvl1pPr marL="306000" indent="-306000" algn="l" defTabSz="457200" rtl="0" eaLnBrk="1" latinLnBrk="0" hangingPunct="1">
+              <a:spcBef>
+                <a:spcPct val="20000"/>
+              </a:spcBef>
+              <a:spcAft>
+                <a:spcPts val="600"/>
+              </a:spcAft>
+              <a:buClr>
+                <a:schemeClr val="accent2"/>
+              </a:buClr>
+              <a:buSzPct val="92000"/>
+              <a:buFont typeface="Wingdings 2" panose="05020102010507070707" pitchFamily="18" charset="2"/>
+              <a:buChar char=""/>
+              <a:defRPr sz="1800" kern="1200">
+                <a:solidFill>
+                  <a:schemeClr val="tx2"/>
+                </a:solidFill>
+                <a:latin typeface="+mn-lt"/>
+                <a:ea typeface="+mn-ea"/>
+                <a:cs typeface="+mn-cs"/>
+              </a:defRPr>
+            </a:lvl1pPr>
+            <a:lvl2pPr marL="630000" indent="-306000" algn="l" defTabSz="457200" rtl="0" eaLnBrk="1" latinLnBrk="0" hangingPunct="1">
+              <a:spcBef>
+                <a:spcPct val="20000"/>
+              </a:spcBef>
+              <a:spcAft>
+                <a:spcPts val="600"/>
+              </a:spcAft>
+              <a:buClr>
+                <a:schemeClr val="accent2"/>
+              </a:buClr>
+              <a:buSzPct val="92000"/>
+              <a:buFont typeface="Wingdings 2" panose="05020102010507070707" pitchFamily="18" charset="2"/>
+              <a:buChar char=""/>
+              <a:defRPr sz="1600" kern="1200">
+                <a:solidFill>
+                  <a:schemeClr val="tx2"/>
+                </a:solidFill>
+                <a:latin typeface="+mn-lt"/>
+                <a:ea typeface="+mn-ea"/>
+                <a:cs typeface="+mn-cs"/>
+              </a:defRPr>
+            </a:lvl2pPr>
+            <a:lvl3pPr marL="900000" indent="-270000" algn="l" defTabSz="457200" rtl="0" eaLnBrk="1" latinLnBrk="0" hangingPunct="1">
+              <a:spcBef>
+                <a:spcPct val="20000"/>
+              </a:spcBef>
+              <a:spcAft>
+                <a:spcPts val="600"/>
+              </a:spcAft>
+              <a:buClr>
+                <a:schemeClr val="accent2"/>
+              </a:buClr>
+              <a:buSzPct val="92000"/>
+              <a:buFont typeface="Wingdings 2" panose="05020102010507070707" pitchFamily="18" charset="2"/>
+              <a:buChar char=""/>
+              <a:defRPr sz="1400" kern="1200">
+                <a:solidFill>
+                  <a:schemeClr val="tx2"/>
+                </a:solidFill>
+                <a:latin typeface="+mn-lt"/>
+                <a:ea typeface="+mn-ea"/>
+                <a:cs typeface="+mn-cs"/>
+              </a:defRPr>
+            </a:lvl3pPr>
+            <a:lvl4pPr marL="1242000" indent="-234000" algn="l" defTabSz="457200" rtl="0" eaLnBrk="1" latinLnBrk="0" hangingPunct="1">
+              <a:spcBef>
+                <a:spcPct val="20000"/>
+              </a:spcBef>
+              <a:spcAft>
+                <a:spcPts val="600"/>
+              </a:spcAft>
+              <a:buClr>
+                <a:schemeClr val="accent2"/>
+              </a:buClr>
+              <a:buSzPct val="92000"/>
+              <a:buFont typeface="Wingdings 2" panose="05020102010507070707" pitchFamily="18" charset="2"/>
+              <a:buChar char=""/>
+              <a:defRPr sz="1200" kern="1200">
+                <a:solidFill>
+                  <a:schemeClr val="tx2"/>
+                </a:solidFill>
+                <a:latin typeface="+mn-lt"/>
+                <a:ea typeface="+mn-ea"/>
+                <a:cs typeface="+mn-cs"/>
+              </a:defRPr>
+            </a:lvl4pPr>
+            <a:lvl5pPr marL="1602000" indent="-234000" algn="l" defTabSz="457200" rtl="0" eaLnBrk="1" latinLnBrk="0" hangingPunct="1">
+              <a:spcBef>
+                <a:spcPct val="20000"/>
+              </a:spcBef>
+              <a:spcAft>
+                <a:spcPts val="600"/>
+              </a:spcAft>
+              <a:buClr>
+                <a:schemeClr val="accent2"/>
+              </a:buClr>
+              <a:buSzPct val="92000"/>
+              <a:buFont typeface="Wingdings 2" panose="05020102010507070707" pitchFamily="18" charset="2"/>
+              <a:buChar char=""/>
+              <a:defRPr sz="1200" kern="1200">
+                <a:solidFill>
+                  <a:schemeClr val="tx2"/>
+                </a:solidFill>
+                <a:latin typeface="+mn-lt"/>
+                <a:ea typeface="+mn-ea"/>
+                <a:cs typeface="+mn-cs"/>
+              </a:defRPr>
+            </a:lvl5pPr>
+            <a:lvl6pPr marL="1900000" indent="-228600" algn="l" defTabSz="457200" rtl="0" eaLnBrk="1" latinLnBrk="0" hangingPunct="1">
+              <a:spcBef>
+                <a:spcPct val="20000"/>
+              </a:spcBef>
+              <a:spcAft>
+                <a:spcPts val="600"/>
+              </a:spcAft>
+              <a:buClr>
+                <a:schemeClr val="accent2"/>
+              </a:buClr>
+              <a:buSzPct val="92000"/>
+              <a:buFont typeface="Wingdings 2" panose="05020102010507070707" pitchFamily="18" charset="2"/>
+              <a:buChar char=""/>
+              <a:defRPr sz="1200" kern="1200">
+                <a:solidFill>
+                  <a:schemeClr val="tx2"/>
+                </a:solidFill>
+                <a:latin typeface="+mn-lt"/>
+                <a:ea typeface="+mn-ea"/>
+                <a:cs typeface="+mn-cs"/>
+              </a:defRPr>
+            </a:lvl6pPr>
+            <a:lvl7pPr marL="2200000" indent="-228600" algn="l" defTabSz="457200" rtl="0" eaLnBrk="1" latinLnBrk="0" hangingPunct="1">
+              <a:spcBef>
+                <a:spcPct val="20000"/>
+              </a:spcBef>
+              <a:spcAft>
+                <a:spcPts val="600"/>
+              </a:spcAft>
+              <a:buClr>
+                <a:schemeClr val="accent2"/>
+              </a:buClr>
+              <a:buSzPct val="92000"/>
+              <a:buFont typeface="Wingdings 2" panose="05020102010507070707" pitchFamily="18" charset="2"/>
+              <a:buChar char=""/>
+              <a:defRPr sz="1200" kern="1200">
+                <a:solidFill>
+                  <a:schemeClr val="tx2"/>
+                </a:solidFill>
+                <a:latin typeface="+mn-lt"/>
+                <a:ea typeface="+mn-ea"/>
+                <a:cs typeface="+mn-cs"/>
+              </a:defRPr>
+            </a:lvl7pPr>
+            <a:lvl8pPr marL="2500000" indent="-228600" algn="l" defTabSz="457200" rtl="0" eaLnBrk="1" latinLnBrk="0" hangingPunct="1">
+              <a:spcBef>
+                <a:spcPct val="20000"/>
+              </a:spcBef>
+              <a:spcAft>
+                <a:spcPts val="600"/>
+              </a:spcAft>
+              <a:buClr>
+                <a:schemeClr val="accent2"/>
+              </a:buClr>
+              <a:buSzPct val="92000"/>
+              <a:buFont typeface="Wingdings 2" panose="05020102010507070707" pitchFamily="18" charset="2"/>
+              <a:buChar char=""/>
+              <a:defRPr sz="1200" kern="1200">
+                <a:solidFill>
+                  <a:schemeClr val="tx2"/>
+                </a:solidFill>
+                <a:latin typeface="+mn-lt"/>
+                <a:ea typeface="+mn-ea"/>
+                <a:cs typeface="+mn-cs"/>
+              </a:defRPr>
+            </a:lvl8pPr>
+            <a:lvl9pPr marL="2800000" indent="-228600" algn="l" defTabSz="457200" rtl="0" eaLnBrk="1" latinLnBrk="0" hangingPunct="1">
+              <a:spcBef>
+                <a:spcPct val="20000"/>
+              </a:spcBef>
+              <a:spcAft>
+                <a:spcPts val="600"/>
+              </a:spcAft>
+              <a:buClr>
+                <a:schemeClr val="accent2"/>
+              </a:buClr>
+              <a:buSzPct val="92000"/>
+              <a:buFont typeface="Wingdings 2" panose="05020102010507070707" pitchFamily="18" charset="2"/>
+              <a:buChar char=""/>
+              <a:defRPr sz="1200" kern="1200">
+                <a:solidFill>
+                  <a:schemeClr val="tx2"/>
+                </a:solidFill>
+                <a:latin typeface="+mn-lt"/>
+                <a:ea typeface="+mn-ea"/>
+                <a:cs typeface="+mn-cs"/>
+              </a:defRPr>
+            </a:lvl9pPr>
+          </a:lstStyle>
+          <a:p>
+            <a:pPr marL="0" indent="0" algn="just">
+              <a:buNone/>
+            </a:pPr>
+            <a:r>
+              <a:rPr lang="en-US" dirty="0"/>
+              <a:t>In order to optimize GANs with respect to the SOTA models, in </a:t>
+            </a:r>
+            <a:r>
+              <a:rPr lang="en-US" dirty="0" err="1"/>
+              <a:t>FastGAN</a:t>
+            </a:r>
+            <a:r>
+              <a:rPr lang="en-US" dirty="0"/>
+              <a:t> is adopted a lightweight model, using a single convolutional layer on each resolution in the generator.</a:t>
+            </a:r>
+          </a:p>
+          <a:p>
+            <a:pPr marL="0" indent="0" algn="just">
+              <a:buNone/>
+            </a:pPr>
+            <a:r>
+              <a:rPr lang="en-US" dirty="0"/>
+              <a:t>On the high resolutions in both generator and discriminator, only three channels for the convolutional layers are applied in input and output. This structure helps making </a:t>
+            </a:r>
+            <a:r>
+              <a:rPr lang="en-US" dirty="0" err="1"/>
+              <a:t>FastGAN</a:t>
+            </a:r>
+            <a:r>
+              <a:rPr lang="en-US" dirty="0"/>
+              <a:t> faster to train, remaining, at the same time, strong on small datasets.</a:t>
+            </a:r>
+          </a:p>
+        </p:txBody>
+      </p:sp>
+    </p:spTree>
+    <p:extLst>
+      <p:ext uri="{BB962C8B-B14F-4D97-AF65-F5344CB8AC3E}">
+        <p14:creationId xmlns:p14="http://schemas.microsoft.com/office/powerpoint/2010/main" val="1941412655"/>
+      </p:ext>
+    </p:extLst>
+  </p:cSld>
+  <p:clrMapOvr>
+    <a:masterClrMapping/>
+  </p:clrMapOvr>
+</p:sld>
+</file>
+
+<file path=ppt/slides/slide7.xml><?xml version="1.0" encoding="utf-8"?>
+<p:sld xmlns:a="http://schemas.openxmlformats.org/drawingml/2006/main" xmlns:r="http://schemas.openxmlformats.org/officeDocument/2006/relationships" xmlns:p="http://schemas.openxmlformats.org/presentationml/2006/main">
+  <p:cSld>
+    <p:bg>
+      <p:bgPr>
+        <a:solidFill>
+          <a:schemeClr val="bg1"/>
+        </a:solidFill>
+        <a:effectLst/>
+      </p:bgPr>
+    </p:bg>
+    <p:spTree>
+      <p:nvGrpSpPr>
+        <p:cNvPr id="1" name=""/>
+        <p:cNvGrpSpPr/>
+        <p:nvPr/>
+      </p:nvGrpSpPr>
+      <p:grpSpPr>
+        <a:xfrm>
+          <a:off x="0" y="0"/>
+          <a:ext cx="0" cy="0"/>
+          <a:chOff x="0" y="0"/>
+          <a:chExt cx="0" cy="0"/>
+        </a:xfrm>
+      </p:grpSpPr>
+      <p:sp>
+        <p:nvSpPr>
+          <p:cNvPr id="2" name="Titolo 1">
+            <a:extLst>
+              <a:ext uri="{FF2B5EF4-FFF2-40B4-BE49-F238E27FC236}">
+                <a16:creationId xmlns:a16="http://schemas.microsoft.com/office/drawing/2014/main" id="{921633EB-7DCB-4DDC-80AF-C885A3EE1245}"/>
+              </a:ext>
+            </a:extLst>
+          </p:cNvPr>
+          <p:cNvSpPr>
+            <a:spLocks noGrp="1"/>
+          </p:cNvSpPr>
+          <p:nvPr>
+            <p:ph type="title"/>
+          </p:nvPr>
+        </p:nvSpPr>
+        <p:spPr/>
+        <p:txBody>
+          <a:bodyPr rtlCol="0"/>
+          <a:lstStyle/>
+          <a:p>
+            <a:pPr rtl="0"/>
+            <a:r>
+              <a:rPr lang="it-IT" dirty="0"/>
+              <a:t>Method: Generator</a:t>
+            </a:r>
+          </a:p>
+        </p:txBody>
+      </p:sp>
+      <p:pic>
+        <p:nvPicPr>
+          <p:cNvPr id="4" name="Immagine 3">
+            <a:extLst>
+              <a:ext uri="{FF2B5EF4-FFF2-40B4-BE49-F238E27FC236}">
+                <a16:creationId xmlns:a16="http://schemas.microsoft.com/office/drawing/2014/main" id="{D1AF1AB2-0504-45AE-9787-38AE802D16D8}"/>
+              </a:ext>
+            </a:extLst>
+          </p:cNvPr>
+          <p:cNvPicPr>
+            <a:picLocks noChangeAspect="1"/>
+          </p:cNvPicPr>
+          <p:nvPr/>
+        </p:nvPicPr>
+        <p:blipFill rotWithShape="1">
+          <a:blip r:embed="rId3"/>
+          <a:srcRect l="30385" r="-150"/>
+          <a:stretch/>
+        </p:blipFill>
+        <p:spPr>
+          <a:xfrm>
+            <a:off x="1718850" y="2042865"/>
+            <a:ext cx="8754291" cy="3913200"/>
+          </a:xfrm>
+          <a:prstGeom prst="rect">
+            <a:avLst/>
+          </a:prstGeom>
+        </p:spPr>
+      </p:pic>
+      <mc:AlternateContent xmlns:mc="http://schemas.openxmlformats.org/markup-compatibility/2006">
+        <mc:Choice xmlns:a14="http://schemas.microsoft.com/office/drawing/2010/main" Requires="a14">
+          <p:sp>
+            <p:nvSpPr>
+              <p:cNvPr id="7" name="CasellaDiTesto 6">
+                <a:extLst>
+                  <a:ext uri="{FF2B5EF4-FFF2-40B4-BE49-F238E27FC236}">
+                    <a16:creationId xmlns:a16="http://schemas.microsoft.com/office/drawing/2014/main" id="{9E6198E3-E3AE-9F4D-AD93-91DCE789E75C}"/>
+                  </a:ext>
+                </a:extLst>
+              </p:cNvPr>
+              <p:cNvSpPr txBox="1"/>
+              <p:nvPr/>
+            </p:nvSpPr>
+            <p:spPr>
+              <a:xfrm>
+                <a:off x="581193" y="6053997"/>
+                <a:ext cx="11029616" cy="553998"/>
+              </a:xfrm>
+              <a:prstGeom prst="rect">
+                <a:avLst/>
+              </a:prstGeom>
+              <a:noFill/>
+            </p:spPr>
+            <p:txBody>
+              <a:bodyPr wrap="square" lIns="0" tIns="0" rIns="0" bIns="0" rtlCol="0">
+                <a:spAutoFit/>
+              </a:bodyPr>
+              <a:lstStyle/>
+              <a:p>
+                <a:r>
+                  <a:rPr lang="it-IT" dirty="0" err="1">
+                    <a:solidFill>
+                      <a:schemeClr val="tx2"/>
+                    </a:solidFill>
+                  </a:rPr>
+                  <a:t>Generator’s</a:t>
+                </a:r>
+                <a:r>
+                  <a:rPr lang="it-IT" dirty="0">
+                    <a:solidFill>
+                      <a:schemeClr val="tx2"/>
+                    </a:solidFill>
+                  </a:rPr>
+                  <a:t> </a:t>
+                </a:r>
+                <a:r>
+                  <a:rPr lang="it-IT" dirty="0" err="1">
+                    <a:solidFill>
+                      <a:schemeClr val="tx2"/>
+                    </a:solidFill>
+                  </a:rPr>
+                  <a:t>adversarial</a:t>
+                </a:r>
+                <a:r>
+                  <a:rPr lang="it-IT" dirty="0">
+                    <a:solidFill>
+                      <a:schemeClr val="tx2"/>
+                    </a:solidFill>
+                  </a:rPr>
+                  <a:t> </a:t>
+                </a:r>
+                <a:r>
+                  <a:rPr lang="it-IT" dirty="0" err="1">
+                    <a:solidFill>
+                      <a:schemeClr val="tx2"/>
+                    </a:solidFill>
+                  </a:rPr>
+                  <a:t>loss</a:t>
+                </a:r>
+                <a:r>
+                  <a:rPr lang="it-IT" dirty="0">
+                    <a:solidFill>
+                      <a:schemeClr val="tx2"/>
+                    </a:solidFill>
+                  </a:rPr>
+                  <a:t> </a:t>
+                </a:r>
+                <a:r>
+                  <a:rPr lang="en-GB" dirty="0">
+                    <a:solidFill>
+                      <a:schemeClr val="tx2"/>
+                    </a:solidFill>
+                  </a:rPr>
+                  <a:t>function: </a:t>
+                </a:r>
+              </a:p>
+              <a:p>
+                <a14:m>
+                  <m:oMathPara xmlns:m="http://schemas.openxmlformats.org/officeDocument/2006/math">
+                    <m:oMathParaPr>
+                      <m:jc m:val="centerGroup"/>
+                    </m:oMathParaPr>
+                    <m:oMath xmlns:m="http://schemas.openxmlformats.org/officeDocument/2006/math">
+                      <m:sSub>
+                        <m:sSubPr>
+                          <m:ctrlPr>
+                            <a:rPr lang="en-GB">
+                              <a:solidFill>
+                                <a:schemeClr val="tx2"/>
+                              </a:solidFill>
+                            </a:rPr>
+                          </m:ctrlPr>
+                        </m:sSubPr>
+                        <m:e>
+                          <m:r>
+                            <a:rPr lang="en-GB">
+                              <a:solidFill>
+                                <a:schemeClr val="tx2"/>
+                              </a:solidFill>
+                            </a:rPr>
+                            <m:t>ℒ</m:t>
+                          </m:r>
+                        </m:e>
+                        <m:sub>
+                          <m:r>
+                            <a:rPr lang="it-IT">
+                              <a:solidFill>
+                                <a:schemeClr val="tx2"/>
+                              </a:solidFill>
+                            </a:rPr>
+                            <m:t>𝐺</m:t>
+                          </m:r>
+                        </m:sub>
+                      </m:sSub>
+                      <m:r>
+                        <a:rPr lang="it-IT">
+                          <a:solidFill>
+                            <a:schemeClr val="tx2"/>
+                          </a:solidFill>
+                        </a:rPr>
+                        <m:t>=−</m:t>
+                      </m:r>
+                      <m:sSub>
+                        <m:sSubPr>
+                          <m:ctrlPr>
+                            <a:rPr lang="it-IT">
+                              <a:solidFill>
+                                <a:schemeClr val="tx2"/>
+                              </a:solidFill>
+                            </a:rPr>
+                          </m:ctrlPr>
+                        </m:sSubPr>
+                        <m:e>
+                          <m:r>
+                            <a:rPr lang="it-IT">
+                              <a:solidFill>
+                                <a:schemeClr val="tx2"/>
+                              </a:solidFill>
+                            </a:rPr>
+                            <m:t>𝔼</m:t>
+                          </m:r>
+                        </m:e>
+                        <m:sub>
+                          <m:r>
+                            <a:rPr lang="it-IT">
+                              <a:solidFill>
+                                <a:schemeClr val="tx2"/>
+                              </a:solidFill>
+                            </a:rPr>
+                            <m:t>𝑧</m:t>
+                          </m:r>
+                          <m:r>
+                            <a:rPr lang="it-IT">
+                              <a:solidFill>
+                                <a:schemeClr val="tx2"/>
+                              </a:solidFill>
+                            </a:rPr>
+                            <m:t>~</m:t>
+                          </m:r>
+                          <m:r>
+                            <a:rPr lang="it-IT">
+                              <a:solidFill>
+                                <a:schemeClr val="tx2"/>
+                              </a:solidFill>
+                            </a:rPr>
+                            <m:t>𝒩</m:t>
+                          </m:r>
+                        </m:sub>
+                      </m:sSub>
+                      <m:r>
+                        <a:rPr lang="it-IT">
+                          <a:solidFill>
+                            <a:schemeClr val="tx2"/>
+                          </a:solidFill>
+                        </a:rPr>
+                        <m:t>[</m:t>
+                      </m:r>
+                      <m:r>
+                        <a:rPr lang="it-IT">
+                          <a:solidFill>
+                            <a:schemeClr val="tx2"/>
+                          </a:solidFill>
+                        </a:rPr>
+                        <m:t>𝐷</m:t>
+                      </m:r>
+                      <m:r>
+                        <a:rPr lang="it-IT">
+                          <a:solidFill>
+                            <a:schemeClr val="tx2"/>
+                          </a:solidFill>
+                        </a:rPr>
+                        <m:t>(</m:t>
+                      </m:r>
+                      <m:r>
+                        <a:rPr lang="it-IT">
+                          <a:solidFill>
+                            <a:schemeClr val="tx2"/>
+                          </a:solidFill>
+                        </a:rPr>
+                        <m:t>𝐺</m:t>
+                      </m:r>
+                      <m:d>
+                        <m:dPr>
+                          <m:ctrlPr>
+                            <a:rPr lang="it-IT">
+                              <a:solidFill>
+                                <a:schemeClr val="tx2"/>
+                              </a:solidFill>
+                            </a:rPr>
+                          </m:ctrlPr>
+                        </m:dPr>
+                        <m:e>
+                          <m:r>
+                            <a:rPr lang="it-IT">
+                              <a:solidFill>
+                                <a:schemeClr val="tx2"/>
+                              </a:solidFill>
+                            </a:rPr>
+                            <m:t>𝑧</m:t>
+                          </m:r>
+                        </m:e>
+                      </m:d>
+                      <m:r>
+                        <a:rPr lang="it-IT">
+                          <a:solidFill>
+                            <a:schemeClr val="tx2"/>
+                          </a:solidFill>
+                        </a:rPr>
+                        <m:t>)]</m:t>
+                      </m:r>
+                    </m:oMath>
+                  </m:oMathPara>
+                </a14:m>
+                <a:endParaRPr lang="en-GB" dirty="0">
+                  <a:solidFill>
+                    <a:schemeClr val="tx2"/>
+                  </a:solidFill>
+                </a:endParaRPr>
+              </a:p>
+            </p:txBody>
+          </p:sp>
+        </mc:Choice>
+        <mc:Fallback>
+          <p:sp>
+            <p:nvSpPr>
+              <p:cNvPr id="7" name="CasellaDiTesto 6">
+                <a:extLst>
+                  <a:ext uri="{FF2B5EF4-FFF2-40B4-BE49-F238E27FC236}">
+                    <a16:creationId xmlns:a16="http://schemas.microsoft.com/office/drawing/2014/main" id="{9E6198E3-E3AE-9F4D-AD93-91DCE789E75C}"/>
+                  </a:ext>
+                </a:extLst>
+              </p:cNvPr>
+              <p:cNvSpPr txBox="1">
+                <a:spLocks noRot="1" noChangeAspect="1" noMove="1" noResize="1" noEditPoints="1" noAdjustHandles="1" noChangeArrowheads="1" noChangeShapeType="1" noTextEdit="1"/>
+              </p:cNvSpPr>
+              <p:nvPr/>
+            </p:nvSpPr>
+            <p:spPr>
+              <a:xfrm>
+                <a:off x="581193" y="6053997"/>
+                <a:ext cx="11029616" cy="553998"/>
+              </a:xfrm>
+              <a:prstGeom prst="rect">
+                <a:avLst/>
+              </a:prstGeom>
+              <a:blipFill>
+                <a:blip r:embed="rId4"/>
+                <a:stretch>
+                  <a:fillRect l="-1264" t="-13333" b="-17778"/>
+                </a:stretch>
+              </a:blipFill>
+            </p:spPr>
+            <p:txBody>
+              <a:bodyPr/>
+              <a:lstStyle/>
+              <a:p>
+                <a:r>
+                  <a:rPr lang="en-GB">
+                    <a:noFill/>
+                  </a:rPr>
+                  <a:t> </a:t>
+                </a:r>
+              </a:p>
+            </p:txBody>
+          </p:sp>
+        </mc:Fallback>
+      </mc:AlternateContent>
+    </p:spTree>
+    <p:extLst>
+      <p:ext uri="{BB962C8B-B14F-4D97-AF65-F5344CB8AC3E}">
+        <p14:creationId xmlns:p14="http://schemas.microsoft.com/office/powerpoint/2010/main" val="355806272"/>
+      </p:ext>
+    </p:extLst>
+  </p:cSld>
+  <p:clrMapOvr>
+    <a:masterClrMapping/>
+  </p:clrMapOvr>
+</p:sld>
+</file>
+
+<file path=ppt/slides/slide8.xml><?xml version="1.0" encoding="utf-8"?>
+<p:sld xmlns:a="http://schemas.openxmlformats.org/drawingml/2006/main" xmlns:r="http://schemas.openxmlformats.org/officeDocument/2006/relationships" xmlns:p="http://schemas.openxmlformats.org/presentationml/2006/main">
+  <p:cSld>
+    <p:bg>
+      <p:bgPr>
+        <a:solidFill>
+          <a:schemeClr val="bg1"/>
+        </a:solidFill>
+        <a:effectLst/>
+      </p:bgPr>
+    </p:bg>
+    <p:spTree>
+      <p:nvGrpSpPr>
+        <p:cNvPr id="1" name=""/>
+        <p:cNvGrpSpPr/>
+        <p:nvPr/>
+      </p:nvGrpSpPr>
+      <p:grpSpPr>
+        <a:xfrm>
+          <a:off x="0" y="0"/>
+          <a:ext cx="0" cy="0"/>
+          <a:chOff x="0" y="0"/>
+          <a:chExt cx="0" cy="0"/>
+        </a:xfrm>
+      </p:grpSpPr>
+      <p:sp>
+        <p:nvSpPr>
+          <p:cNvPr id="2" name="Titolo 1">
+            <a:extLst>
+              <a:ext uri="{FF2B5EF4-FFF2-40B4-BE49-F238E27FC236}">
+                <a16:creationId xmlns:a16="http://schemas.microsoft.com/office/drawing/2014/main" id="{921633EB-7DCB-4DDC-80AF-C885A3EE1245}"/>
+              </a:ext>
+            </a:extLst>
+          </p:cNvPr>
+          <p:cNvSpPr>
+            <a:spLocks noGrp="1"/>
+          </p:cNvSpPr>
+          <p:nvPr>
+            <p:ph type="title"/>
+          </p:nvPr>
+        </p:nvSpPr>
+        <p:spPr/>
+        <p:txBody>
+          <a:bodyPr rtlCol="0"/>
+          <a:lstStyle/>
+          <a:p>
+            <a:pPr rtl="0"/>
+            <a:r>
+              <a:rPr lang="it-IT" dirty="0"/>
+              <a:t>Method: Skip-Layer Channel-</a:t>
+            </a:r>
+            <a:r>
+              <a:rPr lang="it-IT" dirty="0" err="1"/>
+              <a:t>Wise</a:t>
+            </a:r>
+            <a:r>
+              <a:rPr lang="it-IT" dirty="0"/>
+              <a:t> </a:t>
+            </a:r>
+            <a:r>
+              <a:rPr lang="it-IT" dirty="0" err="1"/>
+              <a:t>Excitation</a:t>
+            </a:r>
+            <a:endParaRPr lang="it-IT" dirty="0"/>
+          </a:p>
+        </p:txBody>
+      </p:sp>
+      <mc:AlternateContent xmlns:mc="http://schemas.openxmlformats.org/markup-compatibility/2006">
+        <mc:Choice xmlns:a14="http://schemas.microsoft.com/office/drawing/2010/main" Requires="a14">
+          <p:sp>
+            <p:nvSpPr>
+              <p:cNvPr id="10" name="Segnaposto contenuto 3">
+                <a:extLst>
+                  <a:ext uri="{FF2B5EF4-FFF2-40B4-BE49-F238E27FC236}">
+                    <a16:creationId xmlns:a16="http://schemas.microsoft.com/office/drawing/2014/main" id="{EB3B234C-024F-4053-8932-83A38002F261}"/>
+                  </a:ext>
+                </a:extLst>
+              </p:cNvPr>
+              <p:cNvSpPr txBox="1">
+                <a:spLocks/>
+              </p:cNvSpPr>
+              <p:nvPr/>
+            </p:nvSpPr>
+            <p:spPr>
+              <a:xfrm>
+                <a:off x="4457700" y="2043013"/>
+                <a:ext cx="7153109" cy="4495522"/>
+              </a:xfrm>
+              <a:prstGeom prst="rect">
+                <a:avLst/>
+              </a:prstGeom>
+            </p:spPr>
+            <p:txBody>
+              <a:bodyPr vert="horz" lIns="91440" tIns="45720" rIns="91440" bIns="45720" rtlCol="0" anchor="ctr">
+                <a:normAutofit/>
+              </a:bodyPr>
+              <a:lstStyle>
+                <a:lvl1pPr marL="306000" indent="-306000" algn="l" defTabSz="457200" rtl="0" eaLnBrk="1" latinLnBrk="0" hangingPunct="1">
+                  <a:spcBef>
+                    <a:spcPct val="20000"/>
+                  </a:spcBef>
+                  <a:spcAft>
+                    <a:spcPts val="600"/>
+                  </a:spcAft>
+                  <a:buClr>
+                    <a:schemeClr val="accent2"/>
+                  </a:buClr>
+                  <a:buSzPct val="92000"/>
+                  <a:buFont typeface="Wingdings 2" panose="05020102010507070707" pitchFamily="18" charset="2"/>
+                  <a:buChar char=""/>
+                  <a:defRPr sz="1800" kern="1200">
+                    <a:solidFill>
+                      <a:schemeClr val="tx2"/>
+                    </a:solidFill>
+                    <a:latin typeface="+mn-lt"/>
+                    <a:ea typeface="+mn-ea"/>
+                    <a:cs typeface="+mn-cs"/>
+                  </a:defRPr>
+                </a:lvl1pPr>
+                <a:lvl2pPr marL="630000" indent="-306000" algn="l" defTabSz="457200" rtl="0" eaLnBrk="1" latinLnBrk="0" hangingPunct="1">
+                  <a:spcBef>
+                    <a:spcPct val="20000"/>
+                  </a:spcBef>
+                  <a:spcAft>
+                    <a:spcPts val="600"/>
+                  </a:spcAft>
+                  <a:buClr>
+                    <a:schemeClr val="accent2"/>
+                  </a:buClr>
+                  <a:buSzPct val="92000"/>
+                  <a:buFont typeface="Wingdings 2" panose="05020102010507070707" pitchFamily="18" charset="2"/>
+                  <a:buChar char=""/>
+                  <a:defRPr sz="1600" kern="1200">
+                    <a:solidFill>
+                      <a:schemeClr val="tx2"/>
+                    </a:solidFill>
+                    <a:latin typeface="+mn-lt"/>
+                    <a:ea typeface="+mn-ea"/>
+                    <a:cs typeface="+mn-cs"/>
+                  </a:defRPr>
+                </a:lvl2pPr>
+                <a:lvl3pPr marL="900000" indent="-270000" algn="l" defTabSz="457200" rtl="0" eaLnBrk="1" latinLnBrk="0" hangingPunct="1">
+                  <a:spcBef>
+                    <a:spcPct val="20000"/>
+                  </a:spcBef>
+                  <a:spcAft>
+                    <a:spcPts val="600"/>
+                  </a:spcAft>
+                  <a:buClr>
+                    <a:schemeClr val="accent2"/>
+                  </a:buClr>
+                  <a:buSzPct val="92000"/>
+                  <a:buFont typeface="Wingdings 2" panose="05020102010507070707" pitchFamily="18" charset="2"/>
+                  <a:buChar char=""/>
+                  <a:defRPr sz="1400" kern="1200">
+                    <a:solidFill>
+                      <a:schemeClr val="tx2"/>
+                    </a:solidFill>
+                    <a:latin typeface="+mn-lt"/>
+                    <a:ea typeface="+mn-ea"/>
+                    <a:cs typeface="+mn-cs"/>
+                  </a:defRPr>
+                </a:lvl3pPr>
+                <a:lvl4pPr marL="1242000" indent="-234000" algn="l" defTabSz="457200" rtl="0" eaLnBrk="1" latinLnBrk="0" hangingPunct="1">
+                  <a:spcBef>
+                    <a:spcPct val="20000"/>
+                  </a:spcBef>
+                  <a:spcAft>
+                    <a:spcPts val="600"/>
+                  </a:spcAft>
+                  <a:buClr>
+                    <a:schemeClr val="accent2"/>
+                  </a:buClr>
+                  <a:buSzPct val="92000"/>
+                  <a:buFont typeface="Wingdings 2" panose="05020102010507070707" pitchFamily="18" charset="2"/>
+                  <a:buChar char=""/>
+                  <a:defRPr sz="1200" kern="1200">
+                    <a:solidFill>
+                      <a:schemeClr val="tx2"/>
+                    </a:solidFill>
+                    <a:latin typeface="+mn-lt"/>
+                    <a:ea typeface="+mn-ea"/>
+                    <a:cs typeface="+mn-cs"/>
+                  </a:defRPr>
+                </a:lvl4pPr>
+                <a:lvl5pPr marL="1602000" indent="-234000" algn="l" defTabSz="457200" rtl="0" eaLnBrk="1" latinLnBrk="0" hangingPunct="1">
+                  <a:spcBef>
+                    <a:spcPct val="20000"/>
+                  </a:spcBef>
+                  <a:spcAft>
+                    <a:spcPts val="600"/>
+                  </a:spcAft>
+                  <a:buClr>
+                    <a:schemeClr val="accent2"/>
+                  </a:buClr>
+                  <a:buSzPct val="92000"/>
+                  <a:buFont typeface="Wingdings 2" panose="05020102010507070707" pitchFamily="18" charset="2"/>
+                  <a:buChar char=""/>
+                  <a:defRPr sz="1200" kern="1200">
+                    <a:solidFill>
+                      <a:schemeClr val="tx2"/>
+                    </a:solidFill>
+                    <a:latin typeface="+mn-lt"/>
+                    <a:ea typeface="+mn-ea"/>
+                    <a:cs typeface="+mn-cs"/>
+                  </a:defRPr>
+                </a:lvl5pPr>
+                <a:lvl6pPr marL="1900000" indent="-228600" algn="l" defTabSz="457200" rtl="0" eaLnBrk="1" latinLnBrk="0" hangingPunct="1">
+                  <a:spcBef>
+                    <a:spcPct val="20000"/>
+                  </a:spcBef>
+                  <a:spcAft>
+                    <a:spcPts val="600"/>
+                  </a:spcAft>
+                  <a:buClr>
+                    <a:schemeClr val="accent2"/>
+                  </a:buClr>
+                  <a:buSzPct val="92000"/>
+                  <a:buFont typeface="Wingdings 2" panose="05020102010507070707" pitchFamily="18" charset="2"/>
+                  <a:buChar char=""/>
+                  <a:defRPr sz="1200" kern="1200">
+                    <a:solidFill>
+                      <a:schemeClr val="tx2"/>
+                    </a:solidFill>
+                    <a:latin typeface="+mn-lt"/>
+                    <a:ea typeface="+mn-ea"/>
+                    <a:cs typeface="+mn-cs"/>
+                  </a:defRPr>
+                </a:lvl6pPr>
+                <a:lvl7pPr marL="2200000" indent="-228600" algn="l" defTabSz="457200" rtl="0" eaLnBrk="1" latinLnBrk="0" hangingPunct="1">
+                  <a:spcBef>
+                    <a:spcPct val="20000"/>
+                  </a:spcBef>
+                  <a:spcAft>
+                    <a:spcPts val="600"/>
+                  </a:spcAft>
+                  <a:buClr>
+                    <a:schemeClr val="accent2"/>
+                  </a:buClr>
+                  <a:buSzPct val="92000"/>
+                  <a:buFont typeface="Wingdings 2" panose="05020102010507070707" pitchFamily="18" charset="2"/>
+                  <a:buChar char=""/>
+                  <a:defRPr sz="1200" kern="1200">
+                    <a:solidFill>
+                      <a:schemeClr val="tx2"/>
+                    </a:solidFill>
+                    <a:latin typeface="+mn-lt"/>
+                    <a:ea typeface="+mn-ea"/>
+                    <a:cs typeface="+mn-cs"/>
+                  </a:defRPr>
+                </a:lvl7pPr>
+                <a:lvl8pPr marL="2500000" indent="-228600" algn="l" defTabSz="457200" rtl="0" eaLnBrk="1" latinLnBrk="0" hangingPunct="1">
+                  <a:spcBef>
+                    <a:spcPct val="20000"/>
+                  </a:spcBef>
+                  <a:spcAft>
+                    <a:spcPts val="600"/>
+                  </a:spcAft>
+                  <a:buClr>
+                    <a:schemeClr val="accent2"/>
+                  </a:buClr>
+                  <a:buSzPct val="92000"/>
+                  <a:buFont typeface="Wingdings 2" panose="05020102010507070707" pitchFamily="18" charset="2"/>
+                  <a:buChar char=""/>
+                  <a:defRPr sz="1200" kern="1200">
+                    <a:solidFill>
+                      <a:schemeClr val="tx2"/>
+                    </a:solidFill>
+                    <a:latin typeface="+mn-lt"/>
+                    <a:ea typeface="+mn-ea"/>
+                    <a:cs typeface="+mn-cs"/>
+                  </a:defRPr>
+                </a:lvl8pPr>
+                <a:lvl9pPr marL="2800000" indent="-228600" algn="l" defTabSz="457200" rtl="0" eaLnBrk="1" latinLnBrk="0" hangingPunct="1">
+                  <a:spcBef>
+                    <a:spcPct val="20000"/>
+                  </a:spcBef>
+                  <a:spcAft>
+                    <a:spcPts val="600"/>
+                  </a:spcAft>
+                  <a:buClr>
+                    <a:schemeClr val="accent2"/>
+                  </a:buClr>
+                  <a:buSzPct val="92000"/>
+                  <a:buFont typeface="Wingdings 2" panose="05020102010507070707" pitchFamily="18" charset="2"/>
+                  <a:buChar char=""/>
+                  <a:defRPr sz="1200" kern="1200">
+                    <a:solidFill>
+                      <a:schemeClr val="tx2"/>
+                    </a:solidFill>
+                    <a:latin typeface="+mn-lt"/>
+                    <a:ea typeface="+mn-ea"/>
+                    <a:cs typeface="+mn-cs"/>
+                  </a:defRPr>
+                </a:lvl9pPr>
+              </a:lstStyle>
+              <a:p>
+                <a:pPr marL="0" indent="0" algn="just">
+                  <a:buNone/>
+                </a:pPr>
+                <a:r>
+                  <a:rPr lang="en-GB" dirty="0"/>
+                  <a:t>FastGAN reaches the objectives based on the following two techniques:</a:t>
+                </a:r>
+              </a:p>
+              <a:p>
+                <a:pPr algn="just"/>
+                <a:r>
+                  <a:rPr lang="en-GB" dirty="0"/>
+                  <a:t>Multiplication between activations, instead of addition, giving to one side of activations the spatial dimension of 1</a:t>
+                </a:r>
+                <a:r>
+                  <a:rPr lang="en-GB" baseline="30000" dirty="0"/>
+                  <a:t>2</a:t>
+                </a:r>
+                <a:r>
+                  <a:rPr lang="en-GB" dirty="0"/>
+                  <a:t>, to eliminate the complex computation of convolution;</a:t>
+                </a:r>
+              </a:p>
+              <a:p>
+                <a:pPr algn="just"/>
+                <a:r>
+                  <a:rPr lang="en-GB" dirty="0"/>
+                  <a:t>Skip-connection in a much larger range than previous residual-block used in GAN: </a:t>
+                </a:r>
+              </a:p>
+              <a:p>
+                <a:pPr lvl="1" algn="just">
+                  <a:buFont typeface="Arial" panose="020B0604020202020204" pitchFamily="34" charset="0"/>
+                  <a:buChar char="•"/>
+                </a:pPr>
+                <a:r>
+                  <a:rPr lang="en-GB" dirty="0"/>
+                  <a:t>8</a:t>
+                </a:r>
+                <a:r>
+                  <a:rPr lang="en-GB" baseline="30000" dirty="0"/>
+                  <a:t>2</a:t>
+                </a:r>
+                <a:r>
+                  <a:rPr lang="en-GB" dirty="0"/>
+                  <a:t> – 128</a:t>
+                </a:r>
+                <a:r>
+                  <a:rPr lang="en-GB" baseline="30000" dirty="0"/>
+                  <a:t>2</a:t>
+                </a:r>
+              </a:p>
+              <a:p>
+                <a:pPr lvl="1" algn="just">
+                  <a:buFont typeface="Arial" panose="020B0604020202020204" pitchFamily="34" charset="0"/>
+                  <a:buChar char="•"/>
+                </a:pPr>
+                <a:r>
+                  <a:rPr lang="en-GB" dirty="0"/>
+                  <a:t>16</a:t>
+                </a:r>
+                <a:r>
+                  <a:rPr lang="en-GB" baseline="30000" dirty="0"/>
+                  <a:t>2</a:t>
+                </a:r>
+                <a:r>
+                  <a:rPr lang="en-GB" dirty="0"/>
+                  <a:t> – 256</a:t>
+                </a:r>
+                <a:r>
+                  <a:rPr lang="en-GB" baseline="30000" dirty="0"/>
+                  <a:t>2</a:t>
+                </a:r>
+              </a:p>
+              <a:p>
+                <a:pPr lvl="1" algn="just">
+                  <a:buFont typeface="Arial" panose="020B0604020202020204" pitchFamily="34" charset="0"/>
+                  <a:buChar char="•"/>
+                </a:pPr>
+                <a:r>
+                  <a:rPr lang="en-GB" dirty="0"/>
+                  <a:t>32</a:t>
+                </a:r>
+                <a:r>
+                  <a:rPr lang="en-GB" baseline="30000" dirty="0"/>
+                  <a:t>2</a:t>
+                </a:r>
+                <a:r>
+                  <a:rPr lang="en-GB" dirty="0"/>
+                  <a:t> </a:t>
+                </a:r>
+                <a:r>
+                  <a:rPr lang="en-GB" dirty="0">
+                    <a:sym typeface="Wingdings" pitchFamily="2" charset="2"/>
+                  </a:rPr>
+                  <a:t>– 512</a:t>
+                </a:r>
+                <a:r>
+                  <a:rPr lang="en-GB" baseline="30000" dirty="0">
+                    <a:sym typeface="Wingdings" pitchFamily="2" charset="2"/>
+                  </a:rPr>
+                  <a:t>2</a:t>
+                </a:r>
+              </a:p>
+              <a:p>
+                <a:pPr algn="just"/>
+                <a:endParaRPr lang="en-GB" dirty="0"/>
+              </a:p>
+              <a:p>
+                <a:pPr marL="0" indent="0" algn="just">
+                  <a:buNone/>
+                </a:pPr>
+                <a:r>
+                  <a:rPr lang="en-GB" dirty="0"/>
+                  <a:t>The Skip-Layer Excitation module is defined as:</a:t>
+                </a:r>
+              </a:p>
+              <a:p>
+                <a:pPr marL="0" indent="0" algn="just">
+                  <a:buNone/>
+                </a:pPr>
+                <a14:m>
+                  <m:oMathPara xmlns:m="http://schemas.openxmlformats.org/officeDocument/2006/math">
+                    <m:oMathParaPr>
+                      <m:jc m:val="centerGroup"/>
+                    </m:oMathParaPr>
+                    <m:oMath xmlns:m="http://schemas.openxmlformats.org/officeDocument/2006/math">
+                      <m:r>
+                        <a:rPr lang="it-IT" b="1" i="1" smtClean="0">
+                          <a:latin typeface="Cambria Math" panose="02040503050406030204" pitchFamily="18" charset="0"/>
+                        </a:rPr>
+                        <m:t>𝒚</m:t>
+                      </m:r>
+                      <m:r>
+                        <a:rPr lang="it-IT" b="0" i="1" smtClean="0">
+                          <a:latin typeface="Cambria Math" panose="02040503050406030204" pitchFamily="18" charset="0"/>
+                        </a:rPr>
+                        <m:t>=</m:t>
+                      </m:r>
+                      <m:r>
+                        <a:rPr lang="it-IT" b="0" i="1" smtClean="0">
+                          <a:latin typeface="Cambria Math" panose="02040503050406030204" pitchFamily="18" charset="0"/>
+                          <a:ea typeface="Cambria Math" panose="02040503050406030204" pitchFamily="18" charset="0"/>
+                        </a:rPr>
+                        <m:t>ℱ</m:t>
+                      </m:r>
+                      <m:d>
+                        <m:dPr>
+                          <m:ctrlPr>
+                            <a:rPr lang="it-IT" b="0" i="1" smtClean="0">
+                              <a:latin typeface="Cambria Math" panose="02040503050406030204" pitchFamily="18" charset="0"/>
+                            </a:rPr>
+                          </m:ctrlPr>
+                        </m:dPr>
+                        <m:e>
+                          <m:r>
+                            <a:rPr lang="it-IT" b="1" i="1" smtClean="0">
+                              <a:latin typeface="Cambria Math" panose="02040503050406030204" pitchFamily="18" charset="0"/>
+                            </a:rPr>
+                            <m:t>𝒙</m:t>
+                          </m:r>
+                          <m:r>
+                            <a:rPr lang="it-IT" b="0" i="1" baseline="-25000" smtClean="0">
+                              <a:latin typeface="Cambria Math" panose="02040503050406030204" pitchFamily="18" charset="0"/>
+                            </a:rPr>
+                            <m:t>𝑙𝑜𝑤</m:t>
+                          </m:r>
+                          <m:r>
+                            <a:rPr lang="it-IT" b="0" i="1" smtClean="0">
+                              <a:latin typeface="Cambria Math" panose="02040503050406030204" pitchFamily="18" charset="0"/>
+                            </a:rPr>
+                            <m:t>, </m:t>
+                          </m:r>
+                          <m:d>
+                            <m:dPr>
+                              <m:begChr m:val="{"/>
+                              <m:endChr m:val="}"/>
+                              <m:ctrlPr>
+                                <a:rPr lang="it-IT" b="0" i="1" smtClean="0">
+                                  <a:latin typeface="Cambria Math" panose="02040503050406030204" pitchFamily="18" charset="0"/>
+                                </a:rPr>
+                              </m:ctrlPr>
+                            </m:dPr>
+                            <m:e>
+                              <m:sSub>
+                                <m:sSubPr>
+                                  <m:ctrlPr>
+                                    <a:rPr lang="it-IT" b="1" i="1" smtClean="0">
+                                      <a:latin typeface="Cambria Math" panose="02040503050406030204" pitchFamily="18" charset="0"/>
+                                    </a:rPr>
+                                  </m:ctrlPr>
+                                </m:sSubPr>
+                                <m:e>
+                                  <m:r>
+                                    <a:rPr lang="it-IT" b="1" i="1" smtClean="0">
+                                      <a:latin typeface="Cambria Math" panose="02040503050406030204" pitchFamily="18" charset="0"/>
+                                    </a:rPr>
+                                    <m:t>𝑾</m:t>
+                                  </m:r>
+                                </m:e>
+                                <m:sub>
+                                  <m:r>
+                                    <a:rPr lang="it-IT" b="0" i="1" smtClean="0">
+                                      <a:latin typeface="Cambria Math" panose="02040503050406030204" pitchFamily="18" charset="0"/>
+                                    </a:rPr>
+                                    <m:t>𝑖</m:t>
+                                  </m:r>
+                                </m:sub>
+                              </m:sSub>
+                            </m:e>
+                          </m:d>
+                        </m:e>
+                      </m:d>
+                      <m:r>
+                        <a:rPr lang="it-IT" b="0" i="1" smtClean="0">
+                          <a:latin typeface="Cambria Math" panose="02040503050406030204" pitchFamily="18" charset="0"/>
+                          <a:ea typeface="Cambria Math" panose="02040503050406030204" pitchFamily="18" charset="0"/>
+                        </a:rPr>
+                        <m:t>∙</m:t>
+                      </m:r>
+                      <m:r>
+                        <a:rPr lang="it-IT" b="1" i="1" smtClean="0">
+                          <a:latin typeface="Cambria Math" panose="02040503050406030204" pitchFamily="18" charset="0"/>
+                          <a:ea typeface="Cambria Math" panose="02040503050406030204" pitchFamily="18" charset="0"/>
+                        </a:rPr>
+                        <m:t>𝒙</m:t>
+                      </m:r>
+                      <m:r>
+                        <a:rPr lang="it-IT" b="0" i="1" baseline="-25000" smtClean="0">
+                          <a:latin typeface="Cambria Math" panose="02040503050406030204" pitchFamily="18" charset="0"/>
+                          <a:ea typeface="Cambria Math" panose="02040503050406030204" pitchFamily="18" charset="0"/>
+                        </a:rPr>
+                        <m:t>h𝑖𝑔h</m:t>
+                      </m:r>
+                    </m:oMath>
+                  </m:oMathPara>
+                </a14:m>
+                <a:endParaRPr lang="en-GB" baseline="30000" dirty="0">
+                  <a:sym typeface="Wingdings" pitchFamily="2" charset="2"/>
+                </a:endParaRPr>
+              </a:p>
+              <a:p>
+                <a:pPr marL="324000" lvl="1" indent="0">
+                  <a:buNone/>
+                </a:pPr>
+                <a:endParaRPr lang="en-GB" baseline="30000" dirty="0">
+                  <a:sym typeface="Wingdings" pitchFamily="2" charset="2"/>
+                </a:endParaRPr>
+              </a:p>
+            </p:txBody>
+          </p:sp>
+        </mc:Choice>
+        <mc:Fallback>
+          <p:sp>
+            <p:nvSpPr>
+              <p:cNvPr id="10" name="Segnaposto contenuto 3">
+                <a:extLst>
+                  <a:ext uri="{FF2B5EF4-FFF2-40B4-BE49-F238E27FC236}">
+                    <a16:creationId xmlns:a16="http://schemas.microsoft.com/office/drawing/2014/main" id="{EB3B234C-024F-4053-8932-83A38002F261}"/>
+                  </a:ext>
+                </a:extLst>
+              </p:cNvPr>
+              <p:cNvSpPr txBox="1">
+                <a:spLocks noRot="1" noChangeAspect="1" noMove="1" noResize="1" noEditPoints="1" noAdjustHandles="1" noChangeArrowheads="1" noChangeShapeType="1" noTextEdit="1"/>
+              </p:cNvSpPr>
+              <p:nvPr/>
+            </p:nvSpPr>
+            <p:spPr>
+              <a:xfrm>
+                <a:off x="4457700" y="2043013"/>
+                <a:ext cx="7153109" cy="4495522"/>
+              </a:xfrm>
+              <a:prstGeom prst="rect">
+                <a:avLst/>
+              </a:prstGeom>
+              <a:blipFill>
+                <a:blip r:embed="rId3"/>
+                <a:stretch>
+                  <a:fillRect l="-531" t="-843" r="-708"/>
+                </a:stretch>
+              </a:blipFill>
+            </p:spPr>
+            <p:txBody>
+              <a:bodyPr/>
+              <a:lstStyle/>
+              <a:p>
+                <a:r>
+                  <a:rPr lang="en-GB">
+                    <a:noFill/>
+                  </a:rPr>
+                  <a:t> </a:t>
+                </a:r>
+              </a:p>
+            </p:txBody>
+          </p:sp>
+        </mc:Fallback>
+      </mc:AlternateContent>
+      <p:pic>
+        <p:nvPicPr>
+          <p:cNvPr id="4" name="Immagine 3">
+            <a:extLst>
+              <a:ext uri="{FF2B5EF4-FFF2-40B4-BE49-F238E27FC236}">
+                <a16:creationId xmlns:a16="http://schemas.microsoft.com/office/drawing/2014/main" id="{D1AF1AB2-0504-45AE-9787-38AE802D16D8}"/>
+              </a:ext>
+            </a:extLst>
+          </p:cNvPr>
+          <p:cNvPicPr>
+            <a:picLocks noChangeAspect="1"/>
+          </p:cNvPicPr>
+          <p:nvPr/>
+        </p:nvPicPr>
+        <p:blipFill rotWithShape="1">
+          <a:blip r:embed="rId4"/>
+          <a:srcRect r="72164"/>
+          <a:stretch/>
+        </p:blipFill>
+        <p:spPr>
+          <a:xfrm>
+            <a:off x="581191" y="2197555"/>
+            <a:ext cx="3736809" cy="4186439"/>
+          </a:xfrm>
+          <a:prstGeom prst="rect">
+            <a:avLst/>
+          </a:prstGeom>
+        </p:spPr>
+      </p:pic>
+    </p:spTree>
+    <p:extLst>
+      <p:ext uri="{BB962C8B-B14F-4D97-AF65-F5344CB8AC3E}">
+        <p14:creationId xmlns:p14="http://schemas.microsoft.com/office/powerpoint/2010/main" val="3908761175"/>
+      </p:ext>
+    </p:extLst>
+  </p:cSld>
+  <p:clrMapOvr>
+    <a:masterClrMapping/>
+  </p:clrMapOvr>
+</p:sld>
+</file>
+
+<file path=ppt/slides/slide9.xml><?xml version="1.0" encoding="utf-8"?>
+<p:sld xmlns:a="http://schemas.openxmlformats.org/drawingml/2006/main" xmlns:r="http://schemas.openxmlformats.org/officeDocument/2006/relationships" xmlns:p="http://schemas.openxmlformats.org/presentationml/2006/main">
+  <p:cSld>
+    <p:bg>
+      <p:bgPr>
+        <a:solidFill>
+          <a:schemeClr val="bg1"/>
+        </a:solidFill>
+        <a:effectLst/>
+      </p:bgPr>
+    </p:bg>
+    <p:spTree>
+      <p:nvGrpSpPr>
+        <p:cNvPr id="1" name=""/>
+        <p:cNvGrpSpPr/>
+        <p:nvPr/>
+      </p:nvGrpSpPr>
+      <p:grpSpPr>
+        <a:xfrm>
+          <a:off x="0" y="0"/>
+          <a:ext cx="0" cy="0"/>
+          <a:chOff x="0" y="0"/>
+          <a:chExt cx="0" cy="0"/>
+        </a:xfrm>
+      </p:grpSpPr>
+      <p:sp>
+        <p:nvSpPr>
+          <p:cNvPr id="2" name="Titolo 1">
+            <a:extLst>
+              <a:ext uri="{FF2B5EF4-FFF2-40B4-BE49-F238E27FC236}">
+                <a16:creationId xmlns:a16="http://schemas.microsoft.com/office/drawing/2014/main" id="{921633EB-7DCB-4DDC-80AF-C885A3EE1245}"/>
+              </a:ext>
+            </a:extLst>
+          </p:cNvPr>
+          <p:cNvSpPr>
+            <a:spLocks noGrp="1"/>
+          </p:cNvSpPr>
+          <p:nvPr>
+            <p:ph type="title"/>
+          </p:nvPr>
+        </p:nvSpPr>
+        <p:spPr/>
+        <p:txBody>
+          <a:bodyPr rtlCol="0"/>
+          <a:lstStyle/>
+          <a:p>
+            <a:r>
+              <a:rPr lang="it-IT" dirty="0"/>
+              <a:t>Method: Self-</a:t>
+            </a:r>
+            <a:r>
+              <a:rPr lang="it-IT" dirty="0" err="1"/>
+              <a:t>Supervised</a:t>
+            </a:r>
+            <a:r>
+              <a:rPr lang="it-IT" dirty="0"/>
+              <a:t> Discriminator </a:t>
+            </a:r>
+          </a:p>
+        </p:txBody>
+      </p:sp>
+      <p:pic>
+        <p:nvPicPr>
+          <p:cNvPr id="1026" name="Picture 2" descr="Diagram&#10;&#10;Description automatically generated">
+            <a:extLst>
+              <a:ext uri="{FF2B5EF4-FFF2-40B4-BE49-F238E27FC236}">
+                <a16:creationId xmlns:a16="http://schemas.microsoft.com/office/drawing/2014/main" id="{1AEF346E-108B-214C-BB85-AC2A5A9B18FB}"/>
+              </a:ext>
+            </a:extLst>
+          </p:cNvPr>
+          <p:cNvPicPr>
+            <a:picLocks noChangeAspect="1" noChangeArrowheads="1"/>
+          </p:cNvPicPr>
+          <p:nvPr/>
+        </p:nvPicPr>
+        <p:blipFill>
+          <a:blip r:embed="rId3">
+            <a:extLst>
+              <a:ext uri="{28A0092B-C50C-407E-A947-70E740481C1C}">
+                <a14:useLocalDpi xmlns:a14="http://schemas.microsoft.com/office/drawing/2010/main" val="0"/>
+              </a:ext>
+            </a:extLst>
+          </a:blip>
+          <a:srcRect/>
+          <a:stretch>
+            <a:fillRect/>
+          </a:stretch>
+        </p:blipFill>
+        <p:spPr bwMode="auto">
+          <a:xfrm>
+            <a:off x="1039092" y="2049572"/>
+            <a:ext cx="10113816" cy="3672842"/>
+          </a:xfrm>
+          <a:prstGeom prst="rect">
+            <a:avLst/>
+          </a:prstGeom>
+          <a:noFill/>
+          <a:extLst>
+            <a:ext uri="{909E8E84-426E-40DD-AFC4-6F175D3DCCD1}">
+              <a14:hiddenFill xmlns:a14="http://schemas.microsoft.com/office/drawing/2010/main">
+                <a:solidFill>
+                  <a:srgbClr val="FFFFFF"/>
+                </a:solidFill>
+              </a14:hiddenFill>
+            </a:ext>
+          </a:extLst>
+        </p:spPr>
+      </p:pic>
+      <mc:AlternateContent xmlns:mc="http://schemas.openxmlformats.org/markup-compatibility/2006">
+        <mc:Choice xmlns:a14="http://schemas.microsoft.com/office/drawing/2010/main" Requires="a14">
+          <p:sp>
+            <p:nvSpPr>
+              <p:cNvPr id="6" name="CasellaDiTesto 5">
+                <a:extLst>
+                  <a:ext uri="{FF2B5EF4-FFF2-40B4-BE49-F238E27FC236}">
+                    <a16:creationId xmlns:a16="http://schemas.microsoft.com/office/drawing/2014/main" id="{B755899B-6115-A345-9D72-7CD5A8F58D7E}"/>
+                  </a:ext>
+                </a:extLst>
+              </p:cNvPr>
+              <p:cNvSpPr txBox="1"/>
+              <p:nvPr/>
+            </p:nvSpPr>
+            <p:spPr>
+              <a:xfrm>
+                <a:off x="581193" y="6053997"/>
+                <a:ext cx="11029616" cy="600421"/>
+              </a:xfrm>
+              <a:prstGeom prst="rect">
+                <a:avLst/>
+              </a:prstGeom>
+              <a:noFill/>
+            </p:spPr>
+            <p:txBody>
+              <a:bodyPr wrap="square" lIns="0" tIns="0" rIns="0" bIns="0" rtlCol="0">
+                <a:spAutoFit/>
+              </a:bodyPr>
+              <a:lstStyle/>
+              <a:p>
+                <a:pPr algn="just"/>
+                <a:r>
+                  <a:rPr lang="it-IT" dirty="0" err="1">
+                    <a:solidFill>
+                      <a:schemeClr val="tx2"/>
+                    </a:solidFill>
+                  </a:rPr>
+                  <a:t>Discriminator’s</a:t>
+                </a:r>
+                <a:r>
+                  <a:rPr lang="it-IT" dirty="0">
+                    <a:solidFill>
+                      <a:schemeClr val="tx2"/>
+                    </a:solidFill>
+                  </a:rPr>
+                  <a:t> </a:t>
+                </a:r>
+                <a:r>
+                  <a:rPr lang="it-IT" dirty="0" err="1">
+                    <a:solidFill>
+                      <a:schemeClr val="tx2"/>
+                    </a:solidFill>
+                  </a:rPr>
+                  <a:t>adversarial</a:t>
+                </a:r>
+                <a:r>
+                  <a:rPr lang="it-IT" dirty="0">
+                    <a:solidFill>
+                      <a:schemeClr val="tx2"/>
+                    </a:solidFill>
+                  </a:rPr>
+                  <a:t> </a:t>
+                </a:r>
+                <a:r>
+                  <a:rPr lang="it-IT" dirty="0" err="1">
+                    <a:solidFill>
+                      <a:schemeClr val="tx2"/>
+                    </a:solidFill>
+                  </a:rPr>
+                  <a:t>loss</a:t>
+                </a:r>
+                <a:r>
+                  <a:rPr lang="it-IT" dirty="0">
+                    <a:solidFill>
+                      <a:schemeClr val="tx2"/>
+                    </a:solidFill>
+                  </a:rPr>
+                  <a:t> </a:t>
+                </a:r>
+                <a:r>
+                  <a:rPr lang="en-GB" dirty="0">
+                    <a:solidFill>
+                      <a:schemeClr val="tx2"/>
+                    </a:solidFill>
+                  </a:rPr>
+                  <a:t>function: </a:t>
+                </a:r>
+              </a:p>
+              <a:p>
+                <a:pPr algn="just"/>
+                <a14:m>
+                  <m:oMathPara xmlns:m="http://schemas.openxmlformats.org/officeDocument/2006/math">
+                    <m:oMathParaPr>
+                      <m:jc m:val="center"/>
+                    </m:oMathParaPr>
+                    <m:oMath xmlns:m="http://schemas.openxmlformats.org/officeDocument/2006/math">
+                      <m:sSub>
+                        <m:sSubPr>
+                          <m:ctrlPr>
+                            <a:rPr lang="en-GB">
+                              <a:solidFill>
+                                <a:schemeClr val="tx2"/>
+                              </a:solidFill>
+                            </a:rPr>
+                          </m:ctrlPr>
+                        </m:sSubPr>
+                        <m:e>
+                          <m:r>
+                            <a:rPr lang="en-GB">
+                              <a:solidFill>
+                                <a:schemeClr val="tx2"/>
+                              </a:solidFill>
+                            </a:rPr>
+                            <m:t>ℒ</m:t>
+                          </m:r>
+                        </m:e>
+                        <m:sub>
+                          <m:r>
+                            <a:rPr lang="it-IT">
+                              <a:solidFill>
+                                <a:schemeClr val="tx2"/>
+                              </a:solidFill>
+                            </a:rPr>
+                            <m:t>𝐷</m:t>
+                          </m:r>
+                        </m:sub>
+                      </m:sSub>
+                      <m:r>
+                        <a:rPr lang="it-IT">
+                          <a:solidFill>
+                            <a:schemeClr val="tx2"/>
+                          </a:solidFill>
+                        </a:rPr>
+                        <m:t>=−</m:t>
+                      </m:r>
+                      <m:sSub>
+                        <m:sSubPr>
+                          <m:ctrlPr>
+                            <a:rPr lang="it-IT">
+                              <a:solidFill>
+                                <a:schemeClr val="tx2"/>
+                              </a:solidFill>
+                            </a:rPr>
+                          </m:ctrlPr>
+                        </m:sSubPr>
+                        <m:e>
+                          <m:r>
+                            <a:rPr lang="it-IT">
+                              <a:solidFill>
+                                <a:schemeClr val="tx2"/>
+                              </a:solidFill>
+                            </a:rPr>
+                            <m:t>𝔼</m:t>
+                          </m:r>
+                        </m:e>
+                        <m:sub>
+                          <m:r>
+                            <a:rPr lang="it-IT">
+                              <a:solidFill>
+                                <a:schemeClr val="tx2"/>
+                              </a:solidFill>
+                            </a:rPr>
+                            <m:t>𝑧</m:t>
+                          </m:r>
+                          <m:r>
+                            <a:rPr lang="it-IT">
+                              <a:solidFill>
+                                <a:schemeClr val="tx2"/>
+                              </a:solidFill>
+                            </a:rPr>
+                            <m:t>~</m:t>
+                          </m:r>
+                          <m:r>
+                            <a:rPr lang="it-IT">
+                              <a:solidFill>
+                                <a:schemeClr val="tx2"/>
+                              </a:solidFill>
+                            </a:rPr>
+                            <m:t>𝐼𝑟𝑒𝑎𝑙</m:t>
+                          </m:r>
+                        </m:sub>
+                      </m:sSub>
+                      <m:d>
+                        <m:dPr>
+                          <m:begChr m:val="["/>
+                          <m:endChr m:val="]"/>
+                          <m:ctrlPr>
+                            <a:rPr lang="it-IT">
+                              <a:solidFill>
+                                <a:schemeClr val="tx2"/>
+                              </a:solidFill>
+                            </a:rPr>
+                          </m:ctrlPr>
+                        </m:dPr>
+                        <m:e>
+                          <m:r>
+                            <a:rPr lang="it-IT">
+                              <a:solidFill>
+                                <a:schemeClr val="tx2"/>
+                              </a:solidFill>
+                            </a:rPr>
+                            <m:t>𝑚𝑖</m:t>
+                          </m:r>
+                          <m:func>
+                            <m:funcPr>
+                              <m:ctrlPr>
+                                <a:rPr lang="it-IT">
+                                  <a:solidFill>
+                                    <a:schemeClr val="tx2"/>
+                                  </a:solidFill>
+                                </a:rPr>
+                              </m:ctrlPr>
+                            </m:funcPr>
+                            <m:fName>
+                              <m:r>
+                                <a:rPr lang="it-IT">
+                                  <a:solidFill>
+                                    <a:schemeClr val="tx2"/>
+                                  </a:solidFill>
+                                </a:rPr>
+                                <m:t>𝑛</m:t>
+                              </m:r>
+                            </m:fName>
+                            <m:e>
+                              <m:d>
+                                <m:dPr>
+                                  <m:ctrlPr>
+                                    <a:rPr lang="it-IT">
+                                      <a:solidFill>
+                                        <a:schemeClr val="tx2"/>
+                                      </a:solidFill>
+                                    </a:rPr>
+                                  </m:ctrlPr>
+                                </m:dPr>
+                                <m:e>
+                                  <m:r>
+                                    <a:rPr lang="it-IT">
+                                      <a:solidFill>
+                                        <a:schemeClr val="tx2"/>
+                                      </a:solidFill>
+                                    </a:rPr>
+                                    <m:t>0, −1+</m:t>
+                                  </m:r>
+                                  <m:r>
+                                    <a:rPr lang="it-IT">
+                                      <a:solidFill>
+                                        <a:schemeClr val="tx2"/>
+                                      </a:solidFill>
+                                    </a:rPr>
+                                    <m:t>𝐷</m:t>
+                                  </m:r>
+                                  <m:d>
+                                    <m:dPr>
+                                      <m:ctrlPr>
+                                        <a:rPr lang="it-IT">
+                                          <a:solidFill>
+                                            <a:schemeClr val="tx2"/>
+                                          </a:solidFill>
+                                        </a:rPr>
+                                      </m:ctrlPr>
+                                    </m:dPr>
+                                    <m:e>
+                                      <m:r>
+                                        <a:rPr lang="it-IT">
+                                          <a:solidFill>
+                                            <a:schemeClr val="tx2"/>
+                                          </a:solidFill>
+                                        </a:rPr>
+                                        <m:t>𝑥</m:t>
+                                      </m:r>
+                                    </m:e>
+                                  </m:d>
+                                </m:e>
+                              </m:d>
+                            </m:e>
+                          </m:func>
+                        </m:e>
+                      </m:d>
+                      <m:r>
+                        <a:rPr lang="it-IT">
+                          <a:solidFill>
+                            <a:schemeClr val="tx2"/>
+                          </a:solidFill>
+                        </a:rPr>
+                        <m:t>−</m:t>
+                      </m:r>
+                      <m:sSub>
+                        <m:sSubPr>
+                          <m:ctrlPr>
+                            <a:rPr lang="it-IT">
+                              <a:solidFill>
+                                <a:schemeClr val="tx2"/>
+                              </a:solidFill>
+                            </a:rPr>
+                          </m:ctrlPr>
+                        </m:sSubPr>
+                        <m:e>
+                          <m:r>
+                            <a:rPr lang="it-IT">
+                              <a:solidFill>
+                                <a:schemeClr val="tx2"/>
+                              </a:solidFill>
+                            </a:rPr>
+                            <m:t>𝔼</m:t>
+                          </m:r>
+                        </m:e>
+                        <m:sub>
+                          <m:acc>
+                            <m:accPr>
+                              <m:chr m:val="̂"/>
+                              <m:ctrlPr>
+                                <a:rPr lang="it-IT">
+                                  <a:solidFill>
+                                    <a:schemeClr val="tx2"/>
+                                  </a:solidFill>
+                                </a:rPr>
+                              </m:ctrlPr>
+                            </m:accPr>
+                            <m:e>
+                              <m:r>
+                                <a:rPr lang="it-IT">
+                                  <a:solidFill>
+                                    <a:schemeClr val="tx2"/>
+                                  </a:solidFill>
+                                </a:rPr>
+                                <m:t>𝑥</m:t>
+                              </m:r>
+                            </m:e>
+                          </m:acc>
+                          <m:r>
+                            <a:rPr lang="it-IT">
+                              <a:solidFill>
+                                <a:schemeClr val="tx2"/>
+                              </a:solidFill>
+                            </a:rPr>
+                            <m:t>~</m:t>
+                          </m:r>
+                          <m:r>
+                            <a:rPr lang="it-IT">
+                              <a:solidFill>
+                                <a:schemeClr val="tx2"/>
+                              </a:solidFill>
+                            </a:rPr>
+                            <m:t>𝐺</m:t>
+                          </m:r>
+                          <m:d>
+                            <m:dPr>
+                              <m:ctrlPr>
+                                <a:rPr lang="it-IT">
+                                  <a:solidFill>
+                                    <a:schemeClr val="tx2"/>
+                                  </a:solidFill>
+                                </a:rPr>
+                              </m:ctrlPr>
+                            </m:dPr>
+                            <m:e>
+                              <m:r>
+                                <a:rPr lang="it-IT">
+                                  <a:solidFill>
+                                    <a:schemeClr val="tx2"/>
+                                  </a:solidFill>
+                                </a:rPr>
+                                <m:t>𝑧</m:t>
+                              </m:r>
+                            </m:e>
+                          </m:d>
+                        </m:sub>
+                      </m:sSub>
+                      <m:d>
+                        <m:dPr>
+                          <m:begChr m:val="["/>
+                          <m:endChr m:val="]"/>
+                          <m:ctrlPr>
+                            <a:rPr lang="it-IT">
+                              <a:solidFill>
+                                <a:schemeClr val="tx2"/>
+                              </a:solidFill>
+                            </a:rPr>
+                          </m:ctrlPr>
+                        </m:dPr>
+                        <m:e>
+                          <m:r>
+                            <a:rPr lang="it-IT">
+                              <a:solidFill>
+                                <a:schemeClr val="tx2"/>
+                              </a:solidFill>
+                            </a:rPr>
+                            <m:t>𝑚𝑖</m:t>
+                          </m:r>
+                          <m:func>
+                            <m:funcPr>
+                              <m:ctrlPr>
+                                <a:rPr lang="it-IT">
+                                  <a:solidFill>
+                                    <a:schemeClr val="tx2"/>
+                                  </a:solidFill>
+                                </a:rPr>
+                              </m:ctrlPr>
+                            </m:funcPr>
+                            <m:fName>
+                              <m:r>
+                                <a:rPr lang="it-IT">
+                                  <a:solidFill>
+                                    <a:schemeClr val="tx2"/>
+                                  </a:solidFill>
+                                </a:rPr>
+                                <m:t>𝑛</m:t>
+                              </m:r>
+                            </m:fName>
+                            <m:e>
+                              <m:d>
+                                <m:dPr>
+                                  <m:ctrlPr>
+                                    <a:rPr lang="it-IT">
+                                      <a:solidFill>
+                                        <a:schemeClr val="tx2"/>
+                                      </a:solidFill>
+                                    </a:rPr>
+                                  </m:ctrlPr>
+                                </m:dPr>
+                                <m:e>
+                                  <m:r>
+                                    <a:rPr lang="it-IT">
+                                      <a:solidFill>
+                                        <a:schemeClr val="tx2"/>
+                                      </a:solidFill>
+                                    </a:rPr>
+                                    <m:t>0, −1</m:t>
+                                  </m:r>
+                                  <m:r>
+                                    <a:rPr lang="it-IT">
+                                      <a:solidFill>
+                                        <a:schemeClr val="tx2"/>
+                                      </a:solidFill>
+                                    </a:rPr>
+                                    <m:t>−</m:t>
+                                  </m:r>
+                                  <m:r>
+                                    <a:rPr lang="it-IT">
+                                      <a:solidFill>
+                                        <a:schemeClr val="tx2"/>
+                                      </a:solidFill>
+                                    </a:rPr>
+                                    <m:t>𝐷</m:t>
+                                  </m:r>
+                                  <m:d>
+                                    <m:dPr>
+                                      <m:ctrlPr>
+                                        <a:rPr lang="it-IT">
+                                          <a:solidFill>
+                                            <a:schemeClr val="tx2"/>
+                                          </a:solidFill>
+                                        </a:rPr>
+                                      </m:ctrlPr>
+                                    </m:dPr>
+                                    <m:e>
+                                      <m:acc>
+                                        <m:accPr>
+                                          <m:chr m:val="̂"/>
+                                          <m:ctrlPr>
+                                            <a:rPr lang="it-IT">
+                                              <a:solidFill>
+                                                <a:schemeClr val="tx2"/>
+                                              </a:solidFill>
+                                            </a:rPr>
+                                          </m:ctrlPr>
+                                        </m:accPr>
+                                        <m:e>
+                                          <m:r>
+                                            <a:rPr lang="it-IT">
+                                              <a:solidFill>
+                                                <a:schemeClr val="tx2"/>
+                                              </a:solidFill>
+                                            </a:rPr>
+                                            <m:t>𝑥</m:t>
+                                          </m:r>
+                                        </m:e>
+                                      </m:acc>
+                                    </m:e>
+                                  </m:d>
+                                </m:e>
+                              </m:d>
+                            </m:e>
+                          </m:func>
+                        </m:e>
+                      </m:d>
+                      <m:r>
+                        <a:rPr lang="it-IT">
+                          <a:solidFill>
+                            <a:schemeClr val="tx2"/>
+                          </a:solidFill>
+                        </a:rPr>
+                        <m:t>+</m:t>
+                      </m:r>
+                      <m:sSub>
+                        <m:sSubPr>
+                          <m:ctrlPr>
+                            <a:rPr lang="it-IT">
+                              <a:solidFill>
+                                <a:schemeClr val="tx2"/>
+                              </a:solidFill>
+                            </a:rPr>
+                          </m:ctrlPr>
+                        </m:sSubPr>
+                        <m:e>
+                          <m:r>
+                            <a:rPr lang="en-GB">
+                              <a:solidFill>
+                                <a:schemeClr val="tx2"/>
+                              </a:solidFill>
+                            </a:rPr>
+                            <m:t>ℒ</m:t>
+                          </m:r>
+                        </m:e>
+                        <m:sub>
+                          <m:r>
+                            <a:rPr lang="it-IT">
+                              <a:solidFill>
+                                <a:schemeClr val="tx2"/>
+                              </a:solidFill>
+                            </a:rPr>
+                            <m:t>𝑟𝑒𝑐𝑜𝑛𝑠</m:t>
+                          </m:r>
+                        </m:sub>
+                      </m:sSub>
+                    </m:oMath>
+                  </m:oMathPara>
+                </a14:m>
+                <a:endParaRPr lang="en-GB" dirty="0">
+                  <a:solidFill>
+                    <a:schemeClr val="tx2"/>
+                  </a:solidFill>
+                </a:endParaRPr>
+              </a:p>
+            </p:txBody>
+          </p:sp>
+        </mc:Choice>
+        <mc:Fallback>
+          <p:sp>
+            <p:nvSpPr>
+              <p:cNvPr id="6" name="CasellaDiTesto 5">
+                <a:extLst>
+                  <a:ext uri="{FF2B5EF4-FFF2-40B4-BE49-F238E27FC236}">
+                    <a16:creationId xmlns:a16="http://schemas.microsoft.com/office/drawing/2014/main" id="{B755899B-6115-A345-9D72-7CD5A8F58D7E}"/>
+                  </a:ext>
+                </a:extLst>
+              </p:cNvPr>
+              <p:cNvSpPr txBox="1">
+                <a:spLocks noRot="1" noChangeAspect="1" noMove="1" noResize="1" noEditPoints="1" noAdjustHandles="1" noChangeArrowheads="1" noChangeShapeType="1" noTextEdit="1"/>
+              </p:cNvSpPr>
+              <p:nvPr/>
+            </p:nvSpPr>
+            <p:spPr>
+              <a:xfrm>
+                <a:off x="581193" y="6053997"/>
+                <a:ext cx="11029616" cy="600421"/>
+              </a:xfrm>
+              <a:prstGeom prst="rect">
+                <a:avLst/>
+              </a:prstGeom>
+              <a:blipFill>
+                <a:blip r:embed="rId4"/>
+                <a:stretch>
+                  <a:fillRect l="-1264" t="-12245" b="-2041"/>
+                </a:stretch>
+              </a:blipFill>
+            </p:spPr>
+            <p:txBody>
+              <a:bodyPr/>
+              <a:lstStyle/>
+              <a:p>
+                <a:r>
+                  <a:rPr lang="en-GB">
+                    <a:noFill/>
+                  </a:rPr>
+                  <a:t> </a:t>
+                </a:r>
+              </a:p>
+            </p:txBody>
+          </p:sp>
+        </mc:Fallback>
+      </mc:AlternateContent>
+    </p:spTree>
+    <p:extLst>
+      <p:ext uri="{BB962C8B-B14F-4D97-AF65-F5344CB8AC3E}">
+        <p14:creationId xmlns:p14="http://schemas.microsoft.com/office/powerpoint/2010/main" val="1895521645"/>
       </p:ext>
     </p:extLst>
   </p:cSld>
@@ -16316,6 +20612,14 @@
 </file>
 
 <file path=customXml/item1.xml><?xml version="1.0" encoding="utf-8"?>
+<p:properties xmlns:p="http://schemas.microsoft.com/office/2006/metadata/properties" xmlns:xsi="http://www.w3.org/2001/XMLSchema-instance" xmlns:pc="http://schemas.microsoft.com/office/infopath/2007/PartnerControls">
+  <documentManagement>
+    <MediaServiceKeyPoints xmlns="71af3243-3dd4-4a8d-8c0d-dd76da1f02a5" xsi:nil="true"/>
+  </documentManagement>
+</p:properties>
+</file>
+
+<file path=customXml/item2.xml><?xml version="1.0" encoding="utf-8"?>
 <ct:contentTypeSchema xmlns:ct="http://schemas.microsoft.com/office/2006/metadata/contentType" xmlns:ma="http://schemas.microsoft.com/office/2006/metadata/properties/metaAttributes" ct:_="" ma:_="" ma:contentTypeName="Document" ma:contentTypeID="0x01010079F111ED35F8CC479449609E8A0923A6" ma:contentTypeVersion="11" ma:contentTypeDescription="Create a new document." ma:contentTypeScope="" ma:versionID="1c2eb7a32e66fb6e4260f3771546a5e2">
   <xsd:schema xmlns:xsd="http://www.w3.org/2001/XMLSchema" xmlns:xs="http://www.w3.org/2001/XMLSchema" xmlns:p="http://schemas.microsoft.com/office/2006/metadata/properties" xmlns:ns2="71af3243-3dd4-4a8d-8c0d-dd76da1f02a5" xmlns:ns3="16c05727-aa75-4e4a-9b5f-8a80a1165891" targetNamespace="http://schemas.microsoft.com/office/2006/metadata/properties" ma:root="true" ma:fieldsID="04e1f6479c48b08974ba73b5ca973489" ns2:_="" ns3:_="">
     <xsd:import namespace="71af3243-3dd4-4a8d-8c0d-dd76da1f02a5"/>
@@ -16526,14 +20830,6 @@
 </ct:contentTypeSchema>
 </file>
 
-<file path=customXml/item2.xml><?xml version="1.0" encoding="utf-8"?>
-<p:properties xmlns:p="http://schemas.microsoft.com/office/2006/metadata/properties" xmlns:xsi="http://www.w3.org/2001/XMLSchema-instance" xmlns:pc="http://schemas.microsoft.com/office/infopath/2007/PartnerControls">
-  <documentManagement>
-    <MediaServiceKeyPoints xmlns="71af3243-3dd4-4a8d-8c0d-dd76da1f02a5" xsi:nil="true"/>
-  </documentManagement>
-</p:properties>
-</file>
-
 <file path=customXml/item3.xml><?xml version="1.0" encoding="utf-8"?>
 <?mso-contentType ?>
 <FormTemplates xmlns="http://schemas.microsoft.com/sharepoint/v3/contenttype/forms">
@@ -16544,6 +20840,16 @@
 </file>
 
 <file path=customXml/itemProps1.xml><?xml version="1.0" encoding="utf-8"?>
+<ds:datastoreItem xmlns:ds="http://schemas.openxmlformats.org/officeDocument/2006/customXml" ds:itemID="{1EBC12AA-1C15-4500-BC9C-8EE83A441DE9}">
+  <ds:schemaRefs>
+    <ds:schemaRef ds:uri="http://schemas.microsoft.com/office/2006/metadata/properties"/>
+    <ds:schemaRef ds:uri="http://schemas.microsoft.com/office/infopath/2007/PartnerControls"/>
+    <ds:schemaRef ds:uri="71af3243-3dd4-4a8d-8c0d-dd76da1f02a5"/>
+  </ds:schemaRefs>
+</ds:datastoreItem>
+</file>
+
+<file path=customXml/itemProps2.xml><?xml version="1.0" encoding="utf-8"?>
 <ds:datastoreItem xmlns:ds="http://schemas.openxmlformats.org/officeDocument/2006/customXml" ds:itemID="{1F69AFF4-BB30-4BA0-AD22-82CC3C43276B}">
   <ds:schemaRefs>
     <ds:schemaRef ds:uri="http://schemas.microsoft.com/office/2006/metadata/contentType"/>
@@ -16562,16 +20868,6 @@
 </ds:datastoreItem>
 </file>
 
-<file path=customXml/itemProps2.xml><?xml version="1.0" encoding="utf-8"?>
-<ds:datastoreItem xmlns:ds="http://schemas.openxmlformats.org/officeDocument/2006/customXml" ds:itemID="{1EBC12AA-1C15-4500-BC9C-8EE83A441DE9}">
-  <ds:schemaRefs>
-    <ds:schemaRef ds:uri="http://schemas.microsoft.com/office/2006/metadata/properties"/>
-    <ds:schemaRef ds:uri="http://schemas.microsoft.com/office/infopath/2007/PartnerControls"/>
-    <ds:schemaRef ds:uri="71af3243-3dd4-4a8d-8c0d-dd76da1f02a5"/>
-  </ds:schemaRefs>
-</ds:datastoreItem>
-</file>
-
 <file path=customXml/itemProps3.xml><?xml version="1.0" encoding="utf-8"?>
 <ds:datastoreItem xmlns:ds="http://schemas.openxmlformats.org/officeDocument/2006/customXml" ds:itemID="{BA0CF3B2-1F0F-4FC5-8002-3E4869ABAD55}">
   <ds:schemaRefs>
